--- a/Analog elektronik/examPrep/BJT/Diagrams_BJT.pptx
+++ b/Analog elektronik/examPrep/BJT/Diagrams_BJT.pptx
@@ -9,7 +9,8 @@
     <p:sldId id="257" r:id="rId3"/>
     <p:sldId id="259" r:id="rId4"/>
     <p:sldId id="260" r:id="rId5"/>
-    <p:sldId id="258" r:id="rId6"/>
+    <p:sldId id="261" r:id="rId6"/>
+    <p:sldId id="262" r:id="rId7"/>
   </p:sldIdLst>
   <p:sldSz cx="12192000" cy="6858000"/>
   <p:notesSz cx="6858000" cy="9144000"/>
@@ -263,7 +264,7 @@
           <a:p>
             <a:fld id="{07F1134A-591F-4889-A8F7-180982371E0F}" type="datetimeFigureOut">
               <a:rPr lang="da-DK" smtClean="0"/>
-              <a:t>04-06-2024</a:t>
+              <a:t>05-06-2024</a:t>
             </a:fld>
             <a:endParaRPr lang="da-DK"/>
           </a:p>
@@ -461,7 +462,7 @@
           <a:p>
             <a:fld id="{07F1134A-591F-4889-A8F7-180982371E0F}" type="datetimeFigureOut">
               <a:rPr lang="da-DK" smtClean="0"/>
-              <a:t>04-06-2024</a:t>
+              <a:t>05-06-2024</a:t>
             </a:fld>
             <a:endParaRPr lang="da-DK"/>
           </a:p>
@@ -669,7 +670,7 @@
           <a:p>
             <a:fld id="{07F1134A-591F-4889-A8F7-180982371E0F}" type="datetimeFigureOut">
               <a:rPr lang="da-DK" smtClean="0"/>
-              <a:t>04-06-2024</a:t>
+              <a:t>05-06-2024</a:t>
             </a:fld>
             <a:endParaRPr lang="da-DK"/>
           </a:p>
@@ -867,7 +868,7 @@
           <a:p>
             <a:fld id="{07F1134A-591F-4889-A8F7-180982371E0F}" type="datetimeFigureOut">
               <a:rPr lang="da-DK" smtClean="0"/>
-              <a:t>04-06-2024</a:t>
+              <a:t>05-06-2024</a:t>
             </a:fld>
             <a:endParaRPr lang="da-DK"/>
           </a:p>
@@ -1142,7 +1143,7 @@
           <a:p>
             <a:fld id="{07F1134A-591F-4889-A8F7-180982371E0F}" type="datetimeFigureOut">
               <a:rPr lang="da-DK" smtClean="0"/>
-              <a:t>04-06-2024</a:t>
+              <a:t>05-06-2024</a:t>
             </a:fld>
             <a:endParaRPr lang="da-DK"/>
           </a:p>
@@ -1407,7 +1408,7 @@
           <a:p>
             <a:fld id="{07F1134A-591F-4889-A8F7-180982371E0F}" type="datetimeFigureOut">
               <a:rPr lang="da-DK" smtClean="0"/>
-              <a:t>04-06-2024</a:t>
+              <a:t>05-06-2024</a:t>
             </a:fld>
             <a:endParaRPr lang="da-DK"/>
           </a:p>
@@ -1819,7 +1820,7 @@
           <a:p>
             <a:fld id="{07F1134A-591F-4889-A8F7-180982371E0F}" type="datetimeFigureOut">
               <a:rPr lang="da-DK" smtClean="0"/>
-              <a:t>04-06-2024</a:t>
+              <a:t>05-06-2024</a:t>
             </a:fld>
             <a:endParaRPr lang="da-DK"/>
           </a:p>
@@ -1960,7 +1961,7 @@
           <a:p>
             <a:fld id="{07F1134A-591F-4889-A8F7-180982371E0F}" type="datetimeFigureOut">
               <a:rPr lang="da-DK" smtClean="0"/>
-              <a:t>04-06-2024</a:t>
+              <a:t>05-06-2024</a:t>
             </a:fld>
             <a:endParaRPr lang="da-DK"/>
           </a:p>
@@ -2073,7 +2074,7 @@
           <a:p>
             <a:fld id="{07F1134A-591F-4889-A8F7-180982371E0F}" type="datetimeFigureOut">
               <a:rPr lang="da-DK" smtClean="0"/>
-              <a:t>04-06-2024</a:t>
+              <a:t>05-06-2024</a:t>
             </a:fld>
             <a:endParaRPr lang="da-DK"/>
           </a:p>
@@ -2384,7 +2385,7 @@
           <a:p>
             <a:fld id="{07F1134A-591F-4889-A8F7-180982371E0F}" type="datetimeFigureOut">
               <a:rPr lang="da-DK" smtClean="0"/>
-              <a:t>04-06-2024</a:t>
+              <a:t>05-06-2024</a:t>
             </a:fld>
             <a:endParaRPr lang="da-DK"/>
           </a:p>
@@ -2672,7 +2673,7 @@
           <a:p>
             <a:fld id="{07F1134A-591F-4889-A8F7-180982371E0F}" type="datetimeFigureOut">
               <a:rPr lang="da-DK" smtClean="0"/>
-              <a:t>04-06-2024</a:t>
+              <a:t>05-06-2024</a:t>
             </a:fld>
             <a:endParaRPr lang="da-DK"/>
           </a:p>
@@ -2913,7 +2914,7 @@
           <a:p>
             <a:fld id="{07F1134A-591F-4889-A8F7-180982371E0F}" type="datetimeFigureOut">
               <a:rPr lang="da-DK" smtClean="0"/>
-              <a:t>04-06-2024</a:t>
+              <a:t>05-06-2024</a:t>
             </a:fld>
             <a:endParaRPr lang="da-DK"/>
           </a:p>
@@ -5277,7 +5278,7 @@
           <a:p>
             <a:r>
               <a:rPr lang="da-DK" sz="1800" dirty="0"/>
-              <a:t>Small signal model</a:t>
+              <a:t>Small signal model Common Emitter (CE)</a:t>
             </a:r>
           </a:p>
         </p:txBody>
@@ -7647,7 +7648,7 @@
           <a:p>
             <a:r>
               <a:rPr lang="da-DK" sz="1800" dirty="0"/>
-              <a:t>Small signal model</a:t>
+              <a:t>Small signal model Common Emitter (CE)</a:t>
             </a:r>
           </a:p>
         </p:txBody>
@@ -10506,7 +10507,7 @@
           <a:p>
             <a:r>
               <a:rPr lang="da-DK" sz="1800" dirty="0"/>
-              <a:t>Small signal model with cap from RE to GND</a:t>
+              <a:t>Small signal model with cap from RE to GND Common Emitter (CE)</a:t>
             </a:r>
           </a:p>
         </p:txBody>
@@ -13162,7 +13163,7 @@
           <p:cNvPr id="2" name="Titel 1">
             <a:extLst>
               <a:ext uri="{FF2B5EF4-FFF2-40B4-BE49-F238E27FC236}">
-                <a16:creationId xmlns:a16="http://schemas.microsoft.com/office/drawing/2014/main" id="{E4D3B710-F8EF-C2B9-71AA-30D1BED586D6}"/>
+                <a16:creationId xmlns:a16="http://schemas.microsoft.com/office/drawing/2014/main" id="{28B4A379-FD1F-77C0-C20F-97EB36842E3B}"/>
               </a:ext>
             </a:extLst>
           </p:cNvPr>
@@ -13173,44 +13174,4885 @@
             <p:ph type="title"/>
           </p:nvPr>
         </p:nvSpPr>
-        <p:spPr/>
+        <p:spPr>
+          <a:xfrm>
+            <a:off x="838200" y="365126"/>
+            <a:ext cx="10515600" cy="372293"/>
+          </a:xfrm>
+        </p:spPr>
         <p:txBody>
-          <a:bodyPr/>
+          <a:bodyPr>
+            <a:normAutofit/>
+          </a:bodyPr>
           <a:lstStyle/>
           <a:p>
+            <a:r>
+              <a:rPr lang="da-DK" sz="1800" dirty="0"/>
+              <a:t>Small signal model Common Base (CB)</a:t>
+            </a:r>
+          </a:p>
+        </p:txBody>
+      </p:sp>
+      <p:cxnSp>
+        <p:nvCxnSpPr>
+          <p:cNvPr id="23" name="Lige forbindelse 22">
+            <a:extLst>
+              <a:ext uri="{FF2B5EF4-FFF2-40B4-BE49-F238E27FC236}">
+                <a16:creationId xmlns:a16="http://schemas.microsoft.com/office/drawing/2014/main" id="{FA209B55-4803-EB9B-5566-C31BFE86E497}"/>
+              </a:ext>
+            </a:extLst>
+          </p:cNvPr>
+          <p:cNvCxnSpPr>
+            <a:cxnSpLocks/>
+          </p:cNvCxnSpPr>
+          <p:nvPr/>
+        </p:nvCxnSpPr>
+        <p:spPr>
+          <a:xfrm>
+            <a:off x="1023023" y="2719111"/>
+            <a:ext cx="1620000" cy="0"/>
+          </a:xfrm>
+          <a:prstGeom prst="line">
+            <a:avLst/>
+          </a:prstGeom>
+          <a:ln w="12700"/>
+        </p:spPr>
+        <p:style>
+          <a:lnRef idx="2">
+            <a:schemeClr val="dk1"/>
+          </a:lnRef>
+          <a:fillRef idx="0">
+            <a:schemeClr val="dk1"/>
+          </a:fillRef>
+          <a:effectRef idx="1">
+            <a:schemeClr val="dk1"/>
+          </a:effectRef>
+          <a:fontRef idx="minor">
+            <a:schemeClr val="tx1"/>
+          </a:fontRef>
+        </p:style>
+      </p:cxnSp>
+      <p:grpSp>
+        <p:nvGrpSpPr>
+          <p:cNvPr id="30" name="Gruppe 29">
+            <a:extLst>
+              <a:ext uri="{FF2B5EF4-FFF2-40B4-BE49-F238E27FC236}">
+                <a16:creationId xmlns:a16="http://schemas.microsoft.com/office/drawing/2014/main" id="{12AC4C12-A404-B509-EBD7-BDC96EFE6A26}"/>
+              </a:ext>
+            </a:extLst>
+          </p:cNvPr>
+          <p:cNvGrpSpPr/>
+          <p:nvPr/>
+        </p:nvGrpSpPr>
+        <p:grpSpPr>
+          <a:xfrm>
+            <a:off x="2463054" y="1669350"/>
+            <a:ext cx="360000" cy="1056368"/>
+            <a:chOff x="3996808" y="1427106"/>
+            <a:chExt cx="360000" cy="1056368"/>
+          </a:xfrm>
+        </p:grpSpPr>
+        <p:sp>
+          <p:nvSpPr>
+            <p:cNvPr id="31" name="Rektangel 30">
+              <a:extLst>
+                <a:ext uri="{FF2B5EF4-FFF2-40B4-BE49-F238E27FC236}">
+                  <a16:creationId xmlns:a16="http://schemas.microsoft.com/office/drawing/2014/main" id="{658917AA-61C1-BFEB-7CD9-21C55F3AD93A}"/>
+                </a:ext>
+              </a:extLst>
+            </p:cNvPr>
+            <p:cNvSpPr/>
+            <p:nvPr/>
+          </p:nvSpPr>
+          <p:spPr>
+            <a:xfrm rot="2700000">
+              <a:off x="3996808" y="1771114"/>
+              <a:ext cx="360000" cy="360000"/>
+            </a:xfrm>
+            <a:prstGeom prst="rect">
+              <a:avLst/>
+            </a:prstGeom>
+            <a:noFill/>
+            <a:ln w="12700">
+              <a:solidFill>
+                <a:schemeClr val="tx1"/>
+              </a:solidFill>
+            </a:ln>
+          </p:spPr>
+          <p:style>
+            <a:lnRef idx="2">
+              <a:schemeClr val="accent1">
+                <a:shade val="15000"/>
+              </a:schemeClr>
+            </a:lnRef>
+            <a:fillRef idx="1">
+              <a:schemeClr val="accent1"/>
+            </a:fillRef>
+            <a:effectRef idx="0">
+              <a:schemeClr val="accent1"/>
+            </a:effectRef>
+            <a:fontRef idx="minor">
+              <a:schemeClr val="lt1"/>
+            </a:fontRef>
+          </p:style>
+          <p:txBody>
+            <a:bodyPr rtlCol="0" anchor="ctr"/>
+            <a:lstStyle/>
+            <a:p>
+              <a:pPr algn="ctr"/>
+              <a:endParaRPr lang="da-DK"/>
+            </a:p>
+          </p:txBody>
+        </p:sp>
+        <p:cxnSp>
+          <p:nvCxnSpPr>
+            <p:cNvPr id="32" name="Lige pilforbindelse 31">
+              <a:extLst>
+                <a:ext uri="{FF2B5EF4-FFF2-40B4-BE49-F238E27FC236}">
+                  <a16:creationId xmlns:a16="http://schemas.microsoft.com/office/drawing/2014/main" id="{F383D5B0-CEA1-637B-C23A-23AA136E932F}"/>
+                </a:ext>
+              </a:extLst>
+            </p:cNvPr>
+            <p:cNvCxnSpPr/>
+            <p:nvPr/>
+          </p:nvCxnSpPr>
+          <p:spPr>
+            <a:xfrm>
+              <a:off x="4176808" y="1784412"/>
+              <a:ext cx="0" cy="326344"/>
+            </a:xfrm>
+            <a:prstGeom prst="straightConnector1">
+              <a:avLst/>
+            </a:prstGeom>
+            <a:ln w="12700">
+              <a:solidFill>
+                <a:schemeClr val="tx1"/>
+              </a:solidFill>
+              <a:tailEnd type="triangle"/>
+            </a:ln>
+          </p:spPr>
+          <p:style>
+            <a:lnRef idx="2">
+              <a:schemeClr val="accent1"/>
+            </a:lnRef>
+            <a:fillRef idx="0">
+              <a:schemeClr val="accent1"/>
+            </a:fillRef>
+            <a:effectRef idx="1">
+              <a:schemeClr val="accent1"/>
+            </a:effectRef>
+            <a:fontRef idx="minor">
+              <a:schemeClr val="tx1"/>
+            </a:fontRef>
+          </p:style>
+        </p:cxnSp>
+        <p:cxnSp>
+          <p:nvCxnSpPr>
+            <p:cNvPr id="33" name="Lige forbindelse 32">
+              <a:extLst>
+                <a:ext uri="{FF2B5EF4-FFF2-40B4-BE49-F238E27FC236}">
+                  <a16:creationId xmlns:a16="http://schemas.microsoft.com/office/drawing/2014/main" id="{CD0D48C2-7DEF-E276-2B7B-843390168E73}"/>
+                </a:ext>
+              </a:extLst>
+            </p:cNvPr>
+            <p:cNvCxnSpPr>
+              <a:cxnSpLocks/>
+            </p:cNvCxnSpPr>
+            <p:nvPr/>
+          </p:nvCxnSpPr>
+          <p:spPr>
+            <a:xfrm>
+              <a:off x="4176806" y="1427106"/>
+              <a:ext cx="2" cy="272186"/>
+            </a:xfrm>
+            <a:prstGeom prst="line">
+              <a:avLst/>
+            </a:prstGeom>
+            <a:ln w="12700">
+              <a:solidFill>
+                <a:schemeClr val="tx1"/>
+              </a:solidFill>
+            </a:ln>
+          </p:spPr>
+          <p:style>
+            <a:lnRef idx="2">
+              <a:schemeClr val="accent1"/>
+            </a:lnRef>
+            <a:fillRef idx="0">
+              <a:schemeClr val="accent1"/>
+            </a:fillRef>
+            <a:effectRef idx="1">
+              <a:schemeClr val="accent1"/>
+            </a:effectRef>
+            <a:fontRef idx="minor">
+              <a:schemeClr val="tx1"/>
+            </a:fontRef>
+          </p:style>
+        </p:cxnSp>
+        <p:cxnSp>
+          <p:nvCxnSpPr>
+            <p:cNvPr id="34" name="Lige forbindelse 33">
+              <a:extLst>
+                <a:ext uri="{FF2B5EF4-FFF2-40B4-BE49-F238E27FC236}">
+                  <a16:creationId xmlns:a16="http://schemas.microsoft.com/office/drawing/2014/main" id="{D6ABD613-6ECF-B937-4655-2B193C89313A}"/>
+                </a:ext>
+              </a:extLst>
+            </p:cNvPr>
+            <p:cNvCxnSpPr>
+              <a:cxnSpLocks/>
+            </p:cNvCxnSpPr>
+            <p:nvPr/>
+          </p:nvCxnSpPr>
+          <p:spPr>
+            <a:xfrm>
+              <a:off x="4176807" y="2205673"/>
+              <a:ext cx="0" cy="277801"/>
+            </a:xfrm>
+            <a:prstGeom prst="line">
+              <a:avLst/>
+            </a:prstGeom>
+            <a:ln w="12700">
+              <a:solidFill>
+                <a:schemeClr val="tx1"/>
+              </a:solidFill>
+            </a:ln>
+          </p:spPr>
+          <p:style>
+            <a:lnRef idx="2">
+              <a:schemeClr val="accent1"/>
+            </a:lnRef>
+            <a:fillRef idx="0">
+              <a:schemeClr val="accent1"/>
+            </a:fillRef>
+            <a:effectRef idx="1">
+              <a:schemeClr val="accent1"/>
+            </a:effectRef>
+            <a:fontRef idx="minor">
+              <a:schemeClr val="tx1"/>
+            </a:fontRef>
+          </p:style>
+        </p:cxnSp>
+      </p:grpSp>
+      <p:cxnSp>
+        <p:nvCxnSpPr>
+          <p:cNvPr id="49" name="Lige forbindelse 48">
+            <a:extLst>
+              <a:ext uri="{FF2B5EF4-FFF2-40B4-BE49-F238E27FC236}">
+                <a16:creationId xmlns:a16="http://schemas.microsoft.com/office/drawing/2014/main" id="{8B38743B-5BBF-8344-11C5-A6DD3646BCD8}"/>
+              </a:ext>
+            </a:extLst>
+          </p:cNvPr>
+          <p:cNvCxnSpPr>
+            <a:cxnSpLocks/>
+          </p:cNvCxnSpPr>
+          <p:nvPr/>
+        </p:nvCxnSpPr>
+        <p:spPr>
+          <a:xfrm flipV="1">
+            <a:off x="1020239" y="4909944"/>
+            <a:ext cx="5220000" cy="0"/>
+          </a:xfrm>
+          <a:prstGeom prst="line">
+            <a:avLst/>
+          </a:prstGeom>
+          <a:ln w="12700">
+            <a:solidFill>
+              <a:schemeClr val="tx1"/>
+            </a:solidFill>
+          </a:ln>
+        </p:spPr>
+        <p:style>
+          <a:lnRef idx="2">
+            <a:schemeClr val="accent1"/>
+          </a:lnRef>
+          <a:fillRef idx="0">
+            <a:schemeClr val="accent1"/>
+          </a:fillRef>
+          <a:effectRef idx="1">
+            <a:schemeClr val="accent1"/>
+          </a:effectRef>
+          <a:fontRef idx="minor">
+            <a:schemeClr val="tx1"/>
+          </a:fontRef>
+        </p:style>
+      </p:cxnSp>
+      <p:grpSp>
+        <p:nvGrpSpPr>
+          <p:cNvPr id="51" name="Gruppe 50">
+            <a:extLst>
+              <a:ext uri="{FF2B5EF4-FFF2-40B4-BE49-F238E27FC236}">
+                <a16:creationId xmlns:a16="http://schemas.microsoft.com/office/drawing/2014/main" id="{B2A41DE5-8D02-31E1-1906-A9D8A2F852B4}"/>
+              </a:ext>
+            </a:extLst>
+          </p:cNvPr>
+          <p:cNvGrpSpPr/>
+          <p:nvPr/>
+        </p:nvGrpSpPr>
+        <p:grpSpPr>
+          <a:xfrm rot="5400000">
+            <a:off x="4977564" y="2278578"/>
+            <a:ext cx="1057338" cy="1206183"/>
+            <a:chOff x="1321878" y="578229"/>
+            <a:chExt cx="1057338" cy="1206183"/>
+          </a:xfrm>
+        </p:grpSpPr>
+        <p:grpSp>
+          <p:nvGrpSpPr>
+            <p:cNvPr id="52" name="Gruppe 51">
+              <a:extLst>
+                <a:ext uri="{FF2B5EF4-FFF2-40B4-BE49-F238E27FC236}">
+                  <a16:creationId xmlns:a16="http://schemas.microsoft.com/office/drawing/2014/main" id="{F9E29F28-B402-8BB4-0961-972F995F07DA}"/>
+                </a:ext>
+              </a:extLst>
+            </p:cNvPr>
+            <p:cNvGrpSpPr/>
+            <p:nvPr/>
+          </p:nvGrpSpPr>
+          <p:grpSpPr>
+            <a:xfrm>
+              <a:off x="1321878" y="1606858"/>
+              <a:ext cx="1057338" cy="177554"/>
+              <a:chOff x="1321878" y="1606858"/>
+              <a:chExt cx="1057338" cy="177554"/>
+            </a:xfrm>
+          </p:grpSpPr>
+          <p:sp>
+            <p:nvSpPr>
+              <p:cNvPr id="54" name="Rektangel 53">
+                <a:extLst>
+                  <a:ext uri="{FF2B5EF4-FFF2-40B4-BE49-F238E27FC236}">
+                    <a16:creationId xmlns:a16="http://schemas.microsoft.com/office/drawing/2014/main" id="{545AF1E0-2860-41D6-0091-6F92E9F74972}"/>
+                  </a:ext>
+                </a:extLst>
+              </p:cNvPr>
+              <p:cNvSpPr/>
+              <p:nvPr/>
+            </p:nvSpPr>
+            <p:spPr>
+              <a:xfrm>
+                <a:off x="1518082" y="1606858"/>
+                <a:ext cx="665825" cy="177554"/>
+              </a:xfrm>
+              <a:prstGeom prst="rect">
+                <a:avLst/>
+              </a:prstGeom>
+              <a:noFill/>
+              <a:ln w="12700">
+                <a:solidFill>
+                  <a:schemeClr val="tx1"/>
+                </a:solidFill>
+              </a:ln>
+            </p:spPr>
+            <p:style>
+              <a:lnRef idx="2">
+                <a:schemeClr val="accent1">
+                  <a:shade val="15000"/>
+                </a:schemeClr>
+              </a:lnRef>
+              <a:fillRef idx="1">
+                <a:schemeClr val="accent1"/>
+              </a:fillRef>
+              <a:effectRef idx="0">
+                <a:schemeClr val="accent1"/>
+              </a:effectRef>
+              <a:fontRef idx="minor">
+                <a:schemeClr val="lt1"/>
+              </a:fontRef>
+            </p:style>
+            <p:txBody>
+              <a:bodyPr rtlCol="0" anchor="ctr"/>
+              <a:lstStyle/>
+              <a:p>
+                <a:pPr algn="ctr"/>
+                <a:endParaRPr lang="da-DK"/>
+              </a:p>
+            </p:txBody>
+          </p:sp>
+          <p:cxnSp>
+            <p:nvCxnSpPr>
+              <p:cNvPr id="55" name="Lige forbindelse 54">
+                <a:extLst>
+                  <a:ext uri="{FF2B5EF4-FFF2-40B4-BE49-F238E27FC236}">
+                    <a16:creationId xmlns:a16="http://schemas.microsoft.com/office/drawing/2014/main" id="{A30DBDB9-B44B-4ADC-0B0D-A4A00EB752E5}"/>
+                  </a:ext>
+                </a:extLst>
+              </p:cNvPr>
+              <p:cNvCxnSpPr>
+                <a:cxnSpLocks/>
+                <a:stCxn id="54" idx="3"/>
+              </p:cNvCxnSpPr>
+              <p:nvPr/>
+            </p:nvCxnSpPr>
+            <p:spPr>
+              <a:xfrm>
+                <a:off x="2183907" y="1695635"/>
+                <a:ext cx="195309" cy="0"/>
+              </a:xfrm>
+              <a:prstGeom prst="line">
+                <a:avLst/>
+              </a:prstGeom>
+              <a:ln w="12700">
+                <a:solidFill>
+                  <a:schemeClr val="tx1"/>
+                </a:solidFill>
+              </a:ln>
+            </p:spPr>
+            <p:style>
+              <a:lnRef idx="2">
+                <a:schemeClr val="accent1"/>
+              </a:lnRef>
+              <a:fillRef idx="0">
+                <a:schemeClr val="accent1"/>
+              </a:fillRef>
+              <a:effectRef idx="1">
+                <a:schemeClr val="accent1"/>
+              </a:effectRef>
+              <a:fontRef idx="minor">
+                <a:schemeClr val="tx1"/>
+              </a:fontRef>
+            </p:style>
+          </p:cxnSp>
+          <p:cxnSp>
+            <p:nvCxnSpPr>
+              <p:cNvPr id="56" name="Lige forbindelse 55">
+                <a:extLst>
+                  <a:ext uri="{FF2B5EF4-FFF2-40B4-BE49-F238E27FC236}">
+                    <a16:creationId xmlns:a16="http://schemas.microsoft.com/office/drawing/2014/main" id="{455C6196-C6AE-1E6B-41B1-A7C6F53B9CFD}"/>
+                  </a:ext>
+                </a:extLst>
+              </p:cNvPr>
+              <p:cNvCxnSpPr>
+                <a:cxnSpLocks/>
+              </p:cNvCxnSpPr>
+              <p:nvPr/>
+            </p:nvCxnSpPr>
+            <p:spPr>
+              <a:xfrm>
+                <a:off x="1321878" y="1702728"/>
+                <a:ext cx="195309" cy="0"/>
+              </a:xfrm>
+              <a:prstGeom prst="line">
+                <a:avLst/>
+              </a:prstGeom>
+              <a:ln w="12700">
+                <a:solidFill>
+                  <a:schemeClr val="tx1"/>
+                </a:solidFill>
+              </a:ln>
+            </p:spPr>
+            <p:style>
+              <a:lnRef idx="2">
+                <a:schemeClr val="accent1"/>
+              </a:lnRef>
+              <a:fillRef idx="0">
+                <a:schemeClr val="accent1"/>
+              </a:fillRef>
+              <a:effectRef idx="1">
+                <a:schemeClr val="accent1"/>
+              </a:effectRef>
+              <a:fontRef idx="minor">
+                <a:schemeClr val="tx1"/>
+              </a:fontRef>
+            </p:style>
+          </p:cxnSp>
+        </p:grpSp>
+        <p:sp>
+          <p:nvSpPr>
+            <p:cNvPr id="53" name="Tekstfelt 52">
+              <a:extLst>
+                <a:ext uri="{FF2B5EF4-FFF2-40B4-BE49-F238E27FC236}">
+                  <a16:creationId xmlns:a16="http://schemas.microsoft.com/office/drawing/2014/main" id="{26FFA835-6D81-76D9-8E2B-8DC4B0F6E676}"/>
+                </a:ext>
+              </a:extLst>
+            </p:cNvPr>
+            <p:cNvSpPr txBox="1"/>
+            <p:nvPr/>
+          </p:nvSpPr>
+          <p:spPr>
+            <a:xfrm rot="16200000">
+              <a:off x="1395999" y="950356"/>
+              <a:ext cx="1021254" cy="276999"/>
+            </a:xfrm>
+            <a:prstGeom prst="rect">
+              <a:avLst/>
+            </a:prstGeom>
+            <a:noFill/>
+          </p:spPr>
+          <p:txBody>
+            <a:bodyPr wrap="square" rtlCol="0">
+              <a:spAutoFit/>
+            </a:bodyPr>
+            <a:lstStyle/>
+            <a:p>
+              <a:r>
+                <a:rPr lang="da-DK" sz="1200" dirty="0"/>
+                <a:t>RL = 6.2k</a:t>
+              </a:r>
+              <a:r>
+                <a:rPr lang="el-GR" sz="1200" dirty="0"/>
+                <a:t>Ω</a:t>
+              </a:r>
+              <a:endParaRPr lang="da-DK" sz="1200" dirty="0"/>
+            </a:p>
+          </p:txBody>
+        </p:sp>
+      </p:grpSp>
+      <p:grpSp>
+        <p:nvGrpSpPr>
+          <p:cNvPr id="63" name="Gruppe 62">
+            <a:extLst>
+              <a:ext uri="{FF2B5EF4-FFF2-40B4-BE49-F238E27FC236}">
+                <a16:creationId xmlns:a16="http://schemas.microsoft.com/office/drawing/2014/main" id="{F584279E-909E-3448-503F-F032B18253C0}"/>
+              </a:ext>
+            </a:extLst>
+          </p:cNvPr>
+          <p:cNvGrpSpPr/>
+          <p:nvPr/>
+        </p:nvGrpSpPr>
+        <p:grpSpPr>
+          <a:xfrm rot="5400000">
+            <a:off x="3614095" y="2269230"/>
+            <a:ext cx="1057338" cy="1206183"/>
+            <a:chOff x="1321878" y="578229"/>
+            <a:chExt cx="1057338" cy="1206183"/>
+          </a:xfrm>
+        </p:grpSpPr>
+        <p:grpSp>
+          <p:nvGrpSpPr>
+            <p:cNvPr id="64" name="Gruppe 63">
+              <a:extLst>
+                <a:ext uri="{FF2B5EF4-FFF2-40B4-BE49-F238E27FC236}">
+                  <a16:creationId xmlns:a16="http://schemas.microsoft.com/office/drawing/2014/main" id="{21728D0A-FB21-58B6-0A89-F21F46E7BC83}"/>
+                </a:ext>
+              </a:extLst>
+            </p:cNvPr>
+            <p:cNvGrpSpPr/>
+            <p:nvPr/>
+          </p:nvGrpSpPr>
+          <p:grpSpPr>
+            <a:xfrm>
+              <a:off x="1321878" y="1606858"/>
+              <a:ext cx="1057338" cy="177554"/>
+              <a:chOff x="1321878" y="1606858"/>
+              <a:chExt cx="1057338" cy="177554"/>
+            </a:xfrm>
+          </p:grpSpPr>
+          <p:sp>
+            <p:nvSpPr>
+              <p:cNvPr id="66" name="Rektangel 65">
+                <a:extLst>
+                  <a:ext uri="{FF2B5EF4-FFF2-40B4-BE49-F238E27FC236}">
+                    <a16:creationId xmlns:a16="http://schemas.microsoft.com/office/drawing/2014/main" id="{49D7AE05-E2DA-ECC0-856A-F67635318CDC}"/>
+                  </a:ext>
+                </a:extLst>
+              </p:cNvPr>
+              <p:cNvSpPr/>
+              <p:nvPr/>
+            </p:nvSpPr>
+            <p:spPr>
+              <a:xfrm>
+                <a:off x="1518082" y="1606858"/>
+                <a:ext cx="665825" cy="177554"/>
+              </a:xfrm>
+              <a:prstGeom prst="rect">
+                <a:avLst/>
+              </a:prstGeom>
+              <a:noFill/>
+              <a:ln w="12700">
+                <a:solidFill>
+                  <a:schemeClr val="tx1"/>
+                </a:solidFill>
+              </a:ln>
+            </p:spPr>
+            <p:style>
+              <a:lnRef idx="2">
+                <a:schemeClr val="accent1">
+                  <a:shade val="15000"/>
+                </a:schemeClr>
+              </a:lnRef>
+              <a:fillRef idx="1">
+                <a:schemeClr val="accent1"/>
+              </a:fillRef>
+              <a:effectRef idx="0">
+                <a:schemeClr val="accent1"/>
+              </a:effectRef>
+              <a:fontRef idx="minor">
+                <a:schemeClr val="lt1"/>
+              </a:fontRef>
+            </p:style>
+            <p:txBody>
+              <a:bodyPr rtlCol="0" anchor="ctr"/>
+              <a:lstStyle/>
+              <a:p>
+                <a:pPr algn="ctr"/>
+                <a:endParaRPr lang="da-DK"/>
+              </a:p>
+            </p:txBody>
+          </p:sp>
+          <p:cxnSp>
+            <p:nvCxnSpPr>
+              <p:cNvPr id="67" name="Lige forbindelse 66">
+                <a:extLst>
+                  <a:ext uri="{FF2B5EF4-FFF2-40B4-BE49-F238E27FC236}">
+                    <a16:creationId xmlns:a16="http://schemas.microsoft.com/office/drawing/2014/main" id="{68E6B185-971E-0EC6-02CF-5FAE142F768F}"/>
+                  </a:ext>
+                </a:extLst>
+              </p:cNvPr>
+              <p:cNvCxnSpPr>
+                <a:cxnSpLocks/>
+                <a:stCxn id="66" idx="3"/>
+              </p:cNvCxnSpPr>
+              <p:nvPr/>
+            </p:nvCxnSpPr>
+            <p:spPr>
+              <a:xfrm>
+                <a:off x="2183907" y="1695635"/>
+                <a:ext cx="195309" cy="0"/>
+              </a:xfrm>
+              <a:prstGeom prst="line">
+                <a:avLst/>
+              </a:prstGeom>
+              <a:ln w="12700">
+                <a:solidFill>
+                  <a:schemeClr val="tx1"/>
+                </a:solidFill>
+              </a:ln>
+            </p:spPr>
+            <p:style>
+              <a:lnRef idx="2">
+                <a:schemeClr val="accent1"/>
+              </a:lnRef>
+              <a:fillRef idx="0">
+                <a:schemeClr val="accent1"/>
+              </a:fillRef>
+              <a:effectRef idx="1">
+                <a:schemeClr val="accent1"/>
+              </a:effectRef>
+              <a:fontRef idx="minor">
+                <a:schemeClr val="tx1"/>
+              </a:fontRef>
+            </p:style>
+          </p:cxnSp>
+          <p:cxnSp>
+            <p:nvCxnSpPr>
+              <p:cNvPr id="68" name="Lige forbindelse 67">
+                <a:extLst>
+                  <a:ext uri="{FF2B5EF4-FFF2-40B4-BE49-F238E27FC236}">
+                    <a16:creationId xmlns:a16="http://schemas.microsoft.com/office/drawing/2014/main" id="{77FCB4B6-0377-60F3-7D23-27F2CD9CEB10}"/>
+                  </a:ext>
+                </a:extLst>
+              </p:cNvPr>
+              <p:cNvCxnSpPr>
+                <a:cxnSpLocks/>
+              </p:cNvCxnSpPr>
+              <p:nvPr/>
+            </p:nvCxnSpPr>
+            <p:spPr>
+              <a:xfrm>
+                <a:off x="1321878" y="1702728"/>
+                <a:ext cx="195309" cy="0"/>
+              </a:xfrm>
+              <a:prstGeom prst="line">
+                <a:avLst/>
+              </a:prstGeom>
+              <a:ln w="12700">
+                <a:solidFill>
+                  <a:schemeClr val="tx1"/>
+                </a:solidFill>
+              </a:ln>
+            </p:spPr>
+            <p:style>
+              <a:lnRef idx="2">
+                <a:schemeClr val="accent1"/>
+              </a:lnRef>
+              <a:fillRef idx="0">
+                <a:schemeClr val="accent1"/>
+              </a:fillRef>
+              <a:effectRef idx="1">
+                <a:schemeClr val="accent1"/>
+              </a:effectRef>
+              <a:fontRef idx="minor">
+                <a:schemeClr val="tx1"/>
+              </a:fontRef>
+            </p:style>
+          </p:cxnSp>
+        </p:grpSp>
+        <p:sp>
+          <p:nvSpPr>
+            <p:cNvPr id="65" name="Tekstfelt 64">
+              <a:extLst>
+                <a:ext uri="{FF2B5EF4-FFF2-40B4-BE49-F238E27FC236}">
+                  <a16:creationId xmlns:a16="http://schemas.microsoft.com/office/drawing/2014/main" id="{CCE01267-1DB1-255B-290A-75AC6654AEC6}"/>
+                </a:ext>
+              </a:extLst>
+            </p:cNvPr>
+            <p:cNvSpPr txBox="1"/>
+            <p:nvPr/>
+          </p:nvSpPr>
+          <p:spPr>
+            <a:xfrm rot="16200000">
+              <a:off x="1395999" y="950356"/>
+              <a:ext cx="1021254" cy="276999"/>
+            </a:xfrm>
+            <a:prstGeom prst="rect">
+              <a:avLst/>
+            </a:prstGeom>
+            <a:noFill/>
+          </p:spPr>
+          <p:txBody>
+            <a:bodyPr wrap="square" rtlCol="0">
+              <a:spAutoFit/>
+            </a:bodyPr>
+            <a:lstStyle/>
+            <a:p>
+              <a:r>
+                <a:rPr lang="da-DK" sz="1200" dirty="0" err="1"/>
+                <a:t>Rc</a:t>
+              </a:r>
+              <a:r>
+                <a:rPr lang="da-DK" sz="1200" dirty="0"/>
+                <a:t> = 3.3k</a:t>
+              </a:r>
+              <a:r>
+                <a:rPr lang="el-GR" sz="1200" dirty="0"/>
+                <a:t>Ω</a:t>
+              </a:r>
+              <a:endParaRPr lang="da-DK" sz="1200" dirty="0"/>
+            </a:p>
+          </p:txBody>
+        </p:sp>
+      </p:grpSp>
+      <p:grpSp>
+        <p:nvGrpSpPr>
+          <p:cNvPr id="50" name="Gruppe 49">
+            <a:extLst>
+              <a:ext uri="{FF2B5EF4-FFF2-40B4-BE49-F238E27FC236}">
+                <a16:creationId xmlns:a16="http://schemas.microsoft.com/office/drawing/2014/main" id="{4A4AADAC-086B-ECC6-163C-831F4C48C810}"/>
+              </a:ext>
+            </a:extLst>
+          </p:cNvPr>
+          <p:cNvGrpSpPr/>
+          <p:nvPr/>
+        </p:nvGrpSpPr>
+        <p:grpSpPr>
+          <a:xfrm>
+            <a:off x="1335728" y="3832430"/>
+            <a:ext cx="746229" cy="1077051"/>
+            <a:chOff x="637974" y="2736871"/>
+            <a:chExt cx="746229" cy="1077051"/>
+          </a:xfrm>
+        </p:grpSpPr>
+        <p:cxnSp>
+          <p:nvCxnSpPr>
+            <p:cNvPr id="10" name="Lige forbindelse 9">
+              <a:extLst>
+                <a:ext uri="{FF2B5EF4-FFF2-40B4-BE49-F238E27FC236}">
+                  <a16:creationId xmlns:a16="http://schemas.microsoft.com/office/drawing/2014/main" id="{79C9EFDC-28BD-9BC8-2C47-22FCCC002981}"/>
+                </a:ext>
+              </a:extLst>
+            </p:cNvPr>
+            <p:cNvCxnSpPr>
+              <a:cxnSpLocks/>
+            </p:cNvCxnSpPr>
+            <p:nvPr/>
+          </p:nvCxnSpPr>
+          <p:spPr>
+            <a:xfrm>
+              <a:off x="1190634" y="2736871"/>
+              <a:ext cx="0" cy="396000"/>
+            </a:xfrm>
+            <a:prstGeom prst="line">
+              <a:avLst/>
+            </a:prstGeom>
+            <a:ln w="12700">
+              <a:solidFill>
+                <a:schemeClr val="tx1"/>
+              </a:solidFill>
+            </a:ln>
+          </p:spPr>
+          <p:style>
+            <a:lnRef idx="2">
+              <a:schemeClr val="accent1"/>
+            </a:lnRef>
+            <a:fillRef idx="0">
+              <a:schemeClr val="accent1"/>
+            </a:fillRef>
+            <a:effectRef idx="1">
+              <a:schemeClr val="accent1"/>
+            </a:effectRef>
+            <a:fontRef idx="minor">
+              <a:schemeClr val="tx1"/>
+            </a:fontRef>
+          </p:style>
+        </p:cxnSp>
+        <p:grpSp>
+          <p:nvGrpSpPr>
+            <p:cNvPr id="47" name="Gruppe 46">
+              <a:extLst>
+                <a:ext uri="{FF2B5EF4-FFF2-40B4-BE49-F238E27FC236}">
+                  <a16:creationId xmlns:a16="http://schemas.microsoft.com/office/drawing/2014/main" id="{AD19E7EA-CE9D-387E-0D5E-CF6FDB20C73A}"/>
+                </a:ext>
+              </a:extLst>
+            </p:cNvPr>
+            <p:cNvGrpSpPr/>
+            <p:nvPr/>
+          </p:nvGrpSpPr>
+          <p:grpSpPr>
+            <a:xfrm>
+              <a:off x="637974" y="2877180"/>
+              <a:ext cx="746229" cy="936742"/>
+              <a:chOff x="637974" y="2877180"/>
+              <a:chExt cx="746229" cy="936742"/>
+            </a:xfrm>
+          </p:grpSpPr>
+          <p:grpSp>
+            <p:nvGrpSpPr>
+              <p:cNvPr id="11" name="Gruppe 10">
+                <a:extLst>
+                  <a:ext uri="{FF2B5EF4-FFF2-40B4-BE49-F238E27FC236}">
+                    <a16:creationId xmlns:a16="http://schemas.microsoft.com/office/drawing/2014/main" id="{64A30E4E-8BA2-88F3-76BC-722239F3667B}"/>
+                  </a:ext>
+                </a:extLst>
+              </p:cNvPr>
+              <p:cNvGrpSpPr/>
+              <p:nvPr/>
+            </p:nvGrpSpPr>
+            <p:grpSpPr>
+              <a:xfrm>
+                <a:off x="637974" y="3131105"/>
+                <a:ext cx="746229" cy="499043"/>
+                <a:chOff x="789479" y="2256503"/>
+                <a:chExt cx="746229" cy="499043"/>
+              </a:xfrm>
+            </p:grpSpPr>
+            <p:sp>
+              <p:nvSpPr>
+                <p:cNvPr id="14" name="Rutediagram: Forbindelse 13">
+                  <a:extLst>
+                    <a:ext uri="{FF2B5EF4-FFF2-40B4-BE49-F238E27FC236}">
+                      <a16:creationId xmlns:a16="http://schemas.microsoft.com/office/drawing/2014/main" id="{5F9DAD61-492D-8CD9-322B-458984DE6FFD}"/>
+                    </a:ext>
+                  </a:extLst>
+                </p:cNvPr>
+                <p:cNvSpPr/>
+                <p:nvPr/>
+              </p:nvSpPr>
+              <p:spPr>
+                <a:xfrm>
+                  <a:off x="1108047" y="2256503"/>
+                  <a:ext cx="427661" cy="428273"/>
+                </a:xfrm>
+                <a:prstGeom prst="flowChartConnector">
+                  <a:avLst/>
+                </a:prstGeom>
+                <a:noFill/>
+                <a:ln w="12700">
+                  <a:solidFill>
+                    <a:schemeClr val="tx1"/>
+                  </a:solidFill>
+                </a:ln>
+              </p:spPr>
+              <p:style>
+                <a:lnRef idx="2">
+                  <a:schemeClr val="accent1">
+                    <a:shade val="15000"/>
+                  </a:schemeClr>
+                </a:lnRef>
+                <a:fillRef idx="1">
+                  <a:schemeClr val="accent1"/>
+                </a:fillRef>
+                <a:effectRef idx="0">
+                  <a:schemeClr val="accent1"/>
+                </a:effectRef>
+                <a:fontRef idx="minor">
+                  <a:schemeClr val="lt1"/>
+                </a:fontRef>
+              </p:style>
+              <p:txBody>
+                <a:bodyPr rtlCol="0" anchor="ctr"/>
+                <a:lstStyle/>
+                <a:p>
+                  <a:pPr algn="ctr"/>
+                  <a:endParaRPr lang="da-DK"/>
+                </a:p>
+              </p:txBody>
+            </p:sp>
+            <p:sp>
+              <p:nvSpPr>
+                <p:cNvPr id="13" name="Tekstfelt 12">
+                  <a:extLst>
+                    <a:ext uri="{FF2B5EF4-FFF2-40B4-BE49-F238E27FC236}">
+                      <a16:creationId xmlns:a16="http://schemas.microsoft.com/office/drawing/2014/main" id="{BFD57B27-55AE-825F-3ED2-F123E08CA11A}"/>
+                    </a:ext>
+                  </a:extLst>
+                </p:cNvPr>
+                <p:cNvSpPr txBox="1"/>
+                <p:nvPr/>
+              </p:nvSpPr>
+              <p:spPr>
+                <a:xfrm>
+                  <a:off x="789479" y="2293881"/>
+                  <a:ext cx="449824" cy="461665"/>
+                </a:xfrm>
+                <a:prstGeom prst="rect">
+                  <a:avLst/>
+                </a:prstGeom>
+                <a:noFill/>
+              </p:spPr>
+              <p:txBody>
+                <a:bodyPr wrap="square" rtlCol="0">
+                  <a:spAutoFit/>
+                </a:bodyPr>
+                <a:lstStyle/>
+                <a:p>
+                  <a:r>
+                    <a:rPr lang="da-DK" sz="1200" dirty="0" err="1"/>
+                    <a:t>Vs</a:t>
+                  </a:r>
+                  <a:br>
+                    <a:rPr lang="da-DK" sz="1200" dirty="0"/>
+                  </a:br>
+                  <a:endParaRPr lang="da-DK" sz="1200" dirty="0"/>
+                </a:p>
+              </p:txBody>
+            </p:sp>
+          </p:grpSp>
+          <p:cxnSp>
+            <p:nvCxnSpPr>
+              <p:cNvPr id="48" name="Lige forbindelse 47">
+                <a:extLst>
+                  <a:ext uri="{FF2B5EF4-FFF2-40B4-BE49-F238E27FC236}">
+                    <a16:creationId xmlns:a16="http://schemas.microsoft.com/office/drawing/2014/main" id="{D6A1FA29-597B-F03A-A6D4-7B3CAD4EB7E1}"/>
+                  </a:ext>
+                </a:extLst>
+              </p:cNvPr>
+              <p:cNvCxnSpPr>
+                <a:cxnSpLocks/>
+              </p:cNvCxnSpPr>
+              <p:nvPr/>
+            </p:nvCxnSpPr>
+            <p:spPr>
+              <a:xfrm flipH="1">
+                <a:off x="1170372" y="3561922"/>
+                <a:ext cx="0" cy="252000"/>
+              </a:xfrm>
+              <a:prstGeom prst="line">
+                <a:avLst/>
+              </a:prstGeom>
+              <a:ln w="12700">
+                <a:solidFill>
+                  <a:schemeClr val="tx1"/>
+                </a:solidFill>
+              </a:ln>
+            </p:spPr>
+            <p:style>
+              <a:lnRef idx="2">
+                <a:schemeClr val="accent1"/>
+              </a:lnRef>
+              <a:fillRef idx="0">
+                <a:schemeClr val="accent1"/>
+              </a:fillRef>
+              <a:effectRef idx="1">
+                <a:schemeClr val="accent1"/>
+              </a:effectRef>
+              <a:fontRef idx="minor">
+                <a:schemeClr val="tx1"/>
+              </a:fontRef>
+            </p:style>
+          </p:cxnSp>
+          <p:sp>
+            <p:nvSpPr>
+              <p:cNvPr id="69" name="Tekstfelt 68">
+                <a:extLst>
+                  <a:ext uri="{FF2B5EF4-FFF2-40B4-BE49-F238E27FC236}">
+                    <a16:creationId xmlns:a16="http://schemas.microsoft.com/office/drawing/2014/main" id="{78CCBC9E-7D2B-463C-FBFF-85B8EC35EE7A}"/>
+                  </a:ext>
+                </a:extLst>
+              </p:cNvPr>
+              <p:cNvSpPr txBox="1"/>
+              <p:nvPr/>
+            </p:nvSpPr>
+            <p:spPr>
+              <a:xfrm>
+                <a:off x="952774" y="2996114"/>
+                <a:ext cx="400302" cy="707886"/>
+              </a:xfrm>
+              <a:prstGeom prst="rect">
+                <a:avLst/>
+              </a:prstGeom>
+              <a:noFill/>
+            </p:spPr>
+            <p:txBody>
+              <a:bodyPr wrap="square" rtlCol="0">
+                <a:spAutoFit/>
+              </a:bodyPr>
+              <a:lstStyle/>
+              <a:p>
+                <a:r>
+                  <a:rPr lang="da-DK" sz="4000" dirty="0"/>
+                  <a:t>~</a:t>
+                </a:r>
+              </a:p>
+            </p:txBody>
+          </p:sp>
+          <p:sp>
+            <p:nvSpPr>
+              <p:cNvPr id="70" name="Tekstfelt 69">
+                <a:extLst>
+                  <a:ext uri="{FF2B5EF4-FFF2-40B4-BE49-F238E27FC236}">
+                    <a16:creationId xmlns:a16="http://schemas.microsoft.com/office/drawing/2014/main" id="{13A9F50A-2609-0736-CADA-F594F02B062C}"/>
+                  </a:ext>
+                </a:extLst>
+              </p:cNvPr>
+              <p:cNvSpPr txBox="1"/>
+              <p:nvPr/>
+            </p:nvSpPr>
+            <p:spPr>
+              <a:xfrm>
+                <a:off x="936033" y="2877180"/>
+                <a:ext cx="258345" cy="276999"/>
+              </a:xfrm>
+              <a:prstGeom prst="rect">
+                <a:avLst/>
+              </a:prstGeom>
+              <a:noFill/>
+            </p:spPr>
+            <p:txBody>
+              <a:bodyPr wrap="square" rtlCol="0">
+                <a:spAutoFit/>
+              </a:bodyPr>
+              <a:lstStyle/>
+              <a:p>
+                <a:r>
+                  <a:rPr lang="da-DK" sz="1200" dirty="0"/>
+                  <a:t>+</a:t>
+                </a:r>
+              </a:p>
+            </p:txBody>
+          </p:sp>
+          <p:sp>
+            <p:nvSpPr>
+              <p:cNvPr id="71" name="Tekstfelt 70">
+                <a:extLst>
+                  <a:ext uri="{FF2B5EF4-FFF2-40B4-BE49-F238E27FC236}">
+                    <a16:creationId xmlns:a16="http://schemas.microsoft.com/office/drawing/2014/main" id="{60166D2B-912C-2AA6-9C93-82921E87C395}"/>
+                  </a:ext>
+                </a:extLst>
+              </p:cNvPr>
+              <p:cNvSpPr txBox="1"/>
+              <p:nvPr/>
+            </p:nvSpPr>
+            <p:spPr>
+              <a:xfrm>
+                <a:off x="964130" y="3527709"/>
+                <a:ext cx="247335" cy="276999"/>
+              </a:xfrm>
+              <a:prstGeom prst="rect">
+                <a:avLst/>
+              </a:prstGeom>
+              <a:noFill/>
+            </p:spPr>
+            <p:txBody>
+              <a:bodyPr wrap="square" rtlCol="0">
+                <a:spAutoFit/>
+              </a:bodyPr>
+              <a:lstStyle/>
+              <a:p>
+                <a:r>
+                  <a:rPr lang="da-DK" sz="1200" dirty="0"/>
+                  <a:t>-</a:t>
+                </a:r>
+              </a:p>
+            </p:txBody>
+          </p:sp>
+        </p:grpSp>
+      </p:grpSp>
+      <p:cxnSp>
+        <p:nvCxnSpPr>
+          <p:cNvPr id="82" name="Lige forbindelse 81">
+            <a:extLst>
+              <a:ext uri="{FF2B5EF4-FFF2-40B4-BE49-F238E27FC236}">
+                <a16:creationId xmlns:a16="http://schemas.microsoft.com/office/drawing/2014/main" id="{9E32751B-A3B6-11AB-6E9C-E5BA34BE2988}"/>
+              </a:ext>
+            </a:extLst>
+          </p:cNvPr>
+          <p:cNvCxnSpPr>
+            <a:cxnSpLocks/>
+          </p:cNvCxnSpPr>
+          <p:nvPr/>
+        </p:nvCxnSpPr>
+        <p:spPr>
+          <a:xfrm flipH="1">
+            <a:off x="3617811" y="3800270"/>
+            <a:ext cx="7091" cy="1109211"/>
+          </a:xfrm>
+          <a:prstGeom prst="line">
+            <a:avLst/>
+          </a:prstGeom>
+          <a:ln w="12700">
+            <a:solidFill>
+              <a:schemeClr val="tx1"/>
+            </a:solidFill>
+          </a:ln>
+        </p:spPr>
+        <p:style>
+          <a:lnRef idx="2">
+            <a:schemeClr val="accent1"/>
+          </a:lnRef>
+          <a:fillRef idx="0">
+            <a:schemeClr val="accent1"/>
+          </a:fillRef>
+          <a:effectRef idx="1">
+            <a:schemeClr val="accent1"/>
+          </a:effectRef>
+          <a:fontRef idx="minor">
+            <a:schemeClr val="tx1"/>
+          </a:fontRef>
+        </p:style>
+      </p:cxnSp>
+      <p:cxnSp>
+        <p:nvCxnSpPr>
+          <p:cNvPr id="85" name="Lige forbindelse 84">
+            <a:extLst>
+              <a:ext uri="{FF2B5EF4-FFF2-40B4-BE49-F238E27FC236}">
+                <a16:creationId xmlns:a16="http://schemas.microsoft.com/office/drawing/2014/main" id="{AB312DE5-20DA-37D7-A3E1-972506EFFA79}"/>
+              </a:ext>
+            </a:extLst>
+          </p:cNvPr>
+          <p:cNvCxnSpPr>
+            <a:cxnSpLocks/>
+          </p:cNvCxnSpPr>
+          <p:nvPr/>
+        </p:nvCxnSpPr>
+        <p:spPr>
+          <a:xfrm>
+            <a:off x="3628450" y="3395434"/>
+            <a:ext cx="0" cy="426788"/>
+          </a:xfrm>
+          <a:prstGeom prst="line">
+            <a:avLst/>
+          </a:prstGeom>
+          <a:ln w="12700">
+            <a:solidFill>
+              <a:schemeClr val="tx1"/>
+            </a:solidFill>
+          </a:ln>
+        </p:spPr>
+        <p:style>
+          <a:lnRef idx="2">
+            <a:schemeClr val="accent1"/>
+          </a:lnRef>
+          <a:fillRef idx="0">
+            <a:schemeClr val="accent1"/>
+          </a:fillRef>
+          <a:effectRef idx="1">
+            <a:schemeClr val="accent1"/>
+          </a:effectRef>
+          <a:fontRef idx="minor">
+            <a:schemeClr val="tx1"/>
+          </a:fontRef>
+        </p:style>
+      </p:cxnSp>
+      <p:cxnSp>
+        <p:nvCxnSpPr>
+          <p:cNvPr id="91" name="Lige forbindelse 90">
+            <a:extLst>
+              <a:ext uri="{FF2B5EF4-FFF2-40B4-BE49-F238E27FC236}">
+                <a16:creationId xmlns:a16="http://schemas.microsoft.com/office/drawing/2014/main" id="{0366B969-B549-1E4D-B20C-3E068B6A876F}"/>
+              </a:ext>
+            </a:extLst>
+          </p:cNvPr>
+          <p:cNvCxnSpPr>
+            <a:cxnSpLocks/>
+          </p:cNvCxnSpPr>
+          <p:nvPr/>
+        </p:nvCxnSpPr>
+        <p:spPr>
+          <a:xfrm>
+            <a:off x="4991919" y="3402355"/>
+            <a:ext cx="0" cy="419867"/>
+          </a:xfrm>
+          <a:prstGeom prst="line">
+            <a:avLst/>
+          </a:prstGeom>
+          <a:ln w="12700">
+            <a:solidFill>
+              <a:schemeClr val="tx1"/>
+            </a:solidFill>
+          </a:ln>
+        </p:spPr>
+        <p:style>
+          <a:lnRef idx="2">
+            <a:schemeClr val="accent1"/>
+          </a:lnRef>
+          <a:fillRef idx="0">
+            <a:schemeClr val="accent1"/>
+          </a:fillRef>
+          <a:effectRef idx="1">
+            <a:schemeClr val="accent1"/>
+          </a:effectRef>
+          <a:fontRef idx="minor">
+            <a:schemeClr val="tx1"/>
+          </a:fontRef>
+        </p:style>
+      </p:cxnSp>
+      <p:cxnSp>
+        <p:nvCxnSpPr>
+          <p:cNvPr id="93" name="Lige forbindelse 92">
+            <a:extLst>
+              <a:ext uri="{FF2B5EF4-FFF2-40B4-BE49-F238E27FC236}">
+                <a16:creationId xmlns:a16="http://schemas.microsoft.com/office/drawing/2014/main" id="{BEE1CD9E-1729-A65D-303E-7F53FE1FC76C}"/>
+              </a:ext>
+            </a:extLst>
+          </p:cNvPr>
+          <p:cNvCxnSpPr>
+            <a:cxnSpLocks/>
+          </p:cNvCxnSpPr>
+          <p:nvPr/>
+        </p:nvCxnSpPr>
+        <p:spPr>
+          <a:xfrm>
+            <a:off x="3621357" y="1669350"/>
+            <a:ext cx="0" cy="687705"/>
+          </a:xfrm>
+          <a:prstGeom prst="line">
+            <a:avLst/>
+          </a:prstGeom>
+          <a:ln w="12700">
+            <a:solidFill>
+              <a:schemeClr val="tx1"/>
+            </a:solidFill>
+          </a:ln>
+        </p:spPr>
+        <p:style>
+          <a:lnRef idx="2">
+            <a:schemeClr val="accent1"/>
+          </a:lnRef>
+          <a:fillRef idx="0">
+            <a:schemeClr val="accent1"/>
+          </a:fillRef>
+          <a:effectRef idx="1">
+            <a:schemeClr val="accent1"/>
+          </a:effectRef>
+          <a:fontRef idx="minor">
+            <a:schemeClr val="tx1"/>
+          </a:fontRef>
+        </p:style>
+      </p:cxnSp>
+      <p:cxnSp>
+        <p:nvCxnSpPr>
+          <p:cNvPr id="95" name="Lige forbindelse 94">
+            <a:extLst>
+              <a:ext uri="{FF2B5EF4-FFF2-40B4-BE49-F238E27FC236}">
+                <a16:creationId xmlns:a16="http://schemas.microsoft.com/office/drawing/2014/main" id="{F6185107-39A7-6BB4-0C75-C8EDAD2D9A48}"/>
+              </a:ext>
+            </a:extLst>
+          </p:cNvPr>
+          <p:cNvCxnSpPr>
+            <a:cxnSpLocks/>
+          </p:cNvCxnSpPr>
+          <p:nvPr/>
+        </p:nvCxnSpPr>
+        <p:spPr>
+          <a:xfrm flipH="1">
+            <a:off x="4984826" y="1669350"/>
+            <a:ext cx="7093" cy="700122"/>
+          </a:xfrm>
+          <a:prstGeom prst="line">
+            <a:avLst/>
+          </a:prstGeom>
+          <a:ln w="12700">
+            <a:solidFill>
+              <a:schemeClr val="tx1"/>
+            </a:solidFill>
+          </a:ln>
+        </p:spPr>
+        <p:style>
+          <a:lnRef idx="2">
+            <a:schemeClr val="accent1"/>
+          </a:lnRef>
+          <a:fillRef idx="0">
+            <a:schemeClr val="accent1"/>
+          </a:fillRef>
+          <a:effectRef idx="1">
+            <a:schemeClr val="accent1"/>
+          </a:effectRef>
+          <a:fontRef idx="minor">
+            <a:schemeClr val="tx1"/>
+          </a:fontRef>
+        </p:style>
+      </p:cxnSp>
+      <p:cxnSp>
+        <p:nvCxnSpPr>
+          <p:cNvPr id="106" name="Lige forbindelse 105">
+            <a:extLst>
+              <a:ext uri="{FF2B5EF4-FFF2-40B4-BE49-F238E27FC236}">
+                <a16:creationId xmlns:a16="http://schemas.microsoft.com/office/drawing/2014/main" id="{31F0331F-41E0-29C0-3549-9E48E8841BE1}"/>
+              </a:ext>
+            </a:extLst>
+          </p:cNvPr>
+          <p:cNvCxnSpPr>
+            <a:cxnSpLocks/>
+          </p:cNvCxnSpPr>
+          <p:nvPr/>
+        </p:nvCxnSpPr>
+        <p:spPr>
+          <a:xfrm>
+            <a:off x="2638289" y="1669350"/>
+            <a:ext cx="3600000" cy="0"/>
+          </a:xfrm>
+          <a:prstGeom prst="line">
+            <a:avLst/>
+          </a:prstGeom>
+          <a:ln w="12700">
+            <a:solidFill>
+              <a:schemeClr val="tx1"/>
+            </a:solidFill>
+          </a:ln>
+        </p:spPr>
+        <p:style>
+          <a:lnRef idx="2">
+            <a:schemeClr val="accent1"/>
+          </a:lnRef>
+          <a:fillRef idx="0">
+            <a:schemeClr val="accent1"/>
+          </a:fillRef>
+          <a:effectRef idx="1">
+            <a:schemeClr val="accent1"/>
+          </a:effectRef>
+          <a:fontRef idx="minor">
+            <a:schemeClr val="tx1"/>
+          </a:fontRef>
+        </p:style>
+      </p:cxnSp>
+      <p:sp>
+        <p:nvSpPr>
+          <p:cNvPr id="116" name="Rutediagram: Forbindelse 115">
+            <a:extLst>
+              <a:ext uri="{FF2B5EF4-FFF2-40B4-BE49-F238E27FC236}">
+                <a16:creationId xmlns:a16="http://schemas.microsoft.com/office/drawing/2014/main" id="{712A7F0A-BF15-30FF-C349-A0A822504989}"/>
+              </a:ext>
+            </a:extLst>
+          </p:cNvPr>
+          <p:cNvSpPr/>
+          <p:nvPr/>
+        </p:nvSpPr>
+        <p:spPr>
+          <a:xfrm>
+            <a:off x="6238289" y="1624350"/>
+            <a:ext cx="90000" cy="90000"/>
+          </a:xfrm>
+          <a:prstGeom prst="flowChartConnector">
+            <a:avLst/>
+          </a:prstGeom>
+          <a:noFill/>
+          <a:ln w="12700">
+            <a:solidFill>
+              <a:schemeClr val="tx1"/>
+            </a:solidFill>
+          </a:ln>
+        </p:spPr>
+        <p:style>
+          <a:lnRef idx="2">
+            <a:schemeClr val="accent1">
+              <a:shade val="15000"/>
+            </a:schemeClr>
+          </a:lnRef>
+          <a:fillRef idx="1">
+            <a:schemeClr val="accent1"/>
+          </a:fillRef>
+          <a:effectRef idx="0">
+            <a:schemeClr val="accent1"/>
+          </a:effectRef>
+          <a:fontRef idx="minor">
+            <a:schemeClr val="lt1"/>
+          </a:fontRef>
+        </p:style>
+        <p:txBody>
+          <a:bodyPr rtlCol="0" anchor="ctr"/>
+          <a:lstStyle/>
+          <a:p>
+            <a:pPr algn="ctr"/>
+            <a:endParaRPr lang="da-DK"/>
+          </a:p>
+        </p:txBody>
+      </p:sp>
+      <p:grpSp>
+        <p:nvGrpSpPr>
+          <p:cNvPr id="60" name="Gruppe 59">
+            <a:extLst>
+              <a:ext uri="{FF2B5EF4-FFF2-40B4-BE49-F238E27FC236}">
+                <a16:creationId xmlns:a16="http://schemas.microsoft.com/office/drawing/2014/main" id="{B552508F-3561-9FEC-52BE-9F6C24E5E72F}"/>
+              </a:ext>
+            </a:extLst>
+          </p:cNvPr>
+          <p:cNvGrpSpPr/>
+          <p:nvPr/>
+        </p:nvGrpSpPr>
+        <p:grpSpPr>
+          <a:xfrm>
+            <a:off x="6189260" y="4620817"/>
+            <a:ext cx="247335" cy="322622"/>
+            <a:chOff x="10680715" y="3536857"/>
+            <a:chExt cx="247335" cy="322622"/>
+          </a:xfrm>
+        </p:grpSpPr>
+        <p:sp>
+          <p:nvSpPr>
+            <p:cNvPr id="117" name="Rutediagram: Forbindelse 116">
+              <a:extLst>
+                <a:ext uri="{FF2B5EF4-FFF2-40B4-BE49-F238E27FC236}">
+                  <a16:creationId xmlns:a16="http://schemas.microsoft.com/office/drawing/2014/main" id="{D2A78F95-8346-708B-B1BC-8E9C9F3CBF04}"/>
+                </a:ext>
+              </a:extLst>
+            </p:cNvPr>
+            <p:cNvSpPr/>
+            <p:nvPr/>
+          </p:nvSpPr>
+          <p:spPr>
+            <a:xfrm>
+              <a:off x="10741812" y="3769479"/>
+              <a:ext cx="90000" cy="90000"/>
+            </a:xfrm>
+            <a:prstGeom prst="flowChartConnector">
+              <a:avLst/>
+            </a:prstGeom>
+            <a:noFill/>
+            <a:ln w="12700">
+              <a:solidFill>
+                <a:schemeClr val="tx1"/>
+              </a:solidFill>
+            </a:ln>
+          </p:spPr>
+          <p:style>
+            <a:lnRef idx="2">
+              <a:schemeClr val="accent1">
+                <a:shade val="15000"/>
+              </a:schemeClr>
+            </a:lnRef>
+            <a:fillRef idx="1">
+              <a:schemeClr val="accent1"/>
+            </a:fillRef>
+            <a:effectRef idx="0">
+              <a:schemeClr val="accent1"/>
+            </a:effectRef>
+            <a:fontRef idx="minor">
+              <a:schemeClr val="lt1"/>
+            </a:fontRef>
+          </p:style>
+          <p:txBody>
+            <a:bodyPr rtlCol="0" anchor="ctr"/>
+            <a:lstStyle/>
+            <a:p>
+              <a:pPr algn="ctr"/>
+              <a:endParaRPr lang="da-DK"/>
+            </a:p>
+          </p:txBody>
+        </p:sp>
+        <p:sp>
+          <p:nvSpPr>
+            <p:cNvPr id="119" name="Tekstfelt 118">
+              <a:extLst>
+                <a:ext uri="{FF2B5EF4-FFF2-40B4-BE49-F238E27FC236}">
+                  <a16:creationId xmlns:a16="http://schemas.microsoft.com/office/drawing/2014/main" id="{C7EE0F3B-771C-602D-FA54-62A6B2DABC40}"/>
+                </a:ext>
+              </a:extLst>
+            </p:cNvPr>
+            <p:cNvSpPr txBox="1"/>
+            <p:nvPr/>
+          </p:nvSpPr>
+          <p:spPr>
+            <a:xfrm>
+              <a:off x="10680715" y="3536857"/>
+              <a:ext cx="247335" cy="276999"/>
+            </a:xfrm>
+            <a:prstGeom prst="rect">
+              <a:avLst/>
+            </a:prstGeom>
+            <a:noFill/>
+          </p:spPr>
+          <p:txBody>
+            <a:bodyPr wrap="square" rtlCol="0">
+              <a:spAutoFit/>
+            </a:bodyPr>
+            <a:lstStyle/>
+            <a:p>
+              <a:r>
+                <a:rPr lang="da-DK" sz="1200" dirty="0"/>
+                <a:t>-</a:t>
+              </a:r>
+            </a:p>
+          </p:txBody>
+        </p:sp>
+      </p:grpSp>
+      <p:sp>
+        <p:nvSpPr>
+          <p:cNvPr id="120" name="Tekstfelt 119">
+            <a:extLst>
+              <a:ext uri="{FF2B5EF4-FFF2-40B4-BE49-F238E27FC236}">
+                <a16:creationId xmlns:a16="http://schemas.microsoft.com/office/drawing/2014/main" id="{2C32981F-F2A1-27A4-89F9-26FE3AB5FB8B}"/>
+              </a:ext>
+            </a:extLst>
+          </p:cNvPr>
+          <p:cNvSpPr txBox="1"/>
+          <p:nvPr/>
+        </p:nvSpPr>
+        <p:spPr>
+          <a:xfrm>
+            <a:off x="6161071" y="1686162"/>
+            <a:ext cx="258345" cy="276999"/>
+          </a:xfrm>
+          <a:prstGeom prst="rect">
+            <a:avLst/>
+          </a:prstGeom>
+          <a:noFill/>
+        </p:spPr>
+        <p:txBody>
+          <a:bodyPr wrap="square" rtlCol="0">
+            <a:spAutoFit/>
+          </a:bodyPr>
+          <a:lstStyle/>
+          <a:p>
+            <a:r>
+              <a:rPr lang="da-DK" sz="1200" dirty="0"/>
+              <a:t>+</a:t>
+            </a:r>
+          </a:p>
+        </p:txBody>
+      </p:sp>
+      <p:sp>
+        <p:nvSpPr>
+          <p:cNvPr id="121" name="Tekstfelt 120">
+            <a:extLst>
+              <a:ext uri="{FF2B5EF4-FFF2-40B4-BE49-F238E27FC236}">
+                <a16:creationId xmlns:a16="http://schemas.microsoft.com/office/drawing/2014/main" id="{7ABC160E-C06C-8B68-03D3-7F6A612FDCA5}"/>
+              </a:ext>
+            </a:extLst>
+          </p:cNvPr>
+          <p:cNvSpPr txBox="1"/>
+          <p:nvPr/>
+        </p:nvSpPr>
+        <p:spPr>
+          <a:xfrm>
+            <a:off x="6112818" y="3077374"/>
+            <a:ext cx="354850" cy="276999"/>
+          </a:xfrm>
+          <a:prstGeom prst="rect">
+            <a:avLst/>
+          </a:prstGeom>
+          <a:noFill/>
+        </p:spPr>
+        <p:txBody>
+          <a:bodyPr wrap="square" rtlCol="0">
+            <a:spAutoFit/>
+          </a:bodyPr>
+          <a:lstStyle/>
+          <a:p>
+            <a:r>
+              <a:rPr lang="da-DK" sz="1200" dirty="0"/>
+              <a:t>Vo</a:t>
+            </a:r>
+          </a:p>
+        </p:txBody>
+      </p:sp>
+      <p:sp>
+        <p:nvSpPr>
+          <p:cNvPr id="3" name="Tekstfelt 2">
+            <a:extLst>
+              <a:ext uri="{FF2B5EF4-FFF2-40B4-BE49-F238E27FC236}">
+                <a16:creationId xmlns:a16="http://schemas.microsoft.com/office/drawing/2014/main" id="{641F100E-68AF-3739-1EA8-E61CF98E4BB4}"/>
+              </a:ext>
+            </a:extLst>
+          </p:cNvPr>
+          <p:cNvSpPr txBox="1"/>
+          <p:nvPr/>
+        </p:nvSpPr>
+        <p:spPr>
+          <a:xfrm>
+            <a:off x="1510006" y="2043209"/>
+            <a:ext cx="936095" cy="276999"/>
+          </a:xfrm>
+          <a:prstGeom prst="rect">
+            <a:avLst/>
+          </a:prstGeom>
+          <a:noFill/>
+        </p:spPr>
+        <p:txBody>
+          <a:bodyPr wrap="square" rtlCol="0">
+            <a:spAutoFit/>
+          </a:bodyPr>
+          <a:lstStyle/>
+          <a:p>
+            <a:r>
+              <a:rPr lang="da-DK" sz="1200" dirty="0"/>
+              <a:t>(</a:t>
+            </a:r>
+            <a:r>
+              <a:rPr lang="el-GR" sz="1200" dirty="0"/>
+              <a:t>β</a:t>
+            </a:r>
+            <a:r>
+              <a:rPr lang="da-DK" sz="1200" dirty="0"/>
+              <a:t>/(</a:t>
+            </a:r>
+            <a:r>
+              <a:rPr lang="el-GR" sz="1200" dirty="0"/>
+              <a:t>β</a:t>
+            </a:r>
+            <a:r>
+              <a:rPr lang="da-DK" sz="1200" dirty="0"/>
+              <a:t>+1))*IE</a:t>
+            </a:r>
+          </a:p>
+        </p:txBody>
+      </p:sp>
+      <p:cxnSp>
+        <p:nvCxnSpPr>
+          <p:cNvPr id="12" name="Lige forbindelse 11">
+            <a:extLst>
+              <a:ext uri="{FF2B5EF4-FFF2-40B4-BE49-F238E27FC236}">
+                <a16:creationId xmlns:a16="http://schemas.microsoft.com/office/drawing/2014/main" id="{9B3019E3-51F9-B035-863D-77131418ACFD}"/>
+              </a:ext>
+            </a:extLst>
+          </p:cNvPr>
+          <p:cNvCxnSpPr>
+            <a:cxnSpLocks/>
+          </p:cNvCxnSpPr>
+          <p:nvPr/>
+        </p:nvCxnSpPr>
+        <p:spPr>
+          <a:xfrm>
+            <a:off x="1894168" y="3833971"/>
+            <a:ext cx="756000" cy="0"/>
+          </a:xfrm>
+          <a:prstGeom prst="line">
+            <a:avLst/>
+          </a:prstGeom>
+          <a:ln w="12700">
+            <a:solidFill>
+              <a:schemeClr val="tx1"/>
+            </a:solidFill>
+          </a:ln>
+        </p:spPr>
+        <p:style>
+          <a:lnRef idx="2">
+            <a:schemeClr val="accent1"/>
+          </a:lnRef>
+          <a:fillRef idx="0">
+            <a:schemeClr val="accent1"/>
+          </a:fillRef>
+          <a:effectRef idx="1">
+            <a:schemeClr val="accent1"/>
+          </a:effectRef>
+          <a:fontRef idx="minor">
+            <a:schemeClr val="tx1"/>
+          </a:fontRef>
+        </p:style>
+      </p:cxnSp>
+      <p:grpSp>
+        <p:nvGrpSpPr>
+          <p:cNvPr id="21" name="Gruppe 20">
+            <a:extLst>
+              <a:ext uri="{FF2B5EF4-FFF2-40B4-BE49-F238E27FC236}">
+                <a16:creationId xmlns:a16="http://schemas.microsoft.com/office/drawing/2014/main" id="{B96086A5-E433-181B-7C07-ACE97EFE9FB2}"/>
+              </a:ext>
+            </a:extLst>
+          </p:cNvPr>
+          <p:cNvGrpSpPr/>
+          <p:nvPr/>
+        </p:nvGrpSpPr>
+        <p:grpSpPr>
+          <a:xfrm rot="5400000">
+            <a:off x="2616856" y="2664089"/>
+            <a:ext cx="1096502" cy="1206183"/>
+            <a:chOff x="1282714" y="578229"/>
+            <a:chExt cx="1096502" cy="1206183"/>
+          </a:xfrm>
+        </p:grpSpPr>
+        <p:grpSp>
+          <p:nvGrpSpPr>
+            <p:cNvPr id="36" name="Gruppe 35">
+              <a:extLst>
+                <a:ext uri="{FF2B5EF4-FFF2-40B4-BE49-F238E27FC236}">
+                  <a16:creationId xmlns:a16="http://schemas.microsoft.com/office/drawing/2014/main" id="{F083ED28-0A62-7F5C-7D69-B1D6A938A69C}"/>
+                </a:ext>
+              </a:extLst>
+            </p:cNvPr>
+            <p:cNvGrpSpPr/>
+            <p:nvPr/>
+          </p:nvGrpSpPr>
+          <p:grpSpPr>
+            <a:xfrm>
+              <a:off x="1282714" y="1606858"/>
+              <a:ext cx="1096502" cy="177554"/>
+              <a:chOff x="1282714" y="1606858"/>
+              <a:chExt cx="1096502" cy="177554"/>
+            </a:xfrm>
+          </p:grpSpPr>
+          <p:sp>
+            <p:nvSpPr>
+              <p:cNvPr id="38" name="Rektangel 37">
+                <a:extLst>
+                  <a:ext uri="{FF2B5EF4-FFF2-40B4-BE49-F238E27FC236}">
+                    <a16:creationId xmlns:a16="http://schemas.microsoft.com/office/drawing/2014/main" id="{28652668-444C-EFAF-67D9-3CC4292028D6}"/>
+                  </a:ext>
+                </a:extLst>
+              </p:cNvPr>
+              <p:cNvSpPr/>
+              <p:nvPr/>
+            </p:nvSpPr>
+            <p:spPr>
+              <a:xfrm>
+                <a:off x="1518082" y="1606858"/>
+                <a:ext cx="665825" cy="177554"/>
+              </a:xfrm>
+              <a:prstGeom prst="rect">
+                <a:avLst/>
+              </a:prstGeom>
+              <a:noFill/>
+              <a:ln w="12700">
+                <a:solidFill>
+                  <a:schemeClr val="tx1"/>
+                </a:solidFill>
+              </a:ln>
+            </p:spPr>
+            <p:style>
+              <a:lnRef idx="2">
+                <a:schemeClr val="accent1">
+                  <a:shade val="15000"/>
+                </a:schemeClr>
+              </a:lnRef>
+              <a:fillRef idx="1">
+                <a:schemeClr val="accent1"/>
+              </a:fillRef>
+              <a:effectRef idx="0">
+                <a:schemeClr val="accent1"/>
+              </a:effectRef>
+              <a:fontRef idx="minor">
+                <a:schemeClr val="lt1"/>
+              </a:fontRef>
+            </p:style>
+            <p:txBody>
+              <a:bodyPr rtlCol="0" anchor="ctr"/>
+              <a:lstStyle/>
+              <a:p>
+                <a:pPr algn="ctr"/>
+                <a:endParaRPr lang="da-DK"/>
+              </a:p>
+            </p:txBody>
+          </p:sp>
+          <p:cxnSp>
+            <p:nvCxnSpPr>
+              <p:cNvPr id="39" name="Lige forbindelse 38">
+                <a:extLst>
+                  <a:ext uri="{FF2B5EF4-FFF2-40B4-BE49-F238E27FC236}">
+                    <a16:creationId xmlns:a16="http://schemas.microsoft.com/office/drawing/2014/main" id="{1034DED0-622F-28F4-8FB7-82C1BC057E15}"/>
+                  </a:ext>
+                </a:extLst>
+              </p:cNvPr>
+              <p:cNvCxnSpPr>
+                <a:cxnSpLocks/>
+                <a:stCxn id="38" idx="3"/>
+              </p:cNvCxnSpPr>
+              <p:nvPr/>
+            </p:nvCxnSpPr>
+            <p:spPr>
+              <a:xfrm>
+                <a:off x="2183907" y="1695635"/>
+                <a:ext cx="195309" cy="0"/>
+              </a:xfrm>
+              <a:prstGeom prst="line">
+                <a:avLst/>
+              </a:prstGeom>
+              <a:ln w="12700">
+                <a:solidFill>
+                  <a:schemeClr val="tx1"/>
+                </a:solidFill>
+              </a:ln>
+            </p:spPr>
+            <p:style>
+              <a:lnRef idx="2">
+                <a:schemeClr val="accent1"/>
+              </a:lnRef>
+              <a:fillRef idx="0">
+                <a:schemeClr val="accent1"/>
+              </a:fillRef>
+              <a:effectRef idx="1">
+                <a:schemeClr val="accent1"/>
+              </a:effectRef>
+              <a:fontRef idx="minor">
+                <a:schemeClr val="tx1"/>
+              </a:fontRef>
+            </p:style>
+          </p:cxnSp>
+          <p:cxnSp>
+            <p:nvCxnSpPr>
+              <p:cNvPr id="40" name="Lige forbindelse 39">
+                <a:extLst>
+                  <a:ext uri="{FF2B5EF4-FFF2-40B4-BE49-F238E27FC236}">
+                    <a16:creationId xmlns:a16="http://schemas.microsoft.com/office/drawing/2014/main" id="{2CBA041A-BFF8-9766-7D55-A5D9C9F1DCD4}"/>
+                  </a:ext>
+                </a:extLst>
+              </p:cNvPr>
+              <p:cNvCxnSpPr>
+                <a:cxnSpLocks/>
+              </p:cNvCxnSpPr>
+              <p:nvPr/>
+            </p:nvCxnSpPr>
+            <p:spPr>
+              <a:xfrm rot="16200000">
+                <a:off x="1399951" y="1585490"/>
+                <a:ext cx="0" cy="234474"/>
+              </a:xfrm>
+              <a:prstGeom prst="line">
+                <a:avLst/>
+              </a:prstGeom>
+              <a:ln w="12700">
+                <a:solidFill>
+                  <a:schemeClr val="tx1"/>
+                </a:solidFill>
+              </a:ln>
+            </p:spPr>
+            <p:style>
+              <a:lnRef idx="2">
+                <a:schemeClr val="accent1"/>
+              </a:lnRef>
+              <a:fillRef idx="0">
+                <a:schemeClr val="accent1"/>
+              </a:fillRef>
+              <a:effectRef idx="1">
+                <a:schemeClr val="accent1"/>
+              </a:effectRef>
+              <a:fontRef idx="minor">
+                <a:schemeClr val="tx1"/>
+              </a:fontRef>
+            </p:style>
+          </p:cxnSp>
+        </p:grpSp>
+        <p:sp>
+          <p:nvSpPr>
+            <p:cNvPr id="37" name="Tekstfelt 36">
+              <a:extLst>
+                <a:ext uri="{FF2B5EF4-FFF2-40B4-BE49-F238E27FC236}">
+                  <a16:creationId xmlns:a16="http://schemas.microsoft.com/office/drawing/2014/main" id="{90CF3BDA-F4F9-FBE3-EA88-F0518F1C2992}"/>
+                </a:ext>
+              </a:extLst>
+            </p:cNvPr>
+            <p:cNvSpPr txBox="1"/>
+            <p:nvPr/>
+          </p:nvSpPr>
+          <p:spPr>
+            <a:xfrm rot="16200000">
+              <a:off x="1395999" y="950356"/>
+              <a:ext cx="1021254" cy="276999"/>
+            </a:xfrm>
+            <a:prstGeom prst="rect">
+              <a:avLst/>
+            </a:prstGeom>
+            <a:noFill/>
+          </p:spPr>
+          <p:txBody>
+            <a:bodyPr wrap="square" rtlCol="0">
+              <a:spAutoFit/>
+            </a:bodyPr>
+            <a:lstStyle/>
+            <a:p>
+              <a:r>
+                <a:rPr lang="da-DK" sz="1200" dirty="0" err="1"/>
+                <a:t>r’e</a:t>
+              </a:r>
+              <a:r>
+                <a:rPr lang="da-DK" sz="1200" dirty="0"/>
+                <a:t> = 2k</a:t>
+              </a:r>
+              <a:r>
+                <a:rPr lang="el-GR" sz="1200" dirty="0"/>
+                <a:t>Ω</a:t>
+              </a:r>
+              <a:endParaRPr lang="da-DK" sz="1200" dirty="0"/>
+            </a:p>
+          </p:txBody>
+        </p:sp>
+      </p:grpSp>
+      <p:grpSp>
+        <p:nvGrpSpPr>
+          <p:cNvPr id="41" name="Gruppe 40">
+            <a:extLst>
+              <a:ext uri="{FF2B5EF4-FFF2-40B4-BE49-F238E27FC236}">
+                <a16:creationId xmlns:a16="http://schemas.microsoft.com/office/drawing/2014/main" id="{A4DED84A-A063-A407-7E8D-8CDE7656DF6F}"/>
+              </a:ext>
+            </a:extLst>
+          </p:cNvPr>
+          <p:cNvGrpSpPr/>
+          <p:nvPr/>
+        </p:nvGrpSpPr>
+        <p:grpSpPr>
+          <a:xfrm rot="5400000">
+            <a:off x="2625625" y="3758137"/>
+            <a:ext cx="1096502" cy="1206183"/>
+            <a:chOff x="1282714" y="578229"/>
+            <a:chExt cx="1096502" cy="1206183"/>
+          </a:xfrm>
+        </p:grpSpPr>
+        <p:grpSp>
+          <p:nvGrpSpPr>
+            <p:cNvPr id="42" name="Gruppe 41">
+              <a:extLst>
+                <a:ext uri="{FF2B5EF4-FFF2-40B4-BE49-F238E27FC236}">
+                  <a16:creationId xmlns:a16="http://schemas.microsoft.com/office/drawing/2014/main" id="{6EFACF22-7342-D02B-8551-05AA2DCC01E9}"/>
+                </a:ext>
+              </a:extLst>
+            </p:cNvPr>
+            <p:cNvGrpSpPr/>
+            <p:nvPr/>
+          </p:nvGrpSpPr>
+          <p:grpSpPr>
+            <a:xfrm>
+              <a:off x="1282714" y="1606858"/>
+              <a:ext cx="1096502" cy="177554"/>
+              <a:chOff x="1282714" y="1606858"/>
+              <a:chExt cx="1096502" cy="177554"/>
+            </a:xfrm>
+          </p:grpSpPr>
+          <p:sp>
+            <p:nvSpPr>
+              <p:cNvPr id="44" name="Rektangel 43">
+                <a:extLst>
+                  <a:ext uri="{FF2B5EF4-FFF2-40B4-BE49-F238E27FC236}">
+                    <a16:creationId xmlns:a16="http://schemas.microsoft.com/office/drawing/2014/main" id="{EF8E5C55-E53F-A4DF-FC79-FB357BDAD4FC}"/>
+                  </a:ext>
+                </a:extLst>
+              </p:cNvPr>
+              <p:cNvSpPr/>
+              <p:nvPr/>
+            </p:nvSpPr>
+            <p:spPr>
+              <a:xfrm>
+                <a:off x="1518082" y="1606858"/>
+                <a:ext cx="665825" cy="177554"/>
+              </a:xfrm>
+              <a:prstGeom prst="rect">
+                <a:avLst/>
+              </a:prstGeom>
+              <a:noFill/>
+              <a:ln w="12700">
+                <a:solidFill>
+                  <a:schemeClr val="tx1"/>
+                </a:solidFill>
+              </a:ln>
+            </p:spPr>
+            <p:style>
+              <a:lnRef idx="2">
+                <a:schemeClr val="accent1">
+                  <a:shade val="15000"/>
+                </a:schemeClr>
+              </a:lnRef>
+              <a:fillRef idx="1">
+                <a:schemeClr val="accent1"/>
+              </a:fillRef>
+              <a:effectRef idx="0">
+                <a:schemeClr val="accent1"/>
+              </a:effectRef>
+              <a:fontRef idx="minor">
+                <a:schemeClr val="lt1"/>
+              </a:fontRef>
+            </p:style>
+            <p:txBody>
+              <a:bodyPr rtlCol="0" anchor="ctr"/>
+              <a:lstStyle/>
+              <a:p>
+                <a:pPr algn="ctr"/>
+                <a:endParaRPr lang="da-DK"/>
+              </a:p>
+            </p:txBody>
+          </p:sp>
+          <p:cxnSp>
+            <p:nvCxnSpPr>
+              <p:cNvPr id="45" name="Lige forbindelse 44">
+                <a:extLst>
+                  <a:ext uri="{FF2B5EF4-FFF2-40B4-BE49-F238E27FC236}">
+                    <a16:creationId xmlns:a16="http://schemas.microsoft.com/office/drawing/2014/main" id="{08D86CF0-E15F-19DB-0707-80416AC0D66D}"/>
+                  </a:ext>
+                </a:extLst>
+              </p:cNvPr>
+              <p:cNvCxnSpPr>
+                <a:cxnSpLocks/>
+                <a:stCxn id="44" idx="3"/>
+              </p:cNvCxnSpPr>
+              <p:nvPr/>
+            </p:nvCxnSpPr>
+            <p:spPr>
+              <a:xfrm>
+                <a:off x="2183907" y="1695635"/>
+                <a:ext cx="195309" cy="0"/>
+              </a:xfrm>
+              <a:prstGeom prst="line">
+                <a:avLst/>
+              </a:prstGeom>
+              <a:ln w="12700">
+                <a:solidFill>
+                  <a:schemeClr val="tx1"/>
+                </a:solidFill>
+              </a:ln>
+            </p:spPr>
+            <p:style>
+              <a:lnRef idx="2">
+                <a:schemeClr val="accent1"/>
+              </a:lnRef>
+              <a:fillRef idx="0">
+                <a:schemeClr val="accent1"/>
+              </a:fillRef>
+              <a:effectRef idx="1">
+                <a:schemeClr val="accent1"/>
+              </a:effectRef>
+              <a:fontRef idx="minor">
+                <a:schemeClr val="tx1"/>
+              </a:fontRef>
+            </p:style>
+          </p:cxnSp>
+          <p:cxnSp>
+            <p:nvCxnSpPr>
+              <p:cNvPr id="46" name="Lige forbindelse 45">
+                <a:extLst>
+                  <a:ext uri="{FF2B5EF4-FFF2-40B4-BE49-F238E27FC236}">
+                    <a16:creationId xmlns:a16="http://schemas.microsoft.com/office/drawing/2014/main" id="{C84795F3-E3BC-9365-8DF1-186A2D99A8E1}"/>
+                  </a:ext>
+                </a:extLst>
+              </p:cNvPr>
+              <p:cNvCxnSpPr>
+                <a:cxnSpLocks/>
+              </p:cNvCxnSpPr>
+              <p:nvPr/>
+            </p:nvCxnSpPr>
+            <p:spPr>
+              <a:xfrm rot="16200000">
+                <a:off x="1399951" y="1585490"/>
+                <a:ext cx="0" cy="234474"/>
+              </a:xfrm>
+              <a:prstGeom prst="line">
+                <a:avLst/>
+              </a:prstGeom>
+              <a:ln w="12700">
+                <a:solidFill>
+                  <a:schemeClr val="tx1"/>
+                </a:solidFill>
+              </a:ln>
+            </p:spPr>
+            <p:style>
+              <a:lnRef idx="2">
+                <a:schemeClr val="accent1"/>
+              </a:lnRef>
+              <a:fillRef idx="0">
+                <a:schemeClr val="accent1"/>
+              </a:fillRef>
+              <a:effectRef idx="1">
+                <a:schemeClr val="accent1"/>
+              </a:effectRef>
+              <a:fontRef idx="minor">
+                <a:schemeClr val="tx1"/>
+              </a:fontRef>
+            </p:style>
+          </p:cxnSp>
+        </p:grpSp>
+        <p:sp>
+          <p:nvSpPr>
+            <p:cNvPr id="43" name="Tekstfelt 42">
+              <a:extLst>
+                <a:ext uri="{FF2B5EF4-FFF2-40B4-BE49-F238E27FC236}">
+                  <a16:creationId xmlns:a16="http://schemas.microsoft.com/office/drawing/2014/main" id="{909255D3-EE53-E29F-9523-E3C840C073A9}"/>
+                </a:ext>
+              </a:extLst>
+            </p:cNvPr>
+            <p:cNvSpPr txBox="1"/>
+            <p:nvPr/>
+          </p:nvSpPr>
+          <p:spPr>
+            <a:xfrm rot="16200000">
+              <a:off x="1395999" y="950356"/>
+              <a:ext cx="1021254" cy="276999"/>
+            </a:xfrm>
+            <a:prstGeom prst="rect">
+              <a:avLst/>
+            </a:prstGeom>
+            <a:noFill/>
+          </p:spPr>
+          <p:txBody>
+            <a:bodyPr wrap="square" rtlCol="0">
+              <a:spAutoFit/>
+            </a:bodyPr>
+            <a:lstStyle/>
+            <a:p>
+              <a:r>
+                <a:rPr lang="da-DK" sz="1200" dirty="0"/>
+                <a:t>Re = 2k</a:t>
+              </a:r>
+              <a:r>
+                <a:rPr lang="el-GR" sz="1200" dirty="0"/>
+                <a:t>Ω</a:t>
+              </a:r>
+              <a:endParaRPr lang="da-DK" sz="1200" dirty="0"/>
+            </a:p>
+          </p:txBody>
+        </p:sp>
+      </p:grpSp>
+      <p:cxnSp>
+        <p:nvCxnSpPr>
+          <p:cNvPr id="58" name="Lige forbindelse 57">
+            <a:extLst>
+              <a:ext uri="{FF2B5EF4-FFF2-40B4-BE49-F238E27FC236}">
+                <a16:creationId xmlns:a16="http://schemas.microsoft.com/office/drawing/2014/main" id="{8F766AA8-C67D-BED2-ABA9-D2BDAACAB191}"/>
+              </a:ext>
+            </a:extLst>
+          </p:cNvPr>
+          <p:cNvCxnSpPr>
+            <a:cxnSpLocks/>
+          </p:cNvCxnSpPr>
+          <p:nvPr/>
+        </p:nvCxnSpPr>
+        <p:spPr>
+          <a:xfrm rot="5400000">
+            <a:off x="-74977" y="3814665"/>
+            <a:ext cx="2196000" cy="0"/>
+          </a:xfrm>
+          <a:prstGeom prst="line">
+            <a:avLst/>
+          </a:prstGeom>
+          <a:ln w="12700"/>
+        </p:spPr>
+        <p:style>
+          <a:lnRef idx="2">
+            <a:schemeClr val="dk1"/>
+          </a:lnRef>
+          <a:fillRef idx="0">
+            <a:schemeClr val="dk1"/>
+          </a:fillRef>
+          <a:effectRef idx="1">
+            <a:schemeClr val="dk1"/>
+          </a:effectRef>
+          <a:fontRef idx="minor">
+            <a:schemeClr val="tx1"/>
+          </a:fontRef>
+        </p:style>
+      </p:cxnSp>
+      <p:cxnSp>
+        <p:nvCxnSpPr>
+          <p:cNvPr id="59" name="Lige forbindelse 58">
+            <a:extLst>
+              <a:ext uri="{FF2B5EF4-FFF2-40B4-BE49-F238E27FC236}">
+                <a16:creationId xmlns:a16="http://schemas.microsoft.com/office/drawing/2014/main" id="{89CB9C66-8791-E928-39B7-5804BCD7BA90}"/>
+              </a:ext>
+            </a:extLst>
+          </p:cNvPr>
+          <p:cNvCxnSpPr>
+            <a:cxnSpLocks/>
+          </p:cNvCxnSpPr>
+          <p:nvPr/>
+        </p:nvCxnSpPr>
+        <p:spPr>
+          <a:xfrm flipH="1">
+            <a:off x="4982924" y="3797857"/>
+            <a:ext cx="7091" cy="1109211"/>
+          </a:xfrm>
+          <a:prstGeom prst="line">
+            <a:avLst/>
+          </a:prstGeom>
+          <a:ln w="12700">
+            <a:solidFill>
+              <a:schemeClr val="tx1"/>
+            </a:solidFill>
+          </a:ln>
+        </p:spPr>
+        <p:style>
+          <a:lnRef idx="2">
+            <a:schemeClr val="accent1"/>
+          </a:lnRef>
+          <a:fillRef idx="0">
+            <a:schemeClr val="accent1"/>
+          </a:fillRef>
+          <a:effectRef idx="1">
+            <a:schemeClr val="accent1"/>
+          </a:effectRef>
+          <a:fontRef idx="minor">
+            <a:schemeClr val="tx1"/>
+          </a:fontRef>
+        </p:style>
+      </p:cxnSp>
+      <p:sp>
+        <p:nvSpPr>
+          <p:cNvPr id="62" name="Tekstfelt 61">
+            <a:extLst>
+              <a:ext uri="{FF2B5EF4-FFF2-40B4-BE49-F238E27FC236}">
+                <a16:creationId xmlns:a16="http://schemas.microsoft.com/office/drawing/2014/main" id="{1A112B0E-64A8-6EB4-D851-DC83B74A6F5D}"/>
+              </a:ext>
+            </a:extLst>
+          </p:cNvPr>
+          <p:cNvSpPr txBox="1"/>
+          <p:nvPr/>
+        </p:nvSpPr>
+        <p:spPr>
+          <a:xfrm>
+            <a:off x="2427829" y="2489409"/>
+            <a:ext cx="280657" cy="276999"/>
+          </a:xfrm>
+          <a:prstGeom prst="rect">
+            <a:avLst/>
+          </a:prstGeom>
+          <a:noFill/>
+        </p:spPr>
+        <p:txBody>
+          <a:bodyPr wrap="square" rtlCol="0">
+            <a:spAutoFit/>
+          </a:bodyPr>
+          <a:lstStyle/>
+          <a:p>
+            <a:r>
+              <a:rPr lang="da-DK" sz="1200" dirty="0"/>
+              <a:t>B</a:t>
+            </a:r>
+          </a:p>
+        </p:txBody>
+      </p:sp>
+      <p:sp>
+        <p:nvSpPr>
+          <p:cNvPr id="78" name="Tekstfelt 77">
+            <a:extLst>
+              <a:ext uri="{FF2B5EF4-FFF2-40B4-BE49-F238E27FC236}">
+                <a16:creationId xmlns:a16="http://schemas.microsoft.com/office/drawing/2014/main" id="{6AF23141-3304-087A-5BB3-7B3B6C2CF477}"/>
+              </a:ext>
+            </a:extLst>
+          </p:cNvPr>
+          <p:cNvSpPr txBox="1"/>
+          <p:nvPr/>
+        </p:nvSpPr>
+        <p:spPr>
+          <a:xfrm>
+            <a:off x="2570785" y="1393132"/>
+            <a:ext cx="280657" cy="276999"/>
+          </a:xfrm>
+          <a:prstGeom prst="rect">
+            <a:avLst/>
+          </a:prstGeom>
+          <a:noFill/>
+        </p:spPr>
+        <p:txBody>
+          <a:bodyPr wrap="square" rtlCol="0">
+            <a:spAutoFit/>
+          </a:bodyPr>
+          <a:lstStyle/>
+          <a:p>
+            <a:r>
+              <a:rPr lang="da-DK" sz="1200" dirty="0"/>
+              <a:t>C</a:t>
+            </a:r>
+          </a:p>
+        </p:txBody>
+      </p:sp>
+      <p:sp>
+        <p:nvSpPr>
+          <p:cNvPr id="79" name="Tekstfelt 78">
+            <a:extLst>
+              <a:ext uri="{FF2B5EF4-FFF2-40B4-BE49-F238E27FC236}">
+                <a16:creationId xmlns:a16="http://schemas.microsoft.com/office/drawing/2014/main" id="{5E4F7693-8E65-482C-9423-12A3C7F34E1F}"/>
+              </a:ext>
+            </a:extLst>
+          </p:cNvPr>
+          <p:cNvSpPr txBox="1"/>
+          <p:nvPr/>
+        </p:nvSpPr>
+        <p:spPr>
+          <a:xfrm>
+            <a:off x="2636939" y="3683722"/>
+            <a:ext cx="280657" cy="276999"/>
+          </a:xfrm>
+          <a:prstGeom prst="rect">
+            <a:avLst/>
+          </a:prstGeom>
+          <a:noFill/>
+        </p:spPr>
+        <p:txBody>
+          <a:bodyPr wrap="square" rtlCol="0">
+            <a:spAutoFit/>
+          </a:bodyPr>
+          <a:lstStyle/>
+          <a:p>
+            <a:r>
+              <a:rPr lang="da-DK" sz="1200" dirty="0"/>
+              <a:t>E</a:t>
+            </a:r>
+          </a:p>
+        </p:txBody>
+      </p:sp>
+    </p:spTree>
+    <p:extLst>
+      <p:ext uri="{BB962C8B-B14F-4D97-AF65-F5344CB8AC3E}">
+        <p14:creationId xmlns:p14="http://schemas.microsoft.com/office/powerpoint/2010/main" val="3674036931"/>
+      </p:ext>
+    </p:extLst>
+  </p:cSld>
+  <p:clrMapOvr>
+    <a:masterClrMapping/>
+  </p:clrMapOvr>
+</p:sld>
+</file>
+
+<file path=ppt/slides/slide6.xml><?xml version="1.0" encoding="utf-8"?>
+<p:sld xmlns:a="http://schemas.openxmlformats.org/drawingml/2006/main" xmlns:r="http://schemas.openxmlformats.org/officeDocument/2006/relationships" xmlns:p="http://schemas.openxmlformats.org/presentationml/2006/main">
+  <p:cSld>
+    <p:spTree>
+      <p:nvGrpSpPr>
+        <p:cNvPr id="1" name=""/>
+        <p:cNvGrpSpPr/>
+        <p:nvPr/>
+      </p:nvGrpSpPr>
+      <p:grpSpPr>
+        <a:xfrm>
+          <a:off x="0" y="0"/>
+          <a:ext cx="0" cy="0"/>
+          <a:chOff x="0" y="0"/>
+          <a:chExt cx="0" cy="0"/>
+        </a:xfrm>
+      </p:grpSpPr>
+      <p:sp>
+        <p:nvSpPr>
+          <p:cNvPr id="2" name="Titel 1">
+            <a:extLst>
+              <a:ext uri="{FF2B5EF4-FFF2-40B4-BE49-F238E27FC236}">
+                <a16:creationId xmlns:a16="http://schemas.microsoft.com/office/drawing/2014/main" id="{28B4A379-FD1F-77C0-C20F-97EB36842E3B}"/>
+              </a:ext>
+            </a:extLst>
+          </p:cNvPr>
+          <p:cNvSpPr>
+            <a:spLocks noGrp="1"/>
+          </p:cNvSpPr>
+          <p:nvPr>
+            <p:ph type="title"/>
+          </p:nvPr>
+        </p:nvSpPr>
+        <p:spPr>
+          <a:xfrm>
+            <a:off x="838200" y="365126"/>
+            <a:ext cx="10515600" cy="372293"/>
+          </a:xfrm>
+        </p:spPr>
+        <p:txBody>
+          <a:bodyPr>
+            <a:normAutofit/>
+          </a:bodyPr>
+          <a:lstStyle/>
+          <a:p>
+            <a:r>
+              <a:rPr lang="da-DK" sz="1800" dirty="0"/>
+              <a:t>Small signal model Common </a:t>
+            </a:r>
+            <a:r>
+              <a:rPr lang="da-DK" sz="1800" dirty="0" err="1"/>
+              <a:t>Collector</a:t>
+            </a:r>
+            <a:r>
+              <a:rPr lang="da-DK" sz="1800" dirty="0"/>
+              <a:t> (CC)</a:t>
+            </a:r>
+          </a:p>
+        </p:txBody>
+      </p:sp>
+      <p:cxnSp>
+        <p:nvCxnSpPr>
+          <p:cNvPr id="10" name="Lige forbindelse 9">
+            <a:extLst>
+              <a:ext uri="{FF2B5EF4-FFF2-40B4-BE49-F238E27FC236}">
+                <a16:creationId xmlns:a16="http://schemas.microsoft.com/office/drawing/2014/main" id="{79C9EFDC-28BD-9BC8-2C47-22FCCC002981}"/>
+              </a:ext>
+            </a:extLst>
+          </p:cNvPr>
+          <p:cNvCxnSpPr>
+            <a:cxnSpLocks/>
+          </p:cNvCxnSpPr>
+          <p:nvPr/>
+        </p:nvCxnSpPr>
+        <p:spPr>
+          <a:xfrm>
+            <a:off x="2032603" y="3443045"/>
+            <a:ext cx="0" cy="540000"/>
+          </a:xfrm>
+          <a:prstGeom prst="line">
+            <a:avLst/>
+          </a:prstGeom>
+          <a:ln w="12700">
+            <a:solidFill>
+              <a:schemeClr val="tx1"/>
+            </a:solidFill>
+          </a:ln>
+        </p:spPr>
+        <p:style>
+          <a:lnRef idx="2">
+            <a:schemeClr val="accent1"/>
+          </a:lnRef>
+          <a:fillRef idx="0">
+            <a:schemeClr val="accent1"/>
+          </a:fillRef>
+          <a:effectRef idx="1">
+            <a:schemeClr val="accent1"/>
+          </a:effectRef>
+          <a:fontRef idx="minor">
+            <a:schemeClr val="tx1"/>
+          </a:fontRef>
+        </p:style>
+      </p:cxnSp>
+      <p:grpSp>
+        <p:nvGrpSpPr>
+          <p:cNvPr id="11" name="Gruppe 10">
+            <a:extLst>
+              <a:ext uri="{FF2B5EF4-FFF2-40B4-BE49-F238E27FC236}">
+                <a16:creationId xmlns:a16="http://schemas.microsoft.com/office/drawing/2014/main" id="{64A30E4E-8BA2-88F3-76BC-722239F3667B}"/>
+              </a:ext>
+            </a:extLst>
+          </p:cNvPr>
+          <p:cNvGrpSpPr/>
+          <p:nvPr/>
+        </p:nvGrpSpPr>
+        <p:grpSpPr>
+          <a:xfrm>
+            <a:off x="1479943" y="3991180"/>
+            <a:ext cx="746229" cy="499043"/>
+            <a:chOff x="789479" y="2256503"/>
+            <a:chExt cx="746229" cy="499043"/>
+          </a:xfrm>
+        </p:grpSpPr>
+        <p:sp>
+          <p:nvSpPr>
+            <p:cNvPr id="14" name="Rutediagram: Forbindelse 13">
+              <a:extLst>
+                <a:ext uri="{FF2B5EF4-FFF2-40B4-BE49-F238E27FC236}">
+                  <a16:creationId xmlns:a16="http://schemas.microsoft.com/office/drawing/2014/main" id="{5F9DAD61-492D-8CD9-322B-458984DE6FFD}"/>
+                </a:ext>
+              </a:extLst>
+            </p:cNvPr>
+            <p:cNvSpPr/>
+            <p:nvPr/>
+          </p:nvSpPr>
+          <p:spPr>
+            <a:xfrm>
+              <a:off x="1108047" y="2256503"/>
+              <a:ext cx="427661" cy="428273"/>
+            </a:xfrm>
+            <a:prstGeom prst="flowChartConnector">
+              <a:avLst/>
+            </a:prstGeom>
+            <a:noFill/>
+            <a:ln w="12700">
+              <a:solidFill>
+                <a:schemeClr val="tx1"/>
+              </a:solidFill>
+            </a:ln>
+          </p:spPr>
+          <p:style>
+            <a:lnRef idx="2">
+              <a:schemeClr val="accent1">
+                <a:shade val="15000"/>
+              </a:schemeClr>
+            </a:lnRef>
+            <a:fillRef idx="1">
+              <a:schemeClr val="accent1"/>
+            </a:fillRef>
+            <a:effectRef idx="0">
+              <a:schemeClr val="accent1"/>
+            </a:effectRef>
+            <a:fontRef idx="minor">
+              <a:schemeClr val="lt1"/>
+            </a:fontRef>
+          </p:style>
+          <p:txBody>
+            <a:bodyPr rtlCol="0" anchor="ctr"/>
+            <a:lstStyle/>
+            <a:p>
+              <a:pPr algn="ctr"/>
+              <a:endParaRPr lang="da-DK"/>
+            </a:p>
+          </p:txBody>
+        </p:sp>
+        <p:sp>
+          <p:nvSpPr>
+            <p:cNvPr id="13" name="Tekstfelt 12">
+              <a:extLst>
+                <a:ext uri="{FF2B5EF4-FFF2-40B4-BE49-F238E27FC236}">
+                  <a16:creationId xmlns:a16="http://schemas.microsoft.com/office/drawing/2014/main" id="{BFD57B27-55AE-825F-3ED2-F123E08CA11A}"/>
+                </a:ext>
+              </a:extLst>
+            </p:cNvPr>
+            <p:cNvSpPr txBox="1"/>
+            <p:nvPr/>
+          </p:nvSpPr>
+          <p:spPr>
+            <a:xfrm>
+              <a:off x="789479" y="2293881"/>
+              <a:ext cx="449824" cy="461665"/>
+            </a:xfrm>
+            <a:prstGeom prst="rect">
+              <a:avLst/>
+            </a:prstGeom>
+            <a:noFill/>
+          </p:spPr>
+          <p:txBody>
+            <a:bodyPr wrap="square" rtlCol="0">
+              <a:spAutoFit/>
+            </a:bodyPr>
+            <a:lstStyle/>
+            <a:p>
+              <a:r>
+                <a:rPr lang="da-DK" sz="1200" dirty="0" err="1"/>
+                <a:t>Vs</a:t>
+              </a:r>
+              <a:br>
+                <a:rPr lang="da-DK" sz="1200" dirty="0"/>
+              </a:br>
+              <a:endParaRPr lang="da-DK" sz="1200" dirty="0"/>
+            </a:p>
+          </p:txBody>
+        </p:sp>
+      </p:grpSp>
+      <p:grpSp>
+        <p:nvGrpSpPr>
+          <p:cNvPr id="30" name="Gruppe 29">
+            <a:extLst>
+              <a:ext uri="{FF2B5EF4-FFF2-40B4-BE49-F238E27FC236}">
+                <a16:creationId xmlns:a16="http://schemas.microsoft.com/office/drawing/2014/main" id="{12AC4C12-A404-B509-EBD7-BDC96EFE6A26}"/>
+              </a:ext>
+            </a:extLst>
+          </p:cNvPr>
+          <p:cNvGrpSpPr/>
+          <p:nvPr/>
+        </p:nvGrpSpPr>
+        <p:grpSpPr>
+          <a:xfrm>
+            <a:off x="6465226" y="1450254"/>
+            <a:ext cx="360000" cy="1056368"/>
+            <a:chOff x="3996808" y="1427106"/>
+            <a:chExt cx="360000" cy="1056368"/>
+          </a:xfrm>
+        </p:grpSpPr>
+        <p:sp>
+          <p:nvSpPr>
+            <p:cNvPr id="31" name="Rektangel 30">
+              <a:extLst>
+                <a:ext uri="{FF2B5EF4-FFF2-40B4-BE49-F238E27FC236}">
+                  <a16:creationId xmlns:a16="http://schemas.microsoft.com/office/drawing/2014/main" id="{658917AA-61C1-BFEB-7CD9-21C55F3AD93A}"/>
+                </a:ext>
+              </a:extLst>
+            </p:cNvPr>
+            <p:cNvSpPr/>
+            <p:nvPr/>
+          </p:nvSpPr>
+          <p:spPr>
+            <a:xfrm rot="2700000">
+              <a:off x="3996808" y="1771114"/>
+              <a:ext cx="360000" cy="360000"/>
+            </a:xfrm>
+            <a:prstGeom prst="rect">
+              <a:avLst/>
+            </a:prstGeom>
+            <a:noFill/>
+            <a:ln w="12700">
+              <a:solidFill>
+                <a:schemeClr val="tx1"/>
+              </a:solidFill>
+            </a:ln>
+          </p:spPr>
+          <p:style>
+            <a:lnRef idx="2">
+              <a:schemeClr val="accent1">
+                <a:shade val="15000"/>
+              </a:schemeClr>
+            </a:lnRef>
+            <a:fillRef idx="1">
+              <a:schemeClr val="accent1"/>
+            </a:fillRef>
+            <a:effectRef idx="0">
+              <a:schemeClr val="accent1"/>
+            </a:effectRef>
+            <a:fontRef idx="minor">
+              <a:schemeClr val="lt1"/>
+            </a:fontRef>
+          </p:style>
+          <p:txBody>
+            <a:bodyPr rtlCol="0" anchor="ctr"/>
+            <a:lstStyle/>
+            <a:p>
+              <a:pPr algn="ctr"/>
+              <a:endParaRPr lang="da-DK"/>
+            </a:p>
+          </p:txBody>
+        </p:sp>
+        <p:cxnSp>
+          <p:nvCxnSpPr>
+            <p:cNvPr id="32" name="Lige pilforbindelse 31">
+              <a:extLst>
+                <a:ext uri="{FF2B5EF4-FFF2-40B4-BE49-F238E27FC236}">
+                  <a16:creationId xmlns:a16="http://schemas.microsoft.com/office/drawing/2014/main" id="{F383D5B0-CEA1-637B-C23A-23AA136E932F}"/>
+                </a:ext>
+              </a:extLst>
+            </p:cNvPr>
+            <p:cNvCxnSpPr/>
+            <p:nvPr/>
+          </p:nvCxnSpPr>
+          <p:spPr>
+            <a:xfrm>
+              <a:off x="4176808" y="1784412"/>
+              <a:ext cx="0" cy="326344"/>
+            </a:xfrm>
+            <a:prstGeom prst="straightConnector1">
+              <a:avLst/>
+            </a:prstGeom>
+            <a:ln w="12700">
+              <a:solidFill>
+                <a:schemeClr val="tx1"/>
+              </a:solidFill>
+              <a:tailEnd type="triangle"/>
+            </a:ln>
+          </p:spPr>
+          <p:style>
+            <a:lnRef idx="2">
+              <a:schemeClr val="accent1"/>
+            </a:lnRef>
+            <a:fillRef idx="0">
+              <a:schemeClr val="accent1"/>
+            </a:fillRef>
+            <a:effectRef idx="1">
+              <a:schemeClr val="accent1"/>
+            </a:effectRef>
+            <a:fontRef idx="minor">
+              <a:schemeClr val="tx1"/>
+            </a:fontRef>
+          </p:style>
+        </p:cxnSp>
+        <p:cxnSp>
+          <p:nvCxnSpPr>
+            <p:cNvPr id="33" name="Lige forbindelse 32">
+              <a:extLst>
+                <a:ext uri="{FF2B5EF4-FFF2-40B4-BE49-F238E27FC236}">
+                  <a16:creationId xmlns:a16="http://schemas.microsoft.com/office/drawing/2014/main" id="{CD0D48C2-7DEF-E276-2B7B-843390168E73}"/>
+                </a:ext>
+              </a:extLst>
+            </p:cNvPr>
+            <p:cNvCxnSpPr>
+              <a:cxnSpLocks/>
+            </p:cNvCxnSpPr>
+            <p:nvPr/>
+          </p:nvCxnSpPr>
+          <p:spPr>
+            <a:xfrm>
+              <a:off x="4176806" y="1427106"/>
+              <a:ext cx="2" cy="272186"/>
+            </a:xfrm>
+            <a:prstGeom prst="line">
+              <a:avLst/>
+            </a:prstGeom>
+            <a:ln w="12700">
+              <a:solidFill>
+                <a:schemeClr val="tx1"/>
+              </a:solidFill>
+            </a:ln>
+          </p:spPr>
+          <p:style>
+            <a:lnRef idx="2">
+              <a:schemeClr val="accent1"/>
+            </a:lnRef>
+            <a:fillRef idx="0">
+              <a:schemeClr val="accent1"/>
+            </a:fillRef>
+            <a:effectRef idx="1">
+              <a:schemeClr val="accent1"/>
+            </a:effectRef>
+            <a:fontRef idx="minor">
+              <a:schemeClr val="tx1"/>
+            </a:fontRef>
+          </p:style>
+        </p:cxnSp>
+        <p:cxnSp>
+          <p:nvCxnSpPr>
+            <p:cNvPr id="34" name="Lige forbindelse 33">
+              <a:extLst>
+                <a:ext uri="{FF2B5EF4-FFF2-40B4-BE49-F238E27FC236}">
+                  <a16:creationId xmlns:a16="http://schemas.microsoft.com/office/drawing/2014/main" id="{D6ABD613-6ECF-B937-4655-2B193C89313A}"/>
+                </a:ext>
+              </a:extLst>
+            </p:cNvPr>
+            <p:cNvCxnSpPr>
+              <a:cxnSpLocks/>
+            </p:cNvCxnSpPr>
+            <p:nvPr/>
+          </p:nvCxnSpPr>
+          <p:spPr>
+            <a:xfrm>
+              <a:off x="4176807" y="2205673"/>
+              <a:ext cx="0" cy="277801"/>
+            </a:xfrm>
+            <a:prstGeom prst="line">
+              <a:avLst/>
+            </a:prstGeom>
+            <a:ln w="12700">
+              <a:solidFill>
+                <a:schemeClr val="tx1"/>
+              </a:solidFill>
+            </a:ln>
+          </p:spPr>
+          <p:style>
+            <a:lnRef idx="2">
+              <a:schemeClr val="accent1"/>
+            </a:lnRef>
+            <a:fillRef idx="0">
+              <a:schemeClr val="accent1"/>
+            </a:fillRef>
+            <a:effectRef idx="1">
+              <a:schemeClr val="accent1"/>
+            </a:effectRef>
+            <a:fontRef idx="minor">
+              <a:schemeClr val="tx1"/>
+            </a:fontRef>
+          </p:style>
+        </p:cxnSp>
+      </p:grpSp>
+      <p:cxnSp>
+        <p:nvCxnSpPr>
+          <p:cNvPr id="48" name="Lige forbindelse 47">
+            <a:extLst>
+              <a:ext uri="{FF2B5EF4-FFF2-40B4-BE49-F238E27FC236}">
+                <a16:creationId xmlns:a16="http://schemas.microsoft.com/office/drawing/2014/main" id="{D6A1FA29-597B-F03A-A6D4-7B3CAD4EB7E1}"/>
+              </a:ext>
+            </a:extLst>
+          </p:cNvPr>
+          <p:cNvCxnSpPr>
+            <a:cxnSpLocks/>
+          </p:cNvCxnSpPr>
+          <p:nvPr/>
+        </p:nvCxnSpPr>
+        <p:spPr>
+          <a:xfrm flipH="1">
+            <a:off x="2012341" y="4421997"/>
+            <a:ext cx="0" cy="252000"/>
+          </a:xfrm>
+          <a:prstGeom prst="line">
+            <a:avLst/>
+          </a:prstGeom>
+          <a:ln w="12700">
+            <a:solidFill>
+              <a:schemeClr val="tx1"/>
+            </a:solidFill>
+          </a:ln>
+        </p:spPr>
+        <p:style>
+          <a:lnRef idx="2">
+            <a:schemeClr val="accent1"/>
+          </a:lnRef>
+          <a:fillRef idx="0">
+            <a:schemeClr val="accent1"/>
+          </a:fillRef>
+          <a:effectRef idx="1">
+            <a:schemeClr val="accent1"/>
+          </a:effectRef>
+          <a:fontRef idx="minor">
+            <a:schemeClr val="tx1"/>
+          </a:fontRef>
+        </p:style>
+      </p:cxnSp>
+      <p:cxnSp>
+        <p:nvCxnSpPr>
+          <p:cNvPr id="49" name="Lige forbindelse 48">
+            <a:extLst>
+              <a:ext uri="{FF2B5EF4-FFF2-40B4-BE49-F238E27FC236}">
+                <a16:creationId xmlns:a16="http://schemas.microsoft.com/office/drawing/2014/main" id="{8B38743B-5BBF-8344-11C5-A6DD3646BCD8}"/>
+              </a:ext>
+            </a:extLst>
+          </p:cNvPr>
+          <p:cNvCxnSpPr>
+            <a:cxnSpLocks/>
+          </p:cNvCxnSpPr>
+          <p:nvPr/>
+        </p:nvCxnSpPr>
+        <p:spPr>
+          <a:xfrm flipV="1">
+            <a:off x="2016126" y="4674554"/>
+            <a:ext cx="7200000" cy="0"/>
+          </a:xfrm>
+          <a:prstGeom prst="line">
+            <a:avLst/>
+          </a:prstGeom>
+          <a:ln w="12700">
+            <a:solidFill>
+              <a:schemeClr val="tx1"/>
+            </a:solidFill>
+          </a:ln>
+        </p:spPr>
+        <p:style>
+          <a:lnRef idx="2">
+            <a:schemeClr val="accent1"/>
+          </a:lnRef>
+          <a:fillRef idx="0">
+            <a:schemeClr val="accent1"/>
+          </a:fillRef>
+          <a:effectRef idx="1">
+            <a:schemeClr val="accent1"/>
+          </a:effectRef>
+          <a:fontRef idx="minor">
+            <a:schemeClr val="tx1"/>
+          </a:fontRef>
+        </p:style>
+      </p:cxnSp>
+      <p:grpSp>
+        <p:nvGrpSpPr>
+          <p:cNvPr id="51" name="Gruppe 50">
+            <a:extLst>
+              <a:ext uri="{FF2B5EF4-FFF2-40B4-BE49-F238E27FC236}">
+                <a16:creationId xmlns:a16="http://schemas.microsoft.com/office/drawing/2014/main" id="{B2A41DE5-8D02-31E1-1906-A9D8A2F852B4}"/>
+              </a:ext>
+            </a:extLst>
+          </p:cNvPr>
+          <p:cNvGrpSpPr/>
+          <p:nvPr/>
+        </p:nvGrpSpPr>
+        <p:grpSpPr>
+          <a:xfrm rot="5400000">
+            <a:off x="7946781" y="3529790"/>
+            <a:ext cx="1057338" cy="1206183"/>
+            <a:chOff x="1321878" y="578229"/>
+            <a:chExt cx="1057338" cy="1206183"/>
+          </a:xfrm>
+        </p:grpSpPr>
+        <p:grpSp>
+          <p:nvGrpSpPr>
+            <p:cNvPr id="52" name="Gruppe 51">
+              <a:extLst>
+                <a:ext uri="{FF2B5EF4-FFF2-40B4-BE49-F238E27FC236}">
+                  <a16:creationId xmlns:a16="http://schemas.microsoft.com/office/drawing/2014/main" id="{F9E29F28-B402-8BB4-0961-972F995F07DA}"/>
+                </a:ext>
+              </a:extLst>
+            </p:cNvPr>
+            <p:cNvGrpSpPr/>
+            <p:nvPr/>
+          </p:nvGrpSpPr>
+          <p:grpSpPr>
+            <a:xfrm>
+              <a:off x="1321878" y="1606858"/>
+              <a:ext cx="1057338" cy="177554"/>
+              <a:chOff x="1321878" y="1606858"/>
+              <a:chExt cx="1057338" cy="177554"/>
+            </a:xfrm>
+          </p:grpSpPr>
+          <p:sp>
+            <p:nvSpPr>
+              <p:cNvPr id="54" name="Rektangel 53">
+                <a:extLst>
+                  <a:ext uri="{FF2B5EF4-FFF2-40B4-BE49-F238E27FC236}">
+                    <a16:creationId xmlns:a16="http://schemas.microsoft.com/office/drawing/2014/main" id="{545AF1E0-2860-41D6-0091-6F92E9F74972}"/>
+                  </a:ext>
+                </a:extLst>
+              </p:cNvPr>
+              <p:cNvSpPr/>
+              <p:nvPr/>
+            </p:nvSpPr>
+            <p:spPr>
+              <a:xfrm>
+                <a:off x="1518082" y="1606858"/>
+                <a:ext cx="665825" cy="177554"/>
+              </a:xfrm>
+              <a:prstGeom prst="rect">
+                <a:avLst/>
+              </a:prstGeom>
+              <a:noFill/>
+              <a:ln w="12700">
+                <a:solidFill>
+                  <a:schemeClr val="tx1"/>
+                </a:solidFill>
+              </a:ln>
+            </p:spPr>
+            <p:style>
+              <a:lnRef idx="2">
+                <a:schemeClr val="accent1">
+                  <a:shade val="15000"/>
+                </a:schemeClr>
+              </a:lnRef>
+              <a:fillRef idx="1">
+                <a:schemeClr val="accent1"/>
+              </a:fillRef>
+              <a:effectRef idx="0">
+                <a:schemeClr val="accent1"/>
+              </a:effectRef>
+              <a:fontRef idx="minor">
+                <a:schemeClr val="lt1"/>
+              </a:fontRef>
+            </p:style>
+            <p:txBody>
+              <a:bodyPr rtlCol="0" anchor="ctr"/>
+              <a:lstStyle/>
+              <a:p>
+                <a:pPr algn="ctr"/>
+                <a:endParaRPr lang="da-DK"/>
+              </a:p>
+            </p:txBody>
+          </p:sp>
+          <p:cxnSp>
+            <p:nvCxnSpPr>
+              <p:cNvPr id="55" name="Lige forbindelse 54">
+                <a:extLst>
+                  <a:ext uri="{FF2B5EF4-FFF2-40B4-BE49-F238E27FC236}">
+                    <a16:creationId xmlns:a16="http://schemas.microsoft.com/office/drawing/2014/main" id="{A30DBDB9-B44B-4ADC-0B0D-A4A00EB752E5}"/>
+                  </a:ext>
+                </a:extLst>
+              </p:cNvPr>
+              <p:cNvCxnSpPr>
+                <a:cxnSpLocks/>
+                <a:stCxn id="54" idx="3"/>
+              </p:cNvCxnSpPr>
+              <p:nvPr/>
+            </p:nvCxnSpPr>
+            <p:spPr>
+              <a:xfrm>
+                <a:off x="2183907" y="1695635"/>
+                <a:ext cx="195309" cy="0"/>
+              </a:xfrm>
+              <a:prstGeom prst="line">
+                <a:avLst/>
+              </a:prstGeom>
+              <a:ln w="12700">
+                <a:solidFill>
+                  <a:schemeClr val="tx1"/>
+                </a:solidFill>
+              </a:ln>
+            </p:spPr>
+            <p:style>
+              <a:lnRef idx="2">
+                <a:schemeClr val="accent1"/>
+              </a:lnRef>
+              <a:fillRef idx="0">
+                <a:schemeClr val="accent1"/>
+              </a:fillRef>
+              <a:effectRef idx="1">
+                <a:schemeClr val="accent1"/>
+              </a:effectRef>
+              <a:fontRef idx="minor">
+                <a:schemeClr val="tx1"/>
+              </a:fontRef>
+            </p:style>
+          </p:cxnSp>
+          <p:cxnSp>
+            <p:nvCxnSpPr>
+              <p:cNvPr id="56" name="Lige forbindelse 55">
+                <a:extLst>
+                  <a:ext uri="{FF2B5EF4-FFF2-40B4-BE49-F238E27FC236}">
+                    <a16:creationId xmlns:a16="http://schemas.microsoft.com/office/drawing/2014/main" id="{455C6196-C6AE-1E6B-41B1-A7C6F53B9CFD}"/>
+                  </a:ext>
+                </a:extLst>
+              </p:cNvPr>
+              <p:cNvCxnSpPr>
+                <a:cxnSpLocks/>
+              </p:cNvCxnSpPr>
+              <p:nvPr/>
+            </p:nvCxnSpPr>
+            <p:spPr>
+              <a:xfrm>
+                <a:off x="1321878" y="1702728"/>
+                <a:ext cx="195309" cy="0"/>
+              </a:xfrm>
+              <a:prstGeom prst="line">
+                <a:avLst/>
+              </a:prstGeom>
+              <a:ln w="12700">
+                <a:solidFill>
+                  <a:schemeClr val="tx1"/>
+                </a:solidFill>
+              </a:ln>
+            </p:spPr>
+            <p:style>
+              <a:lnRef idx="2">
+                <a:schemeClr val="accent1"/>
+              </a:lnRef>
+              <a:fillRef idx="0">
+                <a:schemeClr val="accent1"/>
+              </a:fillRef>
+              <a:effectRef idx="1">
+                <a:schemeClr val="accent1"/>
+              </a:effectRef>
+              <a:fontRef idx="minor">
+                <a:schemeClr val="tx1"/>
+              </a:fontRef>
+            </p:style>
+          </p:cxnSp>
+        </p:grpSp>
+        <p:sp>
+          <p:nvSpPr>
+            <p:cNvPr id="53" name="Tekstfelt 52">
+              <a:extLst>
+                <a:ext uri="{FF2B5EF4-FFF2-40B4-BE49-F238E27FC236}">
+                  <a16:creationId xmlns:a16="http://schemas.microsoft.com/office/drawing/2014/main" id="{26FFA835-6D81-76D9-8E2B-8DC4B0F6E676}"/>
+                </a:ext>
+              </a:extLst>
+            </p:cNvPr>
+            <p:cNvSpPr txBox="1"/>
+            <p:nvPr/>
+          </p:nvSpPr>
+          <p:spPr>
+            <a:xfrm rot="16200000">
+              <a:off x="1395999" y="950356"/>
+              <a:ext cx="1021254" cy="276999"/>
+            </a:xfrm>
+            <a:prstGeom prst="rect">
+              <a:avLst/>
+            </a:prstGeom>
+            <a:noFill/>
+          </p:spPr>
+          <p:txBody>
+            <a:bodyPr wrap="square" rtlCol="0">
+              <a:spAutoFit/>
+            </a:bodyPr>
+            <a:lstStyle/>
+            <a:p>
+              <a:r>
+                <a:rPr lang="da-DK" sz="1200" dirty="0"/>
+                <a:t>RL = 6.2k</a:t>
+              </a:r>
+              <a:r>
+                <a:rPr lang="el-GR" sz="1200" dirty="0"/>
+                <a:t>Ω</a:t>
+              </a:r>
+              <a:endParaRPr lang="da-DK" sz="1200" dirty="0"/>
+            </a:p>
+          </p:txBody>
+        </p:sp>
+      </p:grpSp>
+      <p:sp>
+        <p:nvSpPr>
+          <p:cNvPr id="69" name="Tekstfelt 68">
+            <a:extLst>
+              <a:ext uri="{FF2B5EF4-FFF2-40B4-BE49-F238E27FC236}">
+                <a16:creationId xmlns:a16="http://schemas.microsoft.com/office/drawing/2014/main" id="{78CCBC9E-7D2B-463C-FBFF-85B8EC35EE7A}"/>
+              </a:ext>
+            </a:extLst>
+          </p:cNvPr>
+          <p:cNvSpPr txBox="1"/>
+          <p:nvPr/>
+        </p:nvSpPr>
+        <p:spPr>
+          <a:xfrm>
+            <a:off x="1794743" y="3856189"/>
+            <a:ext cx="400302" cy="707886"/>
+          </a:xfrm>
+          <a:prstGeom prst="rect">
+            <a:avLst/>
+          </a:prstGeom>
+          <a:noFill/>
+        </p:spPr>
+        <p:txBody>
+          <a:bodyPr wrap="square" rtlCol="0">
+            <a:spAutoFit/>
+          </a:bodyPr>
+          <a:lstStyle/>
+          <a:p>
+            <a:r>
+              <a:rPr lang="da-DK" sz="4000" dirty="0"/>
+              <a:t>~</a:t>
+            </a:r>
+          </a:p>
+        </p:txBody>
+      </p:sp>
+      <p:sp>
+        <p:nvSpPr>
+          <p:cNvPr id="70" name="Tekstfelt 69">
+            <a:extLst>
+              <a:ext uri="{FF2B5EF4-FFF2-40B4-BE49-F238E27FC236}">
+                <a16:creationId xmlns:a16="http://schemas.microsoft.com/office/drawing/2014/main" id="{13A9F50A-2609-0736-CADA-F594F02B062C}"/>
+              </a:ext>
+            </a:extLst>
+          </p:cNvPr>
+          <p:cNvSpPr txBox="1"/>
+          <p:nvPr/>
+        </p:nvSpPr>
+        <p:spPr>
+          <a:xfrm>
+            <a:off x="1778002" y="3737255"/>
+            <a:ext cx="258345" cy="276999"/>
+          </a:xfrm>
+          <a:prstGeom prst="rect">
+            <a:avLst/>
+          </a:prstGeom>
+          <a:noFill/>
+        </p:spPr>
+        <p:txBody>
+          <a:bodyPr wrap="square" rtlCol="0">
+            <a:spAutoFit/>
+          </a:bodyPr>
+          <a:lstStyle/>
+          <a:p>
+            <a:r>
+              <a:rPr lang="da-DK" sz="1200" dirty="0"/>
+              <a:t>+</a:t>
+            </a:r>
+          </a:p>
+        </p:txBody>
+      </p:sp>
+      <p:sp>
+        <p:nvSpPr>
+          <p:cNvPr id="71" name="Tekstfelt 70">
+            <a:extLst>
+              <a:ext uri="{FF2B5EF4-FFF2-40B4-BE49-F238E27FC236}">
+                <a16:creationId xmlns:a16="http://schemas.microsoft.com/office/drawing/2014/main" id="{60166D2B-912C-2AA6-9C93-82921E87C395}"/>
+              </a:ext>
+            </a:extLst>
+          </p:cNvPr>
+          <p:cNvSpPr txBox="1"/>
+          <p:nvPr/>
+        </p:nvSpPr>
+        <p:spPr>
+          <a:xfrm>
+            <a:off x="1806099" y="4387784"/>
+            <a:ext cx="247335" cy="276999"/>
+          </a:xfrm>
+          <a:prstGeom prst="rect">
+            <a:avLst/>
+          </a:prstGeom>
+          <a:noFill/>
+        </p:spPr>
+        <p:txBody>
+          <a:bodyPr wrap="square" rtlCol="0">
+            <a:spAutoFit/>
+          </a:bodyPr>
+          <a:lstStyle/>
+          <a:p>
+            <a:r>
+              <a:rPr lang="da-DK" sz="1200" dirty="0"/>
+              <a:t>-</a:t>
+            </a:r>
+          </a:p>
+        </p:txBody>
+      </p:sp>
+      <p:grpSp>
+        <p:nvGrpSpPr>
+          <p:cNvPr id="72" name="Gruppe 71">
+            <a:extLst>
+              <a:ext uri="{FF2B5EF4-FFF2-40B4-BE49-F238E27FC236}">
+                <a16:creationId xmlns:a16="http://schemas.microsoft.com/office/drawing/2014/main" id="{FFA0FE6C-3625-4516-5B65-DCB6CEADA290}"/>
+              </a:ext>
+            </a:extLst>
+          </p:cNvPr>
+          <p:cNvGrpSpPr/>
+          <p:nvPr/>
+        </p:nvGrpSpPr>
+        <p:grpSpPr>
+          <a:xfrm rot="5400000">
+            <a:off x="4910205" y="2464280"/>
+            <a:ext cx="1096502" cy="1206183"/>
+            <a:chOff x="1282714" y="578229"/>
+            <a:chExt cx="1096502" cy="1206183"/>
+          </a:xfrm>
+        </p:grpSpPr>
+        <p:grpSp>
+          <p:nvGrpSpPr>
+            <p:cNvPr id="73" name="Gruppe 72">
+              <a:extLst>
+                <a:ext uri="{FF2B5EF4-FFF2-40B4-BE49-F238E27FC236}">
+                  <a16:creationId xmlns:a16="http://schemas.microsoft.com/office/drawing/2014/main" id="{17F3BDC6-E6C6-82DB-2EC3-00C0BFAE3ABD}"/>
+                </a:ext>
+              </a:extLst>
+            </p:cNvPr>
+            <p:cNvGrpSpPr/>
+            <p:nvPr/>
+          </p:nvGrpSpPr>
+          <p:grpSpPr>
+            <a:xfrm>
+              <a:off x="1282714" y="1606858"/>
+              <a:ext cx="1096502" cy="177554"/>
+              <a:chOff x="1282714" y="1606858"/>
+              <a:chExt cx="1096502" cy="177554"/>
+            </a:xfrm>
+          </p:grpSpPr>
+          <p:sp>
+            <p:nvSpPr>
+              <p:cNvPr id="75" name="Rektangel 74">
+                <a:extLst>
+                  <a:ext uri="{FF2B5EF4-FFF2-40B4-BE49-F238E27FC236}">
+                    <a16:creationId xmlns:a16="http://schemas.microsoft.com/office/drawing/2014/main" id="{E09A3D3C-57C9-66A5-25A5-7A87C7DBC5A9}"/>
+                  </a:ext>
+                </a:extLst>
+              </p:cNvPr>
+              <p:cNvSpPr/>
+              <p:nvPr/>
+            </p:nvSpPr>
+            <p:spPr>
+              <a:xfrm>
+                <a:off x="1518082" y="1606858"/>
+                <a:ext cx="665825" cy="177554"/>
+              </a:xfrm>
+              <a:prstGeom prst="rect">
+                <a:avLst/>
+              </a:prstGeom>
+              <a:noFill/>
+              <a:ln w="12700">
+                <a:solidFill>
+                  <a:schemeClr val="tx1"/>
+                </a:solidFill>
+              </a:ln>
+            </p:spPr>
+            <p:style>
+              <a:lnRef idx="2">
+                <a:schemeClr val="accent1">
+                  <a:shade val="15000"/>
+                </a:schemeClr>
+              </a:lnRef>
+              <a:fillRef idx="1">
+                <a:schemeClr val="accent1"/>
+              </a:fillRef>
+              <a:effectRef idx="0">
+                <a:schemeClr val="accent1"/>
+              </a:effectRef>
+              <a:fontRef idx="minor">
+                <a:schemeClr val="lt1"/>
+              </a:fontRef>
+            </p:style>
+            <p:txBody>
+              <a:bodyPr rtlCol="0" anchor="ctr"/>
+              <a:lstStyle/>
+              <a:p>
+                <a:pPr algn="ctr"/>
+                <a:endParaRPr lang="da-DK"/>
+              </a:p>
+            </p:txBody>
+          </p:sp>
+          <p:cxnSp>
+            <p:nvCxnSpPr>
+              <p:cNvPr id="76" name="Lige forbindelse 75">
+                <a:extLst>
+                  <a:ext uri="{FF2B5EF4-FFF2-40B4-BE49-F238E27FC236}">
+                    <a16:creationId xmlns:a16="http://schemas.microsoft.com/office/drawing/2014/main" id="{46929072-BE14-DD66-177B-E0BA165C27A0}"/>
+                  </a:ext>
+                </a:extLst>
+              </p:cNvPr>
+              <p:cNvCxnSpPr>
+                <a:cxnSpLocks/>
+                <a:stCxn id="75" idx="3"/>
+              </p:cNvCxnSpPr>
+              <p:nvPr/>
+            </p:nvCxnSpPr>
+            <p:spPr>
+              <a:xfrm>
+                <a:off x="2183907" y="1695635"/>
+                <a:ext cx="195309" cy="0"/>
+              </a:xfrm>
+              <a:prstGeom prst="line">
+                <a:avLst/>
+              </a:prstGeom>
+              <a:ln w="12700">
+                <a:solidFill>
+                  <a:schemeClr val="tx1"/>
+                </a:solidFill>
+              </a:ln>
+            </p:spPr>
+            <p:style>
+              <a:lnRef idx="2">
+                <a:schemeClr val="accent1"/>
+              </a:lnRef>
+              <a:fillRef idx="0">
+                <a:schemeClr val="accent1"/>
+              </a:fillRef>
+              <a:effectRef idx="1">
+                <a:schemeClr val="accent1"/>
+              </a:effectRef>
+              <a:fontRef idx="minor">
+                <a:schemeClr val="tx1"/>
+              </a:fontRef>
+            </p:style>
+          </p:cxnSp>
+          <p:cxnSp>
+            <p:nvCxnSpPr>
+              <p:cNvPr id="77" name="Lige forbindelse 76">
+                <a:extLst>
+                  <a:ext uri="{FF2B5EF4-FFF2-40B4-BE49-F238E27FC236}">
+                    <a16:creationId xmlns:a16="http://schemas.microsoft.com/office/drawing/2014/main" id="{8D773DFE-5BA7-18E9-E78E-644EB4FBD9FF}"/>
+                  </a:ext>
+                </a:extLst>
+              </p:cNvPr>
+              <p:cNvCxnSpPr>
+                <a:cxnSpLocks/>
+              </p:cNvCxnSpPr>
+              <p:nvPr/>
+            </p:nvCxnSpPr>
+            <p:spPr>
+              <a:xfrm rot="16200000">
+                <a:off x="1399951" y="1585490"/>
+                <a:ext cx="0" cy="234474"/>
+              </a:xfrm>
+              <a:prstGeom prst="line">
+                <a:avLst/>
+              </a:prstGeom>
+              <a:ln w="12700">
+                <a:solidFill>
+                  <a:schemeClr val="tx1"/>
+                </a:solidFill>
+              </a:ln>
+            </p:spPr>
+            <p:style>
+              <a:lnRef idx="2">
+                <a:schemeClr val="accent1"/>
+              </a:lnRef>
+              <a:fillRef idx="0">
+                <a:schemeClr val="accent1"/>
+              </a:fillRef>
+              <a:effectRef idx="1">
+                <a:schemeClr val="accent1"/>
+              </a:effectRef>
+              <a:fontRef idx="minor">
+                <a:schemeClr val="tx1"/>
+              </a:fontRef>
+            </p:style>
+          </p:cxnSp>
+        </p:grpSp>
+        <p:sp>
+          <p:nvSpPr>
+            <p:cNvPr id="74" name="Tekstfelt 73">
+              <a:extLst>
+                <a:ext uri="{FF2B5EF4-FFF2-40B4-BE49-F238E27FC236}">
+                  <a16:creationId xmlns:a16="http://schemas.microsoft.com/office/drawing/2014/main" id="{1CF5E4E5-A1C1-C1E7-2FFC-6F884AB89C61}"/>
+                </a:ext>
+              </a:extLst>
+            </p:cNvPr>
+            <p:cNvSpPr txBox="1"/>
+            <p:nvPr/>
+          </p:nvSpPr>
+          <p:spPr>
+            <a:xfrm rot="16200000">
+              <a:off x="1395999" y="950356"/>
+              <a:ext cx="1021254" cy="276999"/>
+            </a:xfrm>
+            <a:prstGeom prst="rect">
+              <a:avLst/>
+            </a:prstGeom>
+            <a:noFill/>
+          </p:spPr>
+          <p:txBody>
+            <a:bodyPr wrap="square" rtlCol="0">
+              <a:spAutoFit/>
+            </a:bodyPr>
+            <a:lstStyle/>
+            <a:p>
+              <a:r>
+                <a:rPr lang="da-DK" sz="1200" dirty="0"/>
+                <a:t>Rb2 = 20k</a:t>
+              </a:r>
+              <a:r>
+                <a:rPr lang="el-GR" sz="1200" dirty="0"/>
+                <a:t>Ω</a:t>
+              </a:r>
+              <a:endParaRPr lang="da-DK" sz="1200" dirty="0"/>
+            </a:p>
+          </p:txBody>
+        </p:sp>
+      </p:grpSp>
+      <p:cxnSp>
+        <p:nvCxnSpPr>
+          <p:cNvPr id="82" name="Lige forbindelse 81">
+            <a:extLst>
+              <a:ext uri="{FF2B5EF4-FFF2-40B4-BE49-F238E27FC236}">
+                <a16:creationId xmlns:a16="http://schemas.microsoft.com/office/drawing/2014/main" id="{9E32751B-A3B6-11AB-6E9C-E5BA34BE2988}"/>
+              </a:ext>
+            </a:extLst>
+          </p:cNvPr>
+          <p:cNvCxnSpPr>
+            <a:cxnSpLocks/>
+          </p:cNvCxnSpPr>
+          <p:nvPr/>
+        </p:nvCxnSpPr>
+        <p:spPr>
+          <a:xfrm flipH="1">
+            <a:off x="4940697" y="3565343"/>
+            <a:ext cx="7091" cy="1109211"/>
+          </a:xfrm>
+          <a:prstGeom prst="line">
+            <a:avLst/>
+          </a:prstGeom>
+          <a:ln w="12700">
+            <a:solidFill>
+              <a:schemeClr val="tx1"/>
+            </a:solidFill>
+          </a:ln>
+        </p:spPr>
+        <p:style>
+          <a:lnRef idx="2">
+            <a:schemeClr val="accent1"/>
+          </a:lnRef>
+          <a:fillRef idx="0">
+            <a:schemeClr val="accent1"/>
+          </a:fillRef>
+          <a:effectRef idx="1">
+            <a:schemeClr val="accent1"/>
+          </a:effectRef>
+          <a:fontRef idx="minor">
+            <a:schemeClr val="tx1"/>
+          </a:fontRef>
+        </p:style>
+      </p:cxnSp>
+      <p:cxnSp>
+        <p:nvCxnSpPr>
+          <p:cNvPr id="97" name="Lige forbindelse 96">
+            <a:extLst>
+              <a:ext uri="{FF2B5EF4-FFF2-40B4-BE49-F238E27FC236}">
+                <a16:creationId xmlns:a16="http://schemas.microsoft.com/office/drawing/2014/main" id="{88BED690-FCEB-F396-913F-E0E0D5541FB9}"/>
+              </a:ext>
+            </a:extLst>
+          </p:cNvPr>
+          <p:cNvCxnSpPr>
+            <a:cxnSpLocks/>
+          </p:cNvCxnSpPr>
+          <p:nvPr/>
+        </p:nvCxnSpPr>
+        <p:spPr>
+          <a:xfrm>
+            <a:off x="2020432" y="2515247"/>
+            <a:ext cx="4626000" cy="0"/>
+          </a:xfrm>
+          <a:prstGeom prst="line">
+            <a:avLst/>
+          </a:prstGeom>
+          <a:ln w="12700">
+            <a:solidFill>
+              <a:schemeClr val="tx1"/>
+            </a:solidFill>
+          </a:ln>
+        </p:spPr>
+        <p:style>
+          <a:lnRef idx="2">
+            <a:schemeClr val="accent1"/>
+          </a:lnRef>
+          <a:fillRef idx="0">
+            <a:schemeClr val="accent1"/>
+          </a:fillRef>
+          <a:effectRef idx="1">
+            <a:schemeClr val="accent1"/>
+          </a:effectRef>
+          <a:fontRef idx="minor">
+            <a:schemeClr val="tx1"/>
+          </a:fontRef>
+        </p:style>
+      </p:cxnSp>
+      <p:cxnSp>
+        <p:nvCxnSpPr>
+          <p:cNvPr id="106" name="Lige forbindelse 105">
+            <a:extLst>
+              <a:ext uri="{FF2B5EF4-FFF2-40B4-BE49-F238E27FC236}">
+                <a16:creationId xmlns:a16="http://schemas.microsoft.com/office/drawing/2014/main" id="{31F0331F-41E0-29C0-3549-9E48E8841BE1}"/>
+              </a:ext>
+            </a:extLst>
+          </p:cNvPr>
+          <p:cNvCxnSpPr>
+            <a:cxnSpLocks/>
+          </p:cNvCxnSpPr>
+          <p:nvPr/>
+        </p:nvCxnSpPr>
+        <p:spPr>
+          <a:xfrm>
+            <a:off x="6667094" y="3597731"/>
+            <a:ext cx="2556000" cy="0"/>
+          </a:xfrm>
+          <a:prstGeom prst="line">
+            <a:avLst/>
+          </a:prstGeom>
+          <a:ln w="12700">
+            <a:solidFill>
+              <a:schemeClr val="tx1"/>
+            </a:solidFill>
+          </a:ln>
+        </p:spPr>
+        <p:style>
+          <a:lnRef idx="2">
+            <a:schemeClr val="accent1"/>
+          </a:lnRef>
+          <a:fillRef idx="0">
+            <a:schemeClr val="accent1"/>
+          </a:fillRef>
+          <a:effectRef idx="1">
+            <a:schemeClr val="accent1"/>
+          </a:effectRef>
+          <a:fontRef idx="minor">
+            <a:schemeClr val="tx1"/>
+          </a:fontRef>
+        </p:style>
+      </p:cxnSp>
+      <p:sp>
+        <p:nvSpPr>
+          <p:cNvPr id="116" name="Rutediagram: Forbindelse 115">
+            <a:extLst>
+              <a:ext uri="{FF2B5EF4-FFF2-40B4-BE49-F238E27FC236}">
+                <a16:creationId xmlns:a16="http://schemas.microsoft.com/office/drawing/2014/main" id="{712A7F0A-BF15-30FF-C349-A0A822504989}"/>
+              </a:ext>
+            </a:extLst>
+          </p:cNvPr>
+          <p:cNvSpPr/>
+          <p:nvPr/>
+        </p:nvSpPr>
+        <p:spPr>
+          <a:xfrm>
+            <a:off x="9225951" y="3552731"/>
+            <a:ext cx="90000" cy="90000"/>
+          </a:xfrm>
+          <a:prstGeom prst="flowChartConnector">
+            <a:avLst/>
+          </a:prstGeom>
+          <a:noFill/>
+          <a:ln w="12700">
+            <a:solidFill>
+              <a:schemeClr val="tx1"/>
+            </a:solidFill>
+          </a:ln>
+        </p:spPr>
+        <p:style>
+          <a:lnRef idx="2">
+            <a:schemeClr val="accent1">
+              <a:shade val="15000"/>
+            </a:schemeClr>
+          </a:lnRef>
+          <a:fillRef idx="1">
+            <a:schemeClr val="accent1"/>
+          </a:fillRef>
+          <a:effectRef idx="0">
+            <a:schemeClr val="accent1"/>
+          </a:effectRef>
+          <a:fontRef idx="minor">
+            <a:schemeClr val="lt1"/>
+          </a:fontRef>
+        </p:style>
+        <p:txBody>
+          <a:bodyPr rtlCol="0" anchor="ctr"/>
+          <a:lstStyle/>
+          <a:p>
+            <a:pPr algn="ctr"/>
             <a:endParaRPr lang="da-DK"/>
           </a:p>
         </p:txBody>
       </p:sp>
       <p:sp>
         <p:nvSpPr>
-          <p:cNvPr id="3" name="Pladsholder til indhold 2">
-            <a:extLst>
-              <a:ext uri="{FF2B5EF4-FFF2-40B4-BE49-F238E27FC236}">
-                <a16:creationId xmlns:a16="http://schemas.microsoft.com/office/drawing/2014/main" id="{41A1A0A2-EF2D-6647-00F4-9EF980BD13F0}"/>
-              </a:ext>
-            </a:extLst>
-          </p:cNvPr>
-          <p:cNvSpPr>
-            <a:spLocks noGrp="1"/>
-          </p:cNvSpPr>
-          <p:nvPr>
-            <p:ph idx="1"/>
-          </p:nvPr>
+          <p:cNvPr id="117" name="Rutediagram: Forbindelse 116">
+            <a:extLst>
+              <a:ext uri="{FF2B5EF4-FFF2-40B4-BE49-F238E27FC236}">
+                <a16:creationId xmlns:a16="http://schemas.microsoft.com/office/drawing/2014/main" id="{D2A78F95-8346-708B-B1BC-8E9C9F3CBF04}"/>
+              </a:ext>
+            </a:extLst>
+          </p:cNvPr>
+          <p:cNvSpPr/>
+          <p:nvPr/>
         </p:nvSpPr>
-        <p:spPr/>
+        <p:spPr>
+          <a:xfrm>
+            <a:off x="9229887" y="4629554"/>
+            <a:ext cx="90000" cy="90000"/>
+          </a:xfrm>
+          <a:prstGeom prst="flowChartConnector">
+            <a:avLst/>
+          </a:prstGeom>
+          <a:noFill/>
+          <a:ln w="12700">
+            <a:solidFill>
+              <a:schemeClr val="tx1"/>
+            </a:solidFill>
+          </a:ln>
+        </p:spPr>
+        <p:style>
+          <a:lnRef idx="2">
+            <a:schemeClr val="accent1">
+              <a:shade val="15000"/>
+            </a:schemeClr>
+          </a:lnRef>
+          <a:fillRef idx="1">
+            <a:schemeClr val="accent1"/>
+          </a:fillRef>
+          <a:effectRef idx="0">
+            <a:schemeClr val="accent1"/>
+          </a:effectRef>
+          <a:fontRef idx="minor">
+            <a:schemeClr val="lt1"/>
+          </a:fontRef>
+        </p:style>
         <p:txBody>
-          <a:bodyPr/>
+          <a:bodyPr rtlCol="0" anchor="ctr"/>
           <a:lstStyle/>
           <a:p>
+            <a:pPr algn="ctr"/>
             <a:endParaRPr lang="da-DK"/>
+          </a:p>
+        </p:txBody>
+      </p:sp>
+      <p:sp>
+        <p:nvSpPr>
+          <p:cNvPr id="119" name="Tekstfelt 118">
+            <a:extLst>
+              <a:ext uri="{FF2B5EF4-FFF2-40B4-BE49-F238E27FC236}">
+                <a16:creationId xmlns:a16="http://schemas.microsoft.com/office/drawing/2014/main" id="{C7EE0F3B-771C-602D-FA54-62A6B2DABC40}"/>
+              </a:ext>
+            </a:extLst>
+          </p:cNvPr>
+          <p:cNvSpPr txBox="1"/>
+          <p:nvPr/>
+        </p:nvSpPr>
+        <p:spPr>
+          <a:xfrm>
+            <a:off x="9168790" y="4396932"/>
+            <a:ext cx="247335" cy="276999"/>
+          </a:xfrm>
+          <a:prstGeom prst="rect">
+            <a:avLst/>
+          </a:prstGeom>
+          <a:noFill/>
+        </p:spPr>
+        <p:txBody>
+          <a:bodyPr wrap="square" rtlCol="0">
+            <a:spAutoFit/>
+          </a:bodyPr>
+          <a:lstStyle/>
+          <a:p>
+            <a:r>
+              <a:rPr lang="da-DK" sz="1200" dirty="0"/>
+              <a:t>-</a:t>
+            </a:r>
+          </a:p>
+        </p:txBody>
+      </p:sp>
+      <p:sp>
+        <p:nvSpPr>
+          <p:cNvPr id="120" name="Tekstfelt 119">
+            <a:extLst>
+              <a:ext uri="{FF2B5EF4-FFF2-40B4-BE49-F238E27FC236}">
+                <a16:creationId xmlns:a16="http://schemas.microsoft.com/office/drawing/2014/main" id="{2C32981F-F2A1-27A4-89F9-26FE3AB5FB8B}"/>
+              </a:ext>
+            </a:extLst>
+          </p:cNvPr>
+          <p:cNvSpPr txBox="1"/>
+          <p:nvPr/>
+        </p:nvSpPr>
+        <p:spPr>
+          <a:xfrm>
+            <a:off x="9148733" y="3614543"/>
+            <a:ext cx="258345" cy="276999"/>
+          </a:xfrm>
+          <a:prstGeom prst="rect">
+            <a:avLst/>
+          </a:prstGeom>
+          <a:noFill/>
+        </p:spPr>
+        <p:txBody>
+          <a:bodyPr wrap="square" rtlCol="0">
+            <a:spAutoFit/>
+          </a:bodyPr>
+          <a:lstStyle/>
+          <a:p>
+            <a:r>
+              <a:rPr lang="da-DK" sz="1200" dirty="0"/>
+              <a:t>+</a:t>
+            </a:r>
+          </a:p>
+        </p:txBody>
+      </p:sp>
+      <p:sp>
+        <p:nvSpPr>
+          <p:cNvPr id="121" name="Tekstfelt 120">
+            <a:extLst>
+              <a:ext uri="{FF2B5EF4-FFF2-40B4-BE49-F238E27FC236}">
+                <a16:creationId xmlns:a16="http://schemas.microsoft.com/office/drawing/2014/main" id="{7ABC160E-C06C-8B68-03D3-7F6A612FDCA5}"/>
+              </a:ext>
+            </a:extLst>
+          </p:cNvPr>
+          <p:cNvSpPr txBox="1"/>
+          <p:nvPr/>
+        </p:nvSpPr>
+        <p:spPr>
+          <a:xfrm>
+            <a:off x="9099893" y="3992382"/>
+            <a:ext cx="354850" cy="276999"/>
+          </a:xfrm>
+          <a:prstGeom prst="rect">
+            <a:avLst/>
+          </a:prstGeom>
+          <a:noFill/>
+        </p:spPr>
+        <p:txBody>
+          <a:bodyPr wrap="square" rtlCol="0">
+            <a:spAutoFit/>
+          </a:bodyPr>
+          <a:lstStyle/>
+          <a:p>
+            <a:r>
+              <a:rPr lang="da-DK" sz="1200" dirty="0"/>
+              <a:t>Vo</a:t>
+            </a:r>
+          </a:p>
+        </p:txBody>
+      </p:sp>
+      <p:sp>
+        <p:nvSpPr>
+          <p:cNvPr id="3" name="Tekstfelt 2">
+            <a:extLst>
+              <a:ext uri="{FF2B5EF4-FFF2-40B4-BE49-F238E27FC236}">
+                <a16:creationId xmlns:a16="http://schemas.microsoft.com/office/drawing/2014/main" id="{641F100E-68AF-3739-1EA8-E61CF98E4BB4}"/>
+              </a:ext>
+            </a:extLst>
+          </p:cNvPr>
+          <p:cNvSpPr txBox="1"/>
+          <p:nvPr/>
+        </p:nvSpPr>
+        <p:spPr>
+          <a:xfrm>
+            <a:off x="6843044" y="1815060"/>
+            <a:ext cx="802403" cy="276999"/>
+          </a:xfrm>
+          <a:prstGeom prst="rect">
+            <a:avLst/>
+          </a:prstGeom>
+          <a:noFill/>
+        </p:spPr>
+        <p:txBody>
+          <a:bodyPr wrap="square" rtlCol="0">
+            <a:spAutoFit/>
+          </a:bodyPr>
+          <a:lstStyle/>
+          <a:p>
+            <a:r>
+              <a:rPr lang="da-DK" sz="1200" dirty="0"/>
+              <a:t>IB*</a:t>
+            </a:r>
+            <a:r>
+              <a:rPr lang="el-GR" sz="1200" dirty="0"/>
+              <a:t>β</a:t>
+            </a:r>
+            <a:endParaRPr lang="da-DK" sz="1200" dirty="0"/>
+          </a:p>
+        </p:txBody>
+      </p:sp>
+      <p:grpSp>
+        <p:nvGrpSpPr>
+          <p:cNvPr id="4" name="Gruppe 3">
+            <a:extLst>
+              <a:ext uri="{FF2B5EF4-FFF2-40B4-BE49-F238E27FC236}">
+                <a16:creationId xmlns:a16="http://schemas.microsoft.com/office/drawing/2014/main" id="{76FB39A2-A728-5B1C-82A0-D3EA1679C086}"/>
+              </a:ext>
+            </a:extLst>
+          </p:cNvPr>
+          <p:cNvGrpSpPr/>
+          <p:nvPr/>
+        </p:nvGrpSpPr>
+        <p:grpSpPr>
+          <a:xfrm rot="5400000">
+            <a:off x="3794703" y="2467547"/>
+            <a:ext cx="1096502" cy="1196658"/>
+            <a:chOff x="1282714" y="587754"/>
+            <a:chExt cx="1096502" cy="1196658"/>
+          </a:xfrm>
+        </p:grpSpPr>
+        <p:grpSp>
+          <p:nvGrpSpPr>
+            <p:cNvPr id="5" name="Gruppe 4">
+              <a:extLst>
+                <a:ext uri="{FF2B5EF4-FFF2-40B4-BE49-F238E27FC236}">
+                  <a16:creationId xmlns:a16="http://schemas.microsoft.com/office/drawing/2014/main" id="{F334E3A3-5DB4-92A3-664E-F4406C64E350}"/>
+                </a:ext>
+              </a:extLst>
+            </p:cNvPr>
+            <p:cNvGrpSpPr/>
+            <p:nvPr/>
+          </p:nvGrpSpPr>
+          <p:grpSpPr>
+            <a:xfrm>
+              <a:off x="1282714" y="1606858"/>
+              <a:ext cx="1096502" cy="177554"/>
+              <a:chOff x="1282714" y="1606858"/>
+              <a:chExt cx="1096502" cy="177554"/>
+            </a:xfrm>
+          </p:grpSpPr>
+          <p:sp>
+            <p:nvSpPr>
+              <p:cNvPr id="7" name="Rektangel 6">
+                <a:extLst>
+                  <a:ext uri="{FF2B5EF4-FFF2-40B4-BE49-F238E27FC236}">
+                    <a16:creationId xmlns:a16="http://schemas.microsoft.com/office/drawing/2014/main" id="{26F845A8-9F5B-7E66-B4BD-1464978EB744}"/>
+                  </a:ext>
+                </a:extLst>
+              </p:cNvPr>
+              <p:cNvSpPr/>
+              <p:nvPr/>
+            </p:nvSpPr>
+            <p:spPr>
+              <a:xfrm>
+                <a:off x="1518082" y="1606858"/>
+                <a:ext cx="665825" cy="177554"/>
+              </a:xfrm>
+              <a:prstGeom prst="rect">
+                <a:avLst/>
+              </a:prstGeom>
+              <a:noFill/>
+              <a:ln w="12700">
+                <a:solidFill>
+                  <a:schemeClr val="tx1"/>
+                </a:solidFill>
+              </a:ln>
+            </p:spPr>
+            <p:style>
+              <a:lnRef idx="2">
+                <a:schemeClr val="accent1">
+                  <a:shade val="15000"/>
+                </a:schemeClr>
+              </a:lnRef>
+              <a:fillRef idx="1">
+                <a:schemeClr val="accent1"/>
+              </a:fillRef>
+              <a:effectRef idx="0">
+                <a:schemeClr val="accent1"/>
+              </a:effectRef>
+              <a:fontRef idx="minor">
+                <a:schemeClr val="lt1"/>
+              </a:fontRef>
+            </p:style>
+            <p:txBody>
+              <a:bodyPr rtlCol="0" anchor="ctr"/>
+              <a:lstStyle/>
+              <a:p>
+                <a:pPr algn="ctr"/>
+                <a:endParaRPr lang="da-DK"/>
+              </a:p>
+            </p:txBody>
+          </p:sp>
+          <p:cxnSp>
+            <p:nvCxnSpPr>
+              <p:cNvPr id="8" name="Lige forbindelse 7">
+                <a:extLst>
+                  <a:ext uri="{FF2B5EF4-FFF2-40B4-BE49-F238E27FC236}">
+                    <a16:creationId xmlns:a16="http://schemas.microsoft.com/office/drawing/2014/main" id="{5EED5E4C-C7ED-1369-29D3-3F98EE26E756}"/>
+                  </a:ext>
+                </a:extLst>
+              </p:cNvPr>
+              <p:cNvCxnSpPr>
+                <a:cxnSpLocks/>
+                <a:stCxn id="7" idx="3"/>
+              </p:cNvCxnSpPr>
+              <p:nvPr/>
+            </p:nvCxnSpPr>
+            <p:spPr>
+              <a:xfrm>
+                <a:off x="2183907" y="1695635"/>
+                <a:ext cx="195309" cy="0"/>
+              </a:xfrm>
+              <a:prstGeom prst="line">
+                <a:avLst/>
+              </a:prstGeom>
+              <a:ln w="12700">
+                <a:solidFill>
+                  <a:schemeClr val="tx1"/>
+                </a:solidFill>
+              </a:ln>
+            </p:spPr>
+            <p:style>
+              <a:lnRef idx="2">
+                <a:schemeClr val="accent1"/>
+              </a:lnRef>
+              <a:fillRef idx="0">
+                <a:schemeClr val="accent1"/>
+              </a:fillRef>
+              <a:effectRef idx="1">
+                <a:schemeClr val="accent1"/>
+              </a:effectRef>
+              <a:fontRef idx="minor">
+                <a:schemeClr val="tx1"/>
+              </a:fontRef>
+            </p:style>
+          </p:cxnSp>
+          <p:cxnSp>
+            <p:nvCxnSpPr>
+              <p:cNvPr id="9" name="Lige forbindelse 8">
+                <a:extLst>
+                  <a:ext uri="{FF2B5EF4-FFF2-40B4-BE49-F238E27FC236}">
+                    <a16:creationId xmlns:a16="http://schemas.microsoft.com/office/drawing/2014/main" id="{88F7E037-F608-9FCB-5E03-B7A4DF254075}"/>
+                  </a:ext>
+                </a:extLst>
+              </p:cNvPr>
+              <p:cNvCxnSpPr>
+                <a:cxnSpLocks/>
+              </p:cNvCxnSpPr>
+              <p:nvPr/>
+            </p:nvCxnSpPr>
+            <p:spPr>
+              <a:xfrm rot="16200000">
+                <a:off x="1399951" y="1585490"/>
+                <a:ext cx="0" cy="234474"/>
+              </a:xfrm>
+              <a:prstGeom prst="line">
+                <a:avLst/>
+              </a:prstGeom>
+              <a:ln w="12700">
+                <a:solidFill>
+                  <a:schemeClr val="tx1"/>
+                </a:solidFill>
+              </a:ln>
+            </p:spPr>
+            <p:style>
+              <a:lnRef idx="2">
+                <a:schemeClr val="accent1"/>
+              </a:lnRef>
+              <a:fillRef idx="0">
+                <a:schemeClr val="accent1"/>
+              </a:fillRef>
+              <a:effectRef idx="1">
+                <a:schemeClr val="accent1"/>
+              </a:effectRef>
+              <a:fontRef idx="minor">
+                <a:schemeClr val="tx1"/>
+              </a:fontRef>
+            </p:style>
+          </p:cxnSp>
+        </p:grpSp>
+        <p:sp>
+          <p:nvSpPr>
+            <p:cNvPr id="6" name="Tekstfelt 5">
+              <a:extLst>
+                <a:ext uri="{FF2B5EF4-FFF2-40B4-BE49-F238E27FC236}">
+                  <a16:creationId xmlns:a16="http://schemas.microsoft.com/office/drawing/2014/main" id="{3DE5FA01-DE8E-0222-1494-1B1E9F890996}"/>
+                </a:ext>
+              </a:extLst>
+            </p:cNvPr>
+            <p:cNvSpPr txBox="1"/>
+            <p:nvPr/>
+          </p:nvSpPr>
+          <p:spPr>
+            <a:xfrm rot="16200000">
+              <a:off x="1395999" y="959881"/>
+              <a:ext cx="1021254" cy="276999"/>
+            </a:xfrm>
+            <a:prstGeom prst="rect">
+              <a:avLst/>
+            </a:prstGeom>
+            <a:noFill/>
+          </p:spPr>
+          <p:txBody>
+            <a:bodyPr wrap="square" rtlCol="0">
+              <a:spAutoFit/>
+            </a:bodyPr>
+            <a:lstStyle/>
+            <a:p>
+              <a:r>
+                <a:rPr lang="da-DK" sz="1200" dirty="0"/>
+                <a:t>Rb1 = 56k</a:t>
+              </a:r>
+              <a:r>
+                <a:rPr lang="el-GR" sz="1200" dirty="0"/>
+                <a:t>Ω</a:t>
+              </a:r>
+              <a:endParaRPr lang="da-DK" sz="1200" dirty="0"/>
+            </a:p>
+          </p:txBody>
+        </p:sp>
+      </p:grpSp>
+      <p:cxnSp>
+        <p:nvCxnSpPr>
+          <p:cNvPr id="12" name="Lige forbindelse 11">
+            <a:extLst>
+              <a:ext uri="{FF2B5EF4-FFF2-40B4-BE49-F238E27FC236}">
+                <a16:creationId xmlns:a16="http://schemas.microsoft.com/office/drawing/2014/main" id="{9B3019E3-51F9-B035-863D-77131418ACFD}"/>
+              </a:ext>
+            </a:extLst>
+          </p:cNvPr>
+          <p:cNvCxnSpPr>
+            <a:cxnSpLocks/>
+          </p:cNvCxnSpPr>
+          <p:nvPr/>
+        </p:nvCxnSpPr>
+        <p:spPr>
+          <a:xfrm flipH="1">
+            <a:off x="3826304" y="3563841"/>
+            <a:ext cx="7091" cy="1109211"/>
+          </a:xfrm>
+          <a:prstGeom prst="line">
+            <a:avLst/>
+          </a:prstGeom>
+          <a:ln w="12700">
+            <a:solidFill>
+              <a:schemeClr val="tx1"/>
+            </a:solidFill>
+          </a:ln>
+        </p:spPr>
+        <p:style>
+          <a:lnRef idx="2">
+            <a:schemeClr val="accent1"/>
+          </a:lnRef>
+          <a:fillRef idx="0">
+            <a:schemeClr val="accent1"/>
+          </a:fillRef>
+          <a:effectRef idx="1">
+            <a:schemeClr val="accent1"/>
+          </a:effectRef>
+          <a:fontRef idx="minor">
+            <a:schemeClr val="tx1"/>
+          </a:fontRef>
+        </p:style>
+      </p:cxnSp>
+      <p:grpSp>
+        <p:nvGrpSpPr>
+          <p:cNvPr id="15" name="Gruppe 14">
+            <a:extLst>
+              <a:ext uri="{FF2B5EF4-FFF2-40B4-BE49-F238E27FC236}">
+                <a16:creationId xmlns:a16="http://schemas.microsoft.com/office/drawing/2014/main" id="{B953097F-AA36-5363-6389-9F1C3C1EB6CC}"/>
+              </a:ext>
+            </a:extLst>
+          </p:cNvPr>
+          <p:cNvGrpSpPr/>
+          <p:nvPr/>
+        </p:nvGrpSpPr>
+        <p:grpSpPr>
+          <a:xfrm rot="5400000">
+            <a:off x="2003387" y="2461273"/>
+            <a:ext cx="1096502" cy="1206183"/>
+            <a:chOff x="1282714" y="578229"/>
+            <a:chExt cx="1096502" cy="1206183"/>
+          </a:xfrm>
+        </p:grpSpPr>
+        <p:grpSp>
+          <p:nvGrpSpPr>
+            <p:cNvPr id="16" name="Gruppe 15">
+              <a:extLst>
+                <a:ext uri="{FF2B5EF4-FFF2-40B4-BE49-F238E27FC236}">
+                  <a16:creationId xmlns:a16="http://schemas.microsoft.com/office/drawing/2014/main" id="{740F3C25-1B5A-F0CB-0C6A-8E13BDC6E873}"/>
+                </a:ext>
+              </a:extLst>
+            </p:cNvPr>
+            <p:cNvGrpSpPr/>
+            <p:nvPr/>
+          </p:nvGrpSpPr>
+          <p:grpSpPr>
+            <a:xfrm>
+              <a:off x="1282714" y="1606858"/>
+              <a:ext cx="1096502" cy="177554"/>
+              <a:chOff x="1282714" y="1606858"/>
+              <a:chExt cx="1096502" cy="177554"/>
+            </a:xfrm>
+          </p:grpSpPr>
+          <p:sp>
+            <p:nvSpPr>
+              <p:cNvPr id="18" name="Rektangel 17">
+                <a:extLst>
+                  <a:ext uri="{FF2B5EF4-FFF2-40B4-BE49-F238E27FC236}">
+                    <a16:creationId xmlns:a16="http://schemas.microsoft.com/office/drawing/2014/main" id="{E14E6E9A-02E1-D393-C5A1-2390CDCE68EF}"/>
+                  </a:ext>
+                </a:extLst>
+              </p:cNvPr>
+              <p:cNvSpPr/>
+              <p:nvPr/>
+            </p:nvSpPr>
+            <p:spPr>
+              <a:xfrm>
+                <a:off x="1518082" y="1606858"/>
+                <a:ext cx="665825" cy="177554"/>
+              </a:xfrm>
+              <a:prstGeom prst="rect">
+                <a:avLst/>
+              </a:prstGeom>
+              <a:noFill/>
+              <a:ln w="12700">
+                <a:solidFill>
+                  <a:schemeClr val="tx1"/>
+                </a:solidFill>
+              </a:ln>
+            </p:spPr>
+            <p:style>
+              <a:lnRef idx="2">
+                <a:schemeClr val="accent1">
+                  <a:shade val="15000"/>
+                </a:schemeClr>
+              </a:lnRef>
+              <a:fillRef idx="1">
+                <a:schemeClr val="accent1"/>
+              </a:fillRef>
+              <a:effectRef idx="0">
+                <a:schemeClr val="accent1"/>
+              </a:effectRef>
+              <a:fontRef idx="minor">
+                <a:schemeClr val="lt1"/>
+              </a:fontRef>
+            </p:style>
+            <p:txBody>
+              <a:bodyPr rtlCol="0" anchor="ctr"/>
+              <a:lstStyle/>
+              <a:p>
+                <a:pPr algn="ctr"/>
+                <a:endParaRPr lang="da-DK"/>
+              </a:p>
+            </p:txBody>
+          </p:sp>
+          <p:cxnSp>
+            <p:nvCxnSpPr>
+              <p:cNvPr id="19" name="Lige forbindelse 18">
+                <a:extLst>
+                  <a:ext uri="{FF2B5EF4-FFF2-40B4-BE49-F238E27FC236}">
+                    <a16:creationId xmlns:a16="http://schemas.microsoft.com/office/drawing/2014/main" id="{725508E6-A624-7EE0-367A-0F0B5FB72307}"/>
+                  </a:ext>
+                </a:extLst>
+              </p:cNvPr>
+              <p:cNvCxnSpPr>
+                <a:cxnSpLocks/>
+                <a:stCxn id="18" idx="3"/>
+              </p:cNvCxnSpPr>
+              <p:nvPr/>
+            </p:nvCxnSpPr>
+            <p:spPr>
+              <a:xfrm>
+                <a:off x="2183907" y="1695635"/>
+                <a:ext cx="195309" cy="0"/>
+              </a:xfrm>
+              <a:prstGeom prst="line">
+                <a:avLst/>
+              </a:prstGeom>
+              <a:ln w="12700">
+                <a:solidFill>
+                  <a:schemeClr val="tx1"/>
+                </a:solidFill>
+              </a:ln>
+            </p:spPr>
+            <p:style>
+              <a:lnRef idx="2">
+                <a:schemeClr val="accent1"/>
+              </a:lnRef>
+              <a:fillRef idx="0">
+                <a:schemeClr val="accent1"/>
+              </a:fillRef>
+              <a:effectRef idx="1">
+                <a:schemeClr val="accent1"/>
+              </a:effectRef>
+              <a:fontRef idx="minor">
+                <a:schemeClr val="tx1"/>
+              </a:fontRef>
+            </p:style>
+          </p:cxnSp>
+          <p:cxnSp>
+            <p:nvCxnSpPr>
+              <p:cNvPr id="20" name="Lige forbindelse 19">
+                <a:extLst>
+                  <a:ext uri="{FF2B5EF4-FFF2-40B4-BE49-F238E27FC236}">
+                    <a16:creationId xmlns:a16="http://schemas.microsoft.com/office/drawing/2014/main" id="{2BCD1E8D-9230-4CF2-2AC4-75311303194B}"/>
+                  </a:ext>
+                </a:extLst>
+              </p:cNvPr>
+              <p:cNvCxnSpPr>
+                <a:cxnSpLocks/>
+              </p:cNvCxnSpPr>
+              <p:nvPr/>
+            </p:nvCxnSpPr>
+            <p:spPr>
+              <a:xfrm rot="16200000">
+                <a:off x="1399951" y="1585490"/>
+                <a:ext cx="0" cy="234474"/>
+              </a:xfrm>
+              <a:prstGeom prst="line">
+                <a:avLst/>
+              </a:prstGeom>
+              <a:ln w="12700">
+                <a:solidFill>
+                  <a:schemeClr val="tx1"/>
+                </a:solidFill>
+              </a:ln>
+            </p:spPr>
+            <p:style>
+              <a:lnRef idx="2">
+                <a:schemeClr val="accent1"/>
+              </a:lnRef>
+              <a:fillRef idx="0">
+                <a:schemeClr val="accent1"/>
+              </a:fillRef>
+              <a:effectRef idx="1">
+                <a:schemeClr val="accent1"/>
+              </a:effectRef>
+              <a:fontRef idx="minor">
+                <a:schemeClr val="tx1"/>
+              </a:fontRef>
+            </p:style>
+          </p:cxnSp>
+        </p:grpSp>
+        <p:sp>
+          <p:nvSpPr>
+            <p:cNvPr id="17" name="Tekstfelt 16">
+              <a:extLst>
+                <a:ext uri="{FF2B5EF4-FFF2-40B4-BE49-F238E27FC236}">
+                  <a16:creationId xmlns:a16="http://schemas.microsoft.com/office/drawing/2014/main" id="{DCDABFB7-04C6-FC58-8A5F-668166160F51}"/>
+                </a:ext>
+              </a:extLst>
+            </p:cNvPr>
+            <p:cNvSpPr txBox="1"/>
+            <p:nvPr/>
+          </p:nvSpPr>
+          <p:spPr>
+            <a:xfrm rot="16200000">
+              <a:off x="1395999" y="950356"/>
+              <a:ext cx="1021254" cy="276999"/>
+            </a:xfrm>
+            <a:prstGeom prst="rect">
+              <a:avLst/>
+            </a:prstGeom>
+            <a:noFill/>
+          </p:spPr>
+          <p:txBody>
+            <a:bodyPr wrap="square" rtlCol="0">
+              <a:spAutoFit/>
+            </a:bodyPr>
+            <a:lstStyle/>
+            <a:p>
+              <a:r>
+                <a:rPr lang="da-DK" sz="1200" dirty="0" err="1"/>
+                <a:t>Rs</a:t>
+              </a:r>
+              <a:r>
+                <a:rPr lang="da-DK" sz="1200" dirty="0"/>
+                <a:t> = 500</a:t>
+              </a:r>
+              <a:r>
+                <a:rPr lang="el-GR" sz="1200" dirty="0"/>
+                <a:t>Ω</a:t>
+              </a:r>
+              <a:endParaRPr lang="da-DK" sz="1200" dirty="0"/>
+            </a:p>
+          </p:txBody>
+        </p:sp>
+      </p:grpSp>
+      <p:grpSp>
+        <p:nvGrpSpPr>
+          <p:cNvPr id="21" name="Gruppe 20">
+            <a:extLst>
+              <a:ext uri="{FF2B5EF4-FFF2-40B4-BE49-F238E27FC236}">
+                <a16:creationId xmlns:a16="http://schemas.microsoft.com/office/drawing/2014/main" id="{FB83444E-1AA5-BF1D-C715-780E304FF4BA}"/>
+              </a:ext>
+            </a:extLst>
+          </p:cNvPr>
+          <p:cNvGrpSpPr/>
+          <p:nvPr/>
+        </p:nvGrpSpPr>
+        <p:grpSpPr>
+          <a:xfrm rot="5400000">
+            <a:off x="6618260" y="2433676"/>
+            <a:ext cx="1096502" cy="1206183"/>
+            <a:chOff x="1282714" y="578229"/>
+            <a:chExt cx="1096502" cy="1206183"/>
+          </a:xfrm>
+        </p:grpSpPr>
+        <p:grpSp>
+          <p:nvGrpSpPr>
+            <p:cNvPr id="36" name="Gruppe 35">
+              <a:extLst>
+                <a:ext uri="{FF2B5EF4-FFF2-40B4-BE49-F238E27FC236}">
+                  <a16:creationId xmlns:a16="http://schemas.microsoft.com/office/drawing/2014/main" id="{C9246469-173E-36F5-2286-38978C05C734}"/>
+                </a:ext>
+              </a:extLst>
+            </p:cNvPr>
+            <p:cNvGrpSpPr/>
+            <p:nvPr/>
+          </p:nvGrpSpPr>
+          <p:grpSpPr>
+            <a:xfrm>
+              <a:off x="1282714" y="1606858"/>
+              <a:ext cx="1096502" cy="177554"/>
+              <a:chOff x="1282714" y="1606858"/>
+              <a:chExt cx="1096502" cy="177554"/>
+            </a:xfrm>
+          </p:grpSpPr>
+          <p:sp>
+            <p:nvSpPr>
+              <p:cNvPr id="38" name="Rektangel 37">
+                <a:extLst>
+                  <a:ext uri="{FF2B5EF4-FFF2-40B4-BE49-F238E27FC236}">
+                    <a16:creationId xmlns:a16="http://schemas.microsoft.com/office/drawing/2014/main" id="{E32F159B-DAC5-F2D7-EE75-E4D2CA9AB6A8}"/>
+                  </a:ext>
+                </a:extLst>
+              </p:cNvPr>
+              <p:cNvSpPr/>
+              <p:nvPr/>
+            </p:nvSpPr>
+            <p:spPr>
+              <a:xfrm>
+                <a:off x="1518082" y="1606858"/>
+                <a:ext cx="665825" cy="177554"/>
+              </a:xfrm>
+              <a:prstGeom prst="rect">
+                <a:avLst/>
+              </a:prstGeom>
+              <a:noFill/>
+              <a:ln w="12700">
+                <a:solidFill>
+                  <a:schemeClr val="tx1"/>
+                </a:solidFill>
+              </a:ln>
+            </p:spPr>
+            <p:style>
+              <a:lnRef idx="2">
+                <a:schemeClr val="accent1">
+                  <a:shade val="15000"/>
+                </a:schemeClr>
+              </a:lnRef>
+              <a:fillRef idx="1">
+                <a:schemeClr val="accent1"/>
+              </a:fillRef>
+              <a:effectRef idx="0">
+                <a:schemeClr val="accent1"/>
+              </a:effectRef>
+              <a:fontRef idx="minor">
+                <a:schemeClr val="lt1"/>
+              </a:fontRef>
+            </p:style>
+            <p:txBody>
+              <a:bodyPr rtlCol="0" anchor="ctr"/>
+              <a:lstStyle/>
+              <a:p>
+                <a:pPr algn="ctr"/>
+                <a:endParaRPr lang="da-DK"/>
+              </a:p>
+            </p:txBody>
+          </p:sp>
+          <p:cxnSp>
+            <p:nvCxnSpPr>
+              <p:cNvPr id="39" name="Lige forbindelse 38">
+                <a:extLst>
+                  <a:ext uri="{FF2B5EF4-FFF2-40B4-BE49-F238E27FC236}">
+                    <a16:creationId xmlns:a16="http://schemas.microsoft.com/office/drawing/2014/main" id="{A5C3CB27-65F0-774B-6FDC-38FBC53AB3F9}"/>
+                  </a:ext>
+                </a:extLst>
+              </p:cNvPr>
+              <p:cNvCxnSpPr>
+                <a:cxnSpLocks/>
+                <a:stCxn id="38" idx="3"/>
+              </p:cNvCxnSpPr>
+              <p:nvPr/>
+            </p:nvCxnSpPr>
+            <p:spPr>
+              <a:xfrm>
+                <a:off x="2183907" y="1695635"/>
+                <a:ext cx="195309" cy="0"/>
+              </a:xfrm>
+              <a:prstGeom prst="line">
+                <a:avLst/>
+              </a:prstGeom>
+              <a:ln w="12700">
+                <a:solidFill>
+                  <a:schemeClr val="tx1"/>
+                </a:solidFill>
+              </a:ln>
+            </p:spPr>
+            <p:style>
+              <a:lnRef idx="2">
+                <a:schemeClr val="accent1"/>
+              </a:lnRef>
+              <a:fillRef idx="0">
+                <a:schemeClr val="accent1"/>
+              </a:fillRef>
+              <a:effectRef idx="1">
+                <a:schemeClr val="accent1"/>
+              </a:effectRef>
+              <a:fontRef idx="minor">
+                <a:schemeClr val="tx1"/>
+              </a:fontRef>
+            </p:style>
+          </p:cxnSp>
+          <p:cxnSp>
+            <p:nvCxnSpPr>
+              <p:cNvPr id="40" name="Lige forbindelse 39">
+                <a:extLst>
+                  <a:ext uri="{FF2B5EF4-FFF2-40B4-BE49-F238E27FC236}">
+                    <a16:creationId xmlns:a16="http://schemas.microsoft.com/office/drawing/2014/main" id="{D9B5B85C-D6FF-E92F-7B48-EF89AB95AE1F}"/>
+                  </a:ext>
+                </a:extLst>
+              </p:cNvPr>
+              <p:cNvCxnSpPr>
+                <a:cxnSpLocks/>
+              </p:cNvCxnSpPr>
+              <p:nvPr/>
+            </p:nvCxnSpPr>
+            <p:spPr>
+              <a:xfrm rot="16200000">
+                <a:off x="1399951" y="1585490"/>
+                <a:ext cx="0" cy="234474"/>
+              </a:xfrm>
+              <a:prstGeom prst="line">
+                <a:avLst/>
+              </a:prstGeom>
+              <a:ln w="12700">
+                <a:solidFill>
+                  <a:schemeClr val="tx1"/>
+                </a:solidFill>
+              </a:ln>
+            </p:spPr>
+            <p:style>
+              <a:lnRef idx="2">
+                <a:schemeClr val="accent1"/>
+              </a:lnRef>
+              <a:fillRef idx="0">
+                <a:schemeClr val="accent1"/>
+              </a:fillRef>
+              <a:effectRef idx="1">
+                <a:schemeClr val="accent1"/>
+              </a:effectRef>
+              <a:fontRef idx="minor">
+                <a:schemeClr val="tx1"/>
+              </a:fontRef>
+            </p:style>
+          </p:cxnSp>
+        </p:grpSp>
+        <p:sp>
+          <p:nvSpPr>
+            <p:cNvPr id="37" name="Tekstfelt 36">
+              <a:extLst>
+                <a:ext uri="{FF2B5EF4-FFF2-40B4-BE49-F238E27FC236}">
+                  <a16:creationId xmlns:a16="http://schemas.microsoft.com/office/drawing/2014/main" id="{BE6DBC74-296B-7A1F-3803-EBFDA47E3839}"/>
+                </a:ext>
+              </a:extLst>
+            </p:cNvPr>
+            <p:cNvSpPr txBox="1"/>
+            <p:nvPr/>
+          </p:nvSpPr>
+          <p:spPr>
+            <a:xfrm rot="16200000">
+              <a:off x="1395999" y="950356"/>
+              <a:ext cx="1021254" cy="276999"/>
+            </a:xfrm>
+            <a:prstGeom prst="rect">
+              <a:avLst/>
+            </a:prstGeom>
+            <a:noFill/>
+          </p:spPr>
+          <p:txBody>
+            <a:bodyPr wrap="square" rtlCol="0">
+              <a:spAutoFit/>
+            </a:bodyPr>
+            <a:lstStyle/>
+            <a:p>
+              <a:r>
+                <a:rPr lang="da-DK" sz="1200" dirty="0" err="1"/>
+                <a:t>r’e</a:t>
+              </a:r>
+              <a:r>
+                <a:rPr lang="da-DK" sz="1200" dirty="0"/>
+                <a:t> = 2k</a:t>
+              </a:r>
+              <a:r>
+                <a:rPr lang="el-GR" sz="1200" dirty="0"/>
+                <a:t>Ω</a:t>
+              </a:r>
+              <a:endParaRPr lang="da-DK" sz="1200" dirty="0"/>
+            </a:p>
+          </p:txBody>
+        </p:sp>
+      </p:grpSp>
+      <p:grpSp>
+        <p:nvGrpSpPr>
+          <p:cNvPr id="41" name="Gruppe 40">
+            <a:extLst>
+              <a:ext uri="{FF2B5EF4-FFF2-40B4-BE49-F238E27FC236}">
+                <a16:creationId xmlns:a16="http://schemas.microsoft.com/office/drawing/2014/main" id="{3A6876F2-94B2-62C8-AED5-30BFCEACB287}"/>
+              </a:ext>
+            </a:extLst>
+          </p:cNvPr>
+          <p:cNvGrpSpPr/>
+          <p:nvPr/>
+        </p:nvGrpSpPr>
+        <p:grpSpPr>
+          <a:xfrm rot="5400000">
+            <a:off x="6627029" y="3527724"/>
+            <a:ext cx="1096502" cy="1206183"/>
+            <a:chOff x="1282714" y="578229"/>
+            <a:chExt cx="1096502" cy="1206183"/>
+          </a:xfrm>
+        </p:grpSpPr>
+        <p:grpSp>
+          <p:nvGrpSpPr>
+            <p:cNvPr id="42" name="Gruppe 41">
+              <a:extLst>
+                <a:ext uri="{FF2B5EF4-FFF2-40B4-BE49-F238E27FC236}">
+                  <a16:creationId xmlns:a16="http://schemas.microsoft.com/office/drawing/2014/main" id="{0EBD0400-89B8-9DDC-5686-EB32FD3F21AB}"/>
+                </a:ext>
+              </a:extLst>
+            </p:cNvPr>
+            <p:cNvGrpSpPr/>
+            <p:nvPr/>
+          </p:nvGrpSpPr>
+          <p:grpSpPr>
+            <a:xfrm>
+              <a:off x="1282714" y="1606858"/>
+              <a:ext cx="1096502" cy="177554"/>
+              <a:chOff x="1282714" y="1606858"/>
+              <a:chExt cx="1096502" cy="177554"/>
+            </a:xfrm>
+          </p:grpSpPr>
+          <p:sp>
+            <p:nvSpPr>
+              <p:cNvPr id="44" name="Rektangel 43">
+                <a:extLst>
+                  <a:ext uri="{FF2B5EF4-FFF2-40B4-BE49-F238E27FC236}">
+                    <a16:creationId xmlns:a16="http://schemas.microsoft.com/office/drawing/2014/main" id="{78584557-F4E4-7329-FF41-2A7F027EAB92}"/>
+                  </a:ext>
+                </a:extLst>
+              </p:cNvPr>
+              <p:cNvSpPr/>
+              <p:nvPr/>
+            </p:nvSpPr>
+            <p:spPr>
+              <a:xfrm>
+                <a:off x="1518082" y="1606858"/>
+                <a:ext cx="665825" cy="177554"/>
+              </a:xfrm>
+              <a:prstGeom prst="rect">
+                <a:avLst/>
+              </a:prstGeom>
+              <a:noFill/>
+              <a:ln w="12700">
+                <a:solidFill>
+                  <a:schemeClr val="tx1"/>
+                </a:solidFill>
+              </a:ln>
+            </p:spPr>
+            <p:style>
+              <a:lnRef idx="2">
+                <a:schemeClr val="accent1">
+                  <a:shade val="15000"/>
+                </a:schemeClr>
+              </a:lnRef>
+              <a:fillRef idx="1">
+                <a:schemeClr val="accent1"/>
+              </a:fillRef>
+              <a:effectRef idx="0">
+                <a:schemeClr val="accent1"/>
+              </a:effectRef>
+              <a:fontRef idx="minor">
+                <a:schemeClr val="lt1"/>
+              </a:fontRef>
+            </p:style>
+            <p:txBody>
+              <a:bodyPr rtlCol="0" anchor="ctr"/>
+              <a:lstStyle/>
+              <a:p>
+                <a:pPr algn="ctr"/>
+                <a:endParaRPr lang="da-DK"/>
+              </a:p>
+            </p:txBody>
+          </p:sp>
+          <p:cxnSp>
+            <p:nvCxnSpPr>
+              <p:cNvPr id="45" name="Lige forbindelse 44">
+                <a:extLst>
+                  <a:ext uri="{FF2B5EF4-FFF2-40B4-BE49-F238E27FC236}">
+                    <a16:creationId xmlns:a16="http://schemas.microsoft.com/office/drawing/2014/main" id="{7D1D556B-2FE7-FE77-5228-53BFF87ACF08}"/>
+                  </a:ext>
+                </a:extLst>
+              </p:cNvPr>
+              <p:cNvCxnSpPr>
+                <a:cxnSpLocks/>
+                <a:stCxn id="44" idx="3"/>
+              </p:cNvCxnSpPr>
+              <p:nvPr/>
+            </p:nvCxnSpPr>
+            <p:spPr>
+              <a:xfrm>
+                <a:off x="2183907" y="1695635"/>
+                <a:ext cx="195309" cy="0"/>
+              </a:xfrm>
+              <a:prstGeom prst="line">
+                <a:avLst/>
+              </a:prstGeom>
+              <a:ln w="12700">
+                <a:solidFill>
+                  <a:schemeClr val="tx1"/>
+                </a:solidFill>
+              </a:ln>
+            </p:spPr>
+            <p:style>
+              <a:lnRef idx="2">
+                <a:schemeClr val="accent1"/>
+              </a:lnRef>
+              <a:fillRef idx="0">
+                <a:schemeClr val="accent1"/>
+              </a:fillRef>
+              <a:effectRef idx="1">
+                <a:schemeClr val="accent1"/>
+              </a:effectRef>
+              <a:fontRef idx="minor">
+                <a:schemeClr val="tx1"/>
+              </a:fontRef>
+            </p:style>
+          </p:cxnSp>
+          <p:cxnSp>
+            <p:nvCxnSpPr>
+              <p:cNvPr id="46" name="Lige forbindelse 45">
+                <a:extLst>
+                  <a:ext uri="{FF2B5EF4-FFF2-40B4-BE49-F238E27FC236}">
+                    <a16:creationId xmlns:a16="http://schemas.microsoft.com/office/drawing/2014/main" id="{BF7E5ECF-07AC-DB1D-DFE3-0F62C2AA622D}"/>
+                  </a:ext>
+                </a:extLst>
+              </p:cNvPr>
+              <p:cNvCxnSpPr>
+                <a:cxnSpLocks/>
+              </p:cNvCxnSpPr>
+              <p:nvPr/>
+            </p:nvCxnSpPr>
+            <p:spPr>
+              <a:xfrm rot="16200000">
+                <a:off x="1399951" y="1585490"/>
+                <a:ext cx="0" cy="234474"/>
+              </a:xfrm>
+              <a:prstGeom prst="line">
+                <a:avLst/>
+              </a:prstGeom>
+              <a:ln w="12700">
+                <a:solidFill>
+                  <a:schemeClr val="tx1"/>
+                </a:solidFill>
+              </a:ln>
+            </p:spPr>
+            <p:style>
+              <a:lnRef idx="2">
+                <a:schemeClr val="accent1"/>
+              </a:lnRef>
+              <a:fillRef idx="0">
+                <a:schemeClr val="accent1"/>
+              </a:fillRef>
+              <a:effectRef idx="1">
+                <a:schemeClr val="accent1"/>
+              </a:effectRef>
+              <a:fontRef idx="minor">
+                <a:schemeClr val="tx1"/>
+              </a:fontRef>
+            </p:style>
+          </p:cxnSp>
+        </p:grpSp>
+        <p:sp>
+          <p:nvSpPr>
+            <p:cNvPr id="43" name="Tekstfelt 42">
+              <a:extLst>
+                <a:ext uri="{FF2B5EF4-FFF2-40B4-BE49-F238E27FC236}">
+                  <a16:creationId xmlns:a16="http://schemas.microsoft.com/office/drawing/2014/main" id="{D720F85E-414D-7180-077A-913E47ACB114}"/>
+                </a:ext>
+              </a:extLst>
+            </p:cNvPr>
+            <p:cNvSpPr txBox="1"/>
+            <p:nvPr/>
+          </p:nvSpPr>
+          <p:spPr>
+            <a:xfrm rot="16200000">
+              <a:off x="1395999" y="950356"/>
+              <a:ext cx="1021254" cy="276999"/>
+            </a:xfrm>
+            <a:prstGeom prst="rect">
+              <a:avLst/>
+            </a:prstGeom>
+            <a:noFill/>
+          </p:spPr>
+          <p:txBody>
+            <a:bodyPr wrap="square" rtlCol="0">
+              <a:spAutoFit/>
+            </a:bodyPr>
+            <a:lstStyle/>
+            <a:p>
+              <a:r>
+                <a:rPr lang="da-DK" sz="1200" dirty="0"/>
+                <a:t>Re = 2k</a:t>
+              </a:r>
+              <a:r>
+                <a:rPr lang="el-GR" sz="1200" dirty="0"/>
+                <a:t>Ω</a:t>
+              </a:r>
+              <a:endParaRPr lang="da-DK" sz="1200" dirty="0"/>
+            </a:p>
+          </p:txBody>
+        </p:sp>
+      </p:grpSp>
+      <p:sp>
+        <p:nvSpPr>
+          <p:cNvPr id="47" name="Tekstfelt 46">
+            <a:extLst>
+              <a:ext uri="{FF2B5EF4-FFF2-40B4-BE49-F238E27FC236}">
+                <a16:creationId xmlns:a16="http://schemas.microsoft.com/office/drawing/2014/main" id="{F5D79EF6-B55F-D58A-92FB-3B808A634C3E}"/>
+              </a:ext>
+            </a:extLst>
+          </p:cNvPr>
+          <p:cNvSpPr txBox="1"/>
+          <p:nvPr/>
+        </p:nvSpPr>
+        <p:spPr>
+          <a:xfrm>
+            <a:off x="6645105" y="1273195"/>
+            <a:ext cx="528946" cy="276999"/>
+          </a:xfrm>
+          <a:prstGeom prst="rect">
+            <a:avLst/>
+          </a:prstGeom>
+          <a:noFill/>
+        </p:spPr>
+        <p:txBody>
+          <a:bodyPr wrap="square" rtlCol="0">
+            <a:spAutoFit/>
+          </a:bodyPr>
+          <a:lstStyle/>
+          <a:p>
+            <a:r>
+              <a:rPr lang="da-DK" sz="1200" dirty="0"/>
+              <a:t>GND</a:t>
+            </a:r>
+          </a:p>
+        </p:txBody>
+      </p:sp>
+      <p:sp>
+        <p:nvSpPr>
+          <p:cNvPr id="50" name="Rutediagram: Forbindelse 49">
+            <a:extLst>
+              <a:ext uri="{FF2B5EF4-FFF2-40B4-BE49-F238E27FC236}">
+                <a16:creationId xmlns:a16="http://schemas.microsoft.com/office/drawing/2014/main" id="{00EA734F-3B21-DF6F-F0F7-ECADCBB27E09}"/>
+              </a:ext>
+            </a:extLst>
+          </p:cNvPr>
+          <p:cNvSpPr/>
+          <p:nvPr/>
+        </p:nvSpPr>
+        <p:spPr>
+          <a:xfrm>
+            <a:off x="6600105" y="1370007"/>
+            <a:ext cx="90000" cy="90000"/>
+          </a:xfrm>
+          <a:prstGeom prst="flowChartConnector">
+            <a:avLst/>
+          </a:prstGeom>
+          <a:noFill/>
+          <a:ln w="12700">
+            <a:solidFill>
+              <a:schemeClr val="tx1"/>
+            </a:solidFill>
+          </a:ln>
+        </p:spPr>
+        <p:style>
+          <a:lnRef idx="2">
+            <a:schemeClr val="accent1">
+              <a:shade val="15000"/>
+            </a:schemeClr>
+          </a:lnRef>
+          <a:fillRef idx="1">
+            <a:schemeClr val="accent1"/>
+          </a:fillRef>
+          <a:effectRef idx="0">
+            <a:schemeClr val="accent1"/>
+          </a:effectRef>
+          <a:fontRef idx="minor">
+            <a:schemeClr val="lt1"/>
+          </a:fontRef>
+        </p:style>
+        <p:txBody>
+          <a:bodyPr rtlCol="0" anchor="ctr"/>
+          <a:lstStyle/>
+          <a:p>
+            <a:pPr algn="ctr"/>
+            <a:endParaRPr lang="da-DK"/>
+          </a:p>
+        </p:txBody>
+      </p:sp>
+      <p:sp>
+        <p:nvSpPr>
+          <p:cNvPr id="57" name="Tekstfelt 56">
+            <a:extLst>
+              <a:ext uri="{FF2B5EF4-FFF2-40B4-BE49-F238E27FC236}">
+                <a16:creationId xmlns:a16="http://schemas.microsoft.com/office/drawing/2014/main" id="{CEFD2A1C-F1D5-FF67-D07C-1231BE3C8B9E}"/>
+              </a:ext>
+            </a:extLst>
+          </p:cNvPr>
+          <p:cNvSpPr txBox="1"/>
+          <p:nvPr/>
+        </p:nvSpPr>
+        <p:spPr>
+          <a:xfrm>
+            <a:off x="6409448" y="1511066"/>
+            <a:ext cx="280657" cy="276999"/>
+          </a:xfrm>
+          <a:prstGeom prst="rect">
+            <a:avLst/>
+          </a:prstGeom>
+          <a:noFill/>
+        </p:spPr>
+        <p:txBody>
+          <a:bodyPr wrap="square" rtlCol="0">
+            <a:spAutoFit/>
+          </a:bodyPr>
+          <a:lstStyle/>
+          <a:p>
+            <a:r>
+              <a:rPr lang="da-DK" sz="1200" dirty="0"/>
+              <a:t>C</a:t>
+            </a:r>
+          </a:p>
+        </p:txBody>
+      </p:sp>
+      <p:sp>
+        <p:nvSpPr>
+          <p:cNvPr id="58" name="Tekstfelt 57">
+            <a:extLst>
+              <a:ext uri="{FF2B5EF4-FFF2-40B4-BE49-F238E27FC236}">
+                <a16:creationId xmlns:a16="http://schemas.microsoft.com/office/drawing/2014/main" id="{DE004FE3-CF88-2B14-3892-0C8BA349C344}"/>
+              </a:ext>
+            </a:extLst>
+          </p:cNvPr>
+          <p:cNvSpPr txBox="1"/>
+          <p:nvPr/>
+        </p:nvSpPr>
+        <p:spPr>
+          <a:xfrm>
+            <a:off x="6441639" y="2281116"/>
+            <a:ext cx="280657" cy="276999"/>
+          </a:xfrm>
+          <a:prstGeom prst="rect">
+            <a:avLst/>
+          </a:prstGeom>
+          <a:noFill/>
+        </p:spPr>
+        <p:txBody>
+          <a:bodyPr wrap="square" rtlCol="0">
+            <a:spAutoFit/>
+          </a:bodyPr>
+          <a:lstStyle/>
+          <a:p>
+            <a:r>
+              <a:rPr lang="da-DK" sz="1200" dirty="0"/>
+              <a:t>B</a:t>
+            </a:r>
+          </a:p>
+        </p:txBody>
+      </p:sp>
+      <p:sp>
+        <p:nvSpPr>
+          <p:cNvPr id="59" name="Tekstfelt 58">
+            <a:extLst>
+              <a:ext uri="{FF2B5EF4-FFF2-40B4-BE49-F238E27FC236}">
+                <a16:creationId xmlns:a16="http://schemas.microsoft.com/office/drawing/2014/main" id="{4B5F2D1A-1928-4B7A-33E7-D21B58C3ECF6}"/>
+              </a:ext>
+            </a:extLst>
+          </p:cNvPr>
+          <p:cNvSpPr txBox="1"/>
+          <p:nvPr/>
+        </p:nvSpPr>
+        <p:spPr>
+          <a:xfrm>
+            <a:off x="6431860" y="3456401"/>
+            <a:ext cx="280657" cy="276999"/>
+          </a:xfrm>
+          <a:prstGeom prst="rect">
+            <a:avLst/>
+          </a:prstGeom>
+          <a:noFill/>
+        </p:spPr>
+        <p:txBody>
+          <a:bodyPr wrap="square" rtlCol="0">
+            <a:spAutoFit/>
+          </a:bodyPr>
+          <a:lstStyle/>
+          <a:p>
+            <a:r>
+              <a:rPr lang="da-DK" sz="1200" dirty="0"/>
+              <a:t>E</a:t>
+            </a:r>
           </a:p>
         </p:txBody>
       </p:sp>
     </p:spTree>
     <p:extLst>
       <p:ext uri="{BB962C8B-B14F-4D97-AF65-F5344CB8AC3E}">
-        <p14:creationId xmlns:p14="http://schemas.microsoft.com/office/powerpoint/2010/main" val="162129071"/>
+        <p14:creationId xmlns:p14="http://schemas.microsoft.com/office/powerpoint/2010/main" val="2179254759"/>
       </p:ext>
     </p:extLst>
   </p:cSld>

--- a/Analog elektronik/examPrep/BJT/Diagrams_BJT.pptx
+++ b/Analog elektronik/examPrep/BJT/Diagrams_BJT.pptx
@@ -5,12 +5,13 @@
     <p:sldMasterId id="2147483648" r:id="rId1"/>
   </p:sldMasterIdLst>
   <p:sldIdLst>
-    <p:sldId id="256" r:id="rId2"/>
-    <p:sldId id="257" r:id="rId3"/>
-    <p:sldId id="259" r:id="rId4"/>
-    <p:sldId id="260" r:id="rId5"/>
-    <p:sldId id="261" r:id="rId6"/>
-    <p:sldId id="262" r:id="rId7"/>
+    <p:sldId id="263" r:id="rId2"/>
+    <p:sldId id="256" r:id="rId3"/>
+    <p:sldId id="257" r:id="rId4"/>
+    <p:sldId id="259" r:id="rId5"/>
+    <p:sldId id="260" r:id="rId6"/>
+    <p:sldId id="261" r:id="rId7"/>
+    <p:sldId id="262" r:id="rId8"/>
   </p:sldIdLst>
   <p:sldSz cx="12192000" cy="6858000"/>
   <p:notesSz cx="6858000" cy="9144000"/>
@@ -264,7 +265,7 @@
           <a:p>
             <a:fld id="{07F1134A-591F-4889-A8F7-180982371E0F}" type="datetimeFigureOut">
               <a:rPr lang="da-DK" smtClean="0"/>
-              <a:t>05-06-2024</a:t>
+              <a:t>06-06-2024</a:t>
             </a:fld>
             <a:endParaRPr lang="da-DK"/>
           </a:p>
@@ -462,7 +463,7 @@
           <a:p>
             <a:fld id="{07F1134A-591F-4889-A8F7-180982371E0F}" type="datetimeFigureOut">
               <a:rPr lang="da-DK" smtClean="0"/>
-              <a:t>05-06-2024</a:t>
+              <a:t>06-06-2024</a:t>
             </a:fld>
             <a:endParaRPr lang="da-DK"/>
           </a:p>
@@ -670,7 +671,7 @@
           <a:p>
             <a:fld id="{07F1134A-591F-4889-A8F7-180982371E0F}" type="datetimeFigureOut">
               <a:rPr lang="da-DK" smtClean="0"/>
-              <a:t>05-06-2024</a:t>
+              <a:t>06-06-2024</a:t>
             </a:fld>
             <a:endParaRPr lang="da-DK"/>
           </a:p>
@@ -868,7 +869,7 @@
           <a:p>
             <a:fld id="{07F1134A-591F-4889-A8F7-180982371E0F}" type="datetimeFigureOut">
               <a:rPr lang="da-DK" smtClean="0"/>
-              <a:t>05-06-2024</a:t>
+              <a:t>06-06-2024</a:t>
             </a:fld>
             <a:endParaRPr lang="da-DK"/>
           </a:p>
@@ -1143,7 +1144,7 @@
           <a:p>
             <a:fld id="{07F1134A-591F-4889-A8F7-180982371E0F}" type="datetimeFigureOut">
               <a:rPr lang="da-DK" smtClean="0"/>
-              <a:t>05-06-2024</a:t>
+              <a:t>06-06-2024</a:t>
             </a:fld>
             <a:endParaRPr lang="da-DK"/>
           </a:p>
@@ -1408,7 +1409,7 @@
           <a:p>
             <a:fld id="{07F1134A-591F-4889-A8F7-180982371E0F}" type="datetimeFigureOut">
               <a:rPr lang="da-DK" smtClean="0"/>
-              <a:t>05-06-2024</a:t>
+              <a:t>06-06-2024</a:t>
             </a:fld>
             <a:endParaRPr lang="da-DK"/>
           </a:p>
@@ -1820,7 +1821,7 @@
           <a:p>
             <a:fld id="{07F1134A-591F-4889-A8F7-180982371E0F}" type="datetimeFigureOut">
               <a:rPr lang="da-DK" smtClean="0"/>
-              <a:t>05-06-2024</a:t>
+              <a:t>06-06-2024</a:t>
             </a:fld>
             <a:endParaRPr lang="da-DK"/>
           </a:p>
@@ -1961,7 +1962,7 @@
           <a:p>
             <a:fld id="{07F1134A-591F-4889-A8F7-180982371E0F}" type="datetimeFigureOut">
               <a:rPr lang="da-DK" smtClean="0"/>
-              <a:t>05-06-2024</a:t>
+              <a:t>06-06-2024</a:t>
             </a:fld>
             <a:endParaRPr lang="da-DK"/>
           </a:p>
@@ -2074,7 +2075,7 @@
           <a:p>
             <a:fld id="{07F1134A-591F-4889-A8F7-180982371E0F}" type="datetimeFigureOut">
               <a:rPr lang="da-DK" smtClean="0"/>
-              <a:t>05-06-2024</a:t>
+              <a:t>06-06-2024</a:t>
             </a:fld>
             <a:endParaRPr lang="da-DK"/>
           </a:p>
@@ -2385,7 +2386,7 @@
           <a:p>
             <a:fld id="{07F1134A-591F-4889-A8F7-180982371E0F}" type="datetimeFigureOut">
               <a:rPr lang="da-DK" smtClean="0"/>
-              <a:t>05-06-2024</a:t>
+              <a:t>06-06-2024</a:t>
             </a:fld>
             <a:endParaRPr lang="da-DK"/>
           </a:p>
@@ -2673,7 +2674,7 @@
           <a:p>
             <a:fld id="{07F1134A-591F-4889-A8F7-180982371E0F}" type="datetimeFigureOut">
               <a:rPr lang="da-DK" smtClean="0"/>
-              <a:t>05-06-2024</a:t>
+              <a:t>06-06-2024</a:t>
             </a:fld>
             <a:endParaRPr lang="da-DK"/>
           </a:p>
@@ -2914,7 +2915,7 @@
           <a:p>
             <a:fld id="{07F1134A-591F-4889-A8F7-180982371E0F}" type="datetimeFigureOut">
               <a:rPr lang="da-DK" smtClean="0"/>
-              <a:t>05-06-2024</a:t>
+              <a:t>06-06-2024</a:t>
             </a:fld>
             <a:endParaRPr lang="da-DK"/>
           </a:p>
@@ -3345,6 +3346,1312 @@
         </p:nvGrpSpPr>
         <p:grpSpPr>
           <a:xfrm>
+            <a:off x="4397929" y="1379970"/>
+            <a:ext cx="1118908" cy="478837"/>
+            <a:chOff x="1321878" y="1305575"/>
+            <a:chExt cx="1118908" cy="478837"/>
+          </a:xfrm>
+        </p:grpSpPr>
+        <p:grpSp>
+          <p:nvGrpSpPr>
+            <p:cNvPr id="25" name="Gruppe 24">
+              <a:extLst>
+                <a:ext uri="{FF2B5EF4-FFF2-40B4-BE49-F238E27FC236}">
+                  <a16:creationId xmlns:a16="http://schemas.microsoft.com/office/drawing/2014/main" id="{12E0DCD1-BACB-0746-595D-7307D8DA363B}"/>
+                </a:ext>
+              </a:extLst>
+            </p:cNvPr>
+            <p:cNvGrpSpPr/>
+            <p:nvPr/>
+          </p:nvGrpSpPr>
+          <p:grpSpPr>
+            <a:xfrm>
+              <a:off x="1321878" y="1606858"/>
+              <a:ext cx="1057338" cy="177554"/>
+              <a:chOff x="1321878" y="1606858"/>
+              <a:chExt cx="1057338" cy="177554"/>
+            </a:xfrm>
+          </p:grpSpPr>
+          <p:sp>
+            <p:nvSpPr>
+              <p:cNvPr id="4" name="Rektangel 3">
+                <a:extLst>
+                  <a:ext uri="{FF2B5EF4-FFF2-40B4-BE49-F238E27FC236}">
+                    <a16:creationId xmlns:a16="http://schemas.microsoft.com/office/drawing/2014/main" id="{A0EE0DA4-E7DA-4342-1127-C5F79E780DF4}"/>
+                  </a:ext>
+                </a:extLst>
+              </p:cNvPr>
+              <p:cNvSpPr/>
+              <p:nvPr/>
+            </p:nvSpPr>
+            <p:spPr>
+              <a:xfrm>
+                <a:off x="1518082" y="1606858"/>
+                <a:ext cx="665825" cy="177554"/>
+              </a:xfrm>
+              <a:prstGeom prst="rect">
+                <a:avLst/>
+              </a:prstGeom>
+              <a:noFill/>
+              <a:ln w="12700">
+                <a:solidFill>
+                  <a:schemeClr val="tx1"/>
+                </a:solidFill>
+              </a:ln>
+            </p:spPr>
+            <p:style>
+              <a:lnRef idx="2">
+                <a:schemeClr val="accent1">
+                  <a:shade val="15000"/>
+                </a:schemeClr>
+              </a:lnRef>
+              <a:fillRef idx="1">
+                <a:schemeClr val="accent1"/>
+              </a:fillRef>
+              <a:effectRef idx="0">
+                <a:schemeClr val="accent1"/>
+              </a:effectRef>
+              <a:fontRef idx="minor">
+                <a:schemeClr val="lt1"/>
+              </a:fontRef>
+            </p:style>
+            <p:txBody>
+              <a:bodyPr rtlCol="0" anchor="ctr"/>
+              <a:lstStyle/>
+              <a:p>
+                <a:pPr algn="ctr"/>
+                <a:endParaRPr lang="da-DK"/>
+              </a:p>
+            </p:txBody>
+          </p:sp>
+          <p:cxnSp>
+            <p:nvCxnSpPr>
+              <p:cNvPr id="6" name="Lige forbindelse 5">
+                <a:extLst>
+                  <a:ext uri="{FF2B5EF4-FFF2-40B4-BE49-F238E27FC236}">
+                    <a16:creationId xmlns:a16="http://schemas.microsoft.com/office/drawing/2014/main" id="{5241D086-0B51-BE6D-903D-6222A63E76D9}"/>
+                  </a:ext>
+                </a:extLst>
+              </p:cNvPr>
+              <p:cNvCxnSpPr>
+                <a:cxnSpLocks/>
+                <a:stCxn id="4" idx="3"/>
+              </p:cNvCxnSpPr>
+              <p:nvPr/>
+            </p:nvCxnSpPr>
+            <p:spPr>
+              <a:xfrm>
+                <a:off x="2183907" y="1695635"/>
+                <a:ext cx="195309" cy="0"/>
+              </a:xfrm>
+              <a:prstGeom prst="line">
+                <a:avLst/>
+              </a:prstGeom>
+              <a:ln w="12700">
+                <a:solidFill>
+                  <a:schemeClr val="tx1"/>
+                </a:solidFill>
+              </a:ln>
+            </p:spPr>
+            <p:style>
+              <a:lnRef idx="2">
+                <a:schemeClr val="accent1"/>
+              </a:lnRef>
+              <a:fillRef idx="0">
+                <a:schemeClr val="accent1"/>
+              </a:fillRef>
+              <a:effectRef idx="1">
+                <a:schemeClr val="accent1"/>
+              </a:effectRef>
+              <a:fontRef idx="minor">
+                <a:schemeClr val="tx1"/>
+              </a:fontRef>
+            </p:style>
+          </p:cxnSp>
+          <p:cxnSp>
+            <p:nvCxnSpPr>
+              <p:cNvPr id="9" name="Lige forbindelse 8">
+                <a:extLst>
+                  <a:ext uri="{FF2B5EF4-FFF2-40B4-BE49-F238E27FC236}">
+                    <a16:creationId xmlns:a16="http://schemas.microsoft.com/office/drawing/2014/main" id="{2FBC4CFA-6906-2D8A-67A6-9B23669C1985}"/>
+                  </a:ext>
+                </a:extLst>
+              </p:cNvPr>
+              <p:cNvCxnSpPr>
+                <a:cxnSpLocks/>
+              </p:cNvCxnSpPr>
+              <p:nvPr/>
+            </p:nvCxnSpPr>
+            <p:spPr>
+              <a:xfrm>
+                <a:off x="1321878" y="1702728"/>
+                <a:ext cx="195309" cy="0"/>
+              </a:xfrm>
+              <a:prstGeom prst="line">
+                <a:avLst/>
+              </a:prstGeom>
+              <a:ln w="12700">
+                <a:solidFill>
+                  <a:schemeClr val="tx1"/>
+                </a:solidFill>
+              </a:ln>
+            </p:spPr>
+            <p:style>
+              <a:lnRef idx="2">
+                <a:schemeClr val="accent1"/>
+              </a:lnRef>
+              <a:fillRef idx="0">
+                <a:schemeClr val="accent1"/>
+              </a:fillRef>
+              <a:effectRef idx="1">
+                <a:schemeClr val="accent1"/>
+              </a:effectRef>
+              <a:fontRef idx="minor">
+                <a:schemeClr val="tx1"/>
+              </a:fontRef>
+            </p:style>
+          </p:cxnSp>
+        </p:grpSp>
+        <p:sp>
+          <p:nvSpPr>
+            <p:cNvPr id="10" name="Tekstfelt 9">
+              <a:extLst>
+                <a:ext uri="{FF2B5EF4-FFF2-40B4-BE49-F238E27FC236}">
+                  <a16:creationId xmlns:a16="http://schemas.microsoft.com/office/drawing/2014/main" id="{CEB50BFA-9F62-FCF1-9A84-06FFB6FE2EFA}"/>
+                </a:ext>
+              </a:extLst>
+            </p:cNvPr>
+            <p:cNvSpPr txBox="1"/>
+            <p:nvPr/>
+          </p:nvSpPr>
+          <p:spPr>
+            <a:xfrm>
+              <a:off x="1419532" y="1305575"/>
+              <a:ext cx="1021254" cy="276999"/>
+            </a:xfrm>
+            <a:prstGeom prst="rect">
+              <a:avLst/>
+            </a:prstGeom>
+            <a:noFill/>
+          </p:spPr>
+          <p:txBody>
+            <a:bodyPr wrap="square" rtlCol="0">
+              <a:spAutoFit/>
+            </a:bodyPr>
+            <a:lstStyle/>
+            <a:p>
+              <a:r>
+                <a:rPr lang="da-DK" sz="1200" dirty="0"/>
+                <a:t>R1 = 200</a:t>
+              </a:r>
+              <a:r>
+                <a:rPr lang="el-GR" sz="1200" dirty="0"/>
+                <a:t>Ω</a:t>
+              </a:r>
+              <a:endParaRPr lang="da-DK" sz="1200" dirty="0"/>
+            </a:p>
+          </p:txBody>
+        </p:sp>
+      </p:grpSp>
+      <p:cxnSp>
+        <p:nvCxnSpPr>
+          <p:cNvPr id="11" name="Lige forbindelse 10">
+            <a:extLst>
+              <a:ext uri="{FF2B5EF4-FFF2-40B4-BE49-F238E27FC236}">
+                <a16:creationId xmlns:a16="http://schemas.microsoft.com/office/drawing/2014/main" id="{09C3341B-21EF-59A9-EC1C-D34C2D86E994}"/>
+              </a:ext>
+            </a:extLst>
+          </p:cNvPr>
+          <p:cNvCxnSpPr>
+            <a:cxnSpLocks/>
+          </p:cNvCxnSpPr>
+          <p:nvPr/>
+        </p:nvCxnSpPr>
+        <p:spPr>
+          <a:xfrm>
+            <a:off x="1321878" y="1702728"/>
+            <a:ext cx="0" cy="553775"/>
+          </a:xfrm>
+          <a:prstGeom prst="line">
+            <a:avLst/>
+          </a:prstGeom>
+          <a:ln w="12700">
+            <a:solidFill>
+              <a:schemeClr val="tx1"/>
+            </a:solidFill>
+          </a:ln>
+        </p:spPr>
+        <p:style>
+          <a:lnRef idx="2">
+            <a:schemeClr val="accent1"/>
+          </a:lnRef>
+          <a:fillRef idx="0">
+            <a:schemeClr val="accent1"/>
+          </a:fillRef>
+          <a:effectRef idx="1">
+            <a:schemeClr val="accent1"/>
+          </a:effectRef>
+          <a:fontRef idx="minor">
+            <a:schemeClr val="tx1"/>
+          </a:fontRef>
+        </p:style>
+      </p:cxnSp>
+      <p:grpSp>
+        <p:nvGrpSpPr>
+          <p:cNvPr id="59" name="Gruppe 58">
+            <a:extLst>
+              <a:ext uri="{FF2B5EF4-FFF2-40B4-BE49-F238E27FC236}">
+                <a16:creationId xmlns:a16="http://schemas.microsoft.com/office/drawing/2014/main" id="{B8969811-69D7-4407-D433-2D0E367E2F47}"/>
+              </a:ext>
+            </a:extLst>
+          </p:cNvPr>
+          <p:cNvGrpSpPr/>
+          <p:nvPr/>
+        </p:nvGrpSpPr>
+        <p:grpSpPr>
+          <a:xfrm>
+            <a:off x="758719" y="2151680"/>
+            <a:ext cx="776989" cy="646331"/>
+            <a:chOff x="758719" y="2151680"/>
+            <a:chExt cx="776989" cy="646331"/>
+          </a:xfrm>
+        </p:grpSpPr>
+        <p:grpSp>
+          <p:nvGrpSpPr>
+            <p:cNvPr id="24" name="Gruppe 23">
+              <a:extLst>
+                <a:ext uri="{FF2B5EF4-FFF2-40B4-BE49-F238E27FC236}">
+                  <a16:creationId xmlns:a16="http://schemas.microsoft.com/office/drawing/2014/main" id="{88155691-E979-EAAF-18D9-3E242901A3D9}"/>
+                </a:ext>
+              </a:extLst>
+            </p:cNvPr>
+            <p:cNvGrpSpPr/>
+            <p:nvPr/>
+          </p:nvGrpSpPr>
+          <p:grpSpPr>
+            <a:xfrm>
+              <a:off x="1108047" y="2151680"/>
+              <a:ext cx="427661" cy="646331"/>
+              <a:chOff x="1108047" y="2151680"/>
+              <a:chExt cx="427661" cy="646331"/>
+            </a:xfrm>
+          </p:grpSpPr>
+          <p:sp>
+            <p:nvSpPr>
+              <p:cNvPr id="14" name="Rutediagram: Forbindelse 13">
+                <a:extLst>
+                  <a:ext uri="{FF2B5EF4-FFF2-40B4-BE49-F238E27FC236}">
+                    <a16:creationId xmlns:a16="http://schemas.microsoft.com/office/drawing/2014/main" id="{472AA276-6E30-B6FC-6C46-60D929792716}"/>
+                  </a:ext>
+                </a:extLst>
+              </p:cNvPr>
+              <p:cNvSpPr/>
+              <p:nvPr/>
+            </p:nvSpPr>
+            <p:spPr>
+              <a:xfrm>
+                <a:off x="1108047" y="2256503"/>
+                <a:ext cx="427661" cy="428273"/>
+              </a:xfrm>
+              <a:prstGeom prst="flowChartConnector">
+                <a:avLst/>
+              </a:prstGeom>
+              <a:noFill/>
+              <a:ln w="12700">
+                <a:solidFill>
+                  <a:schemeClr val="tx1"/>
+                </a:solidFill>
+              </a:ln>
+            </p:spPr>
+            <p:style>
+              <a:lnRef idx="2">
+                <a:schemeClr val="accent1">
+                  <a:shade val="15000"/>
+                </a:schemeClr>
+              </a:lnRef>
+              <a:fillRef idx="1">
+                <a:schemeClr val="accent1"/>
+              </a:fillRef>
+              <a:effectRef idx="0">
+                <a:schemeClr val="accent1"/>
+              </a:effectRef>
+              <a:fontRef idx="minor">
+                <a:schemeClr val="lt1"/>
+              </a:fontRef>
+            </p:style>
+            <p:txBody>
+              <a:bodyPr rtlCol="0" anchor="ctr"/>
+              <a:lstStyle/>
+              <a:p>
+                <a:pPr algn="ctr"/>
+                <a:endParaRPr lang="da-DK"/>
+              </a:p>
+            </p:txBody>
+          </p:sp>
+          <p:sp>
+            <p:nvSpPr>
+              <p:cNvPr id="15" name="Tekstfelt 14">
+                <a:extLst>
+                  <a:ext uri="{FF2B5EF4-FFF2-40B4-BE49-F238E27FC236}">
+                    <a16:creationId xmlns:a16="http://schemas.microsoft.com/office/drawing/2014/main" id="{0C949CF8-58AE-8896-FA2C-E288FFA2D229}"/>
+                  </a:ext>
+                </a:extLst>
+              </p:cNvPr>
+              <p:cNvSpPr txBox="1"/>
+              <p:nvPr/>
+            </p:nvSpPr>
+            <p:spPr>
+              <a:xfrm>
+                <a:off x="1178939" y="2151680"/>
+                <a:ext cx="285875" cy="646331"/>
+              </a:xfrm>
+              <a:prstGeom prst="rect">
+                <a:avLst/>
+              </a:prstGeom>
+              <a:noFill/>
+            </p:spPr>
+            <p:txBody>
+              <a:bodyPr wrap="square" rtlCol="0">
+                <a:spAutoFit/>
+              </a:bodyPr>
+              <a:lstStyle/>
+              <a:p>
+                <a:pPr algn="ctr"/>
+                <a:r>
+                  <a:rPr lang="da-DK" dirty="0"/>
+                  <a:t>+</a:t>
+                </a:r>
+                <a:br>
+                  <a:rPr lang="da-DK" dirty="0"/>
+                </a:br>
+                <a:r>
+                  <a:rPr lang="da-DK" dirty="0"/>
+                  <a:t>-</a:t>
+                </a:r>
+              </a:p>
+            </p:txBody>
+          </p:sp>
+        </p:grpSp>
+        <p:sp>
+          <p:nvSpPr>
+            <p:cNvPr id="16" name="Tekstfelt 15">
+              <a:extLst>
+                <a:ext uri="{FF2B5EF4-FFF2-40B4-BE49-F238E27FC236}">
+                  <a16:creationId xmlns:a16="http://schemas.microsoft.com/office/drawing/2014/main" id="{C565C779-4BE6-D643-07AF-2A7B0644273C}"/>
+                </a:ext>
+              </a:extLst>
+            </p:cNvPr>
+            <p:cNvSpPr txBox="1"/>
+            <p:nvPr/>
+          </p:nvSpPr>
+          <p:spPr>
+            <a:xfrm>
+              <a:off x="758719" y="2252352"/>
+              <a:ext cx="449824" cy="461665"/>
+            </a:xfrm>
+            <a:prstGeom prst="rect">
+              <a:avLst/>
+            </a:prstGeom>
+            <a:noFill/>
+          </p:spPr>
+          <p:txBody>
+            <a:bodyPr wrap="square" rtlCol="0">
+              <a:spAutoFit/>
+            </a:bodyPr>
+            <a:lstStyle/>
+            <a:p>
+              <a:r>
+                <a:rPr lang="da-DK" sz="1200" dirty="0"/>
+                <a:t>Vo</a:t>
+              </a:r>
+              <a:br>
+                <a:rPr lang="da-DK" sz="1200" dirty="0"/>
+              </a:br>
+              <a:r>
+                <a:rPr lang="da-DK" sz="1200" dirty="0"/>
+                <a:t>5V</a:t>
+              </a:r>
+            </a:p>
+          </p:txBody>
+        </p:sp>
+      </p:grpSp>
+      <p:grpSp>
+        <p:nvGrpSpPr>
+          <p:cNvPr id="23" name="Gruppe 22">
+            <a:extLst>
+              <a:ext uri="{FF2B5EF4-FFF2-40B4-BE49-F238E27FC236}">
+                <a16:creationId xmlns:a16="http://schemas.microsoft.com/office/drawing/2014/main" id="{F17EF282-5010-5820-F142-564D49D0FFB4}"/>
+              </a:ext>
+            </a:extLst>
+          </p:cNvPr>
+          <p:cNvGrpSpPr/>
+          <p:nvPr/>
+        </p:nvGrpSpPr>
+        <p:grpSpPr>
+          <a:xfrm>
+            <a:off x="2244215" y="2021979"/>
+            <a:ext cx="270001" cy="683772"/>
+            <a:chOff x="2768163" y="1692021"/>
+            <a:chExt cx="270001" cy="683772"/>
+          </a:xfrm>
+        </p:grpSpPr>
+        <p:sp>
+          <p:nvSpPr>
+            <p:cNvPr id="17" name="Ligebenet trekant 16">
+              <a:extLst>
+                <a:ext uri="{FF2B5EF4-FFF2-40B4-BE49-F238E27FC236}">
+                  <a16:creationId xmlns:a16="http://schemas.microsoft.com/office/drawing/2014/main" id="{1E4B8B14-ED73-6D20-026E-6D68073CEAA8}"/>
+                </a:ext>
+              </a:extLst>
+            </p:cNvPr>
+            <p:cNvSpPr/>
+            <p:nvPr/>
+          </p:nvSpPr>
+          <p:spPr>
+            <a:xfrm rot="10800000">
+              <a:off x="2768164" y="1880419"/>
+              <a:ext cx="270000" cy="271261"/>
+            </a:xfrm>
+            <a:prstGeom prst="triangle">
+              <a:avLst/>
+            </a:prstGeom>
+            <a:noFill/>
+            <a:ln w="12700">
+              <a:solidFill>
+                <a:schemeClr val="tx1"/>
+              </a:solidFill>
+            </a:ln>
+          </p:spPr>
+          <p:style>
+            <a:lnRef idx="2">
+              <a:schemeClr val="accent1">
+                <a:shade val="15000"/>
+              </a:schemeClr>
+            </a:lnRef>
+            <a:fillRef idx="1">
+              <a:schemeClr val="accent1"/>
+            </a:fillRef>
+            <a:effectRef idx="0">
+              <a:schemeClr val="accent1"/>
+            </a:effectRef>
+            <a:fontRef idx="minor">
+              <a:schemeClr val="lt1"/>
+            </a:fontRef>
+          </p:style>
+          <p:txBody>
+            <a:bodyPr rtlCol="0" anchor="ctr"/>
+            <a:lstStyle/>
+            <a:p>
+              <a:pPr algn="ctr"/>
+              <a:endParaRPr lang="da-DK"/>
+            </a:p>
+          </p:txBody>
+        </p:sp>
+        <p:cxnSp>
+          <p:nvCxnSpPr>
+            <p:cNvPr id="19" name="Lige forbindelse 18">
+              <a:extLst>
+                <a:ext uri="{FF2B5EF4-FFF2-40B4-BE49-F238E27FC236}">
+                  <a16:creationId xmlns:a16="http://schemas.microsoft.com/office/drawing/2014/main" id="{017433F8-E5A7-8BF1-56F0-76B054F2ADA9}"/>
+                </a:ext>
+              </a:extLst>
+            </p:cNvPr>
+            <p:cNvCxnSpPr/>
+            <p:nvPr/>
+          </p:nvCxnSpPr>
+          <p:spPr>
+            <a:xfrm>
+              <a:off x="2768163" y="2173802"/>
+              <a:ext cx="270000" cy="0"/>
+            </a:xfrm>
+            <a:prstGeom prst="line">
+              <a:avLst/>
+            </a:prstGeom>
+            <a:ln w="12700">
+              <a:solidFill>
+                <a:schemeClr val="tx1"/>
+              </a:solidFill>
+            </a:ln>
+          </p:spPr>
+          <p:style>
+            <a:lnRef idx="2">
+              <a:schemeClr val="accent1"/>
+            </a:lnRef>
+            <a:fillRef idx="0">
+              <a:schemeClr val="accent1"/>
+            </a:fillRef>
+            <a:effectRef idx="1">
+              <a:schemeClr val="accent1"/>
+            </a:effectRef>
+            <a:fontRef idx="minor">
+              <a:schemeClr val="tx1"/>
+            </a:fontRef>
+          </p:style>
+        </p:cxnSp>
+        <p:cxnSp>
+          <p:nvCxnSpPr>
+            <p:cNvPr id="20" name="Lige forbindelse 19">
+              <a:extLst>
+                <a:ext uri="{FF2B5EF4-FFF2-40B4-BE49-F238E27FC236}">
+                  <a16:creationId xmlns:a16="http://schemas.microsoft.com/office/drawing/2014/main" id="{A5511ABA-6DE5-3D62-B4D6-2AA623511644}"/>
+                </a:ext>
+              </a:extLst>
+            </p:cNvPr>
+            <p:cNvCxnSpPr>
+              <a:cxnSpLocks/>
+            </p:cNvCxnSpPr>
+            <p:nvPr/>
+          </p:nvCxnSpPr>
+          <p:spPr>
+            <a:xfrm>
+              <a:off x="2904115" y="2181176"/>
+              <a:ext cx="0" cy="194617"/>
+            </a:xfrm>
+            <a:prstGeom prst="line">
+              <a:avLst/>
+            </a:prstGeom>
+            <a:ln w="12700">
+              <a:solidFill>
+                <a:schemeClr val="tx1"/>
+              </a:solidFill>
+            </a:ln>
+          </p:spPr>
+          <p:style>
+            <a:lnRef idx="2">
+              <a:schemeClr val="accent1"/>
+            </a:lnRef>
+            <a:fillRef idx="0">
+              <a:schemeClr val="accent1"/>
+            </a:fillRef>
+            <a:effectRef idx="1">
+              <a:schemeClr val="accent1"/>
+            </a:effectRef>
+            <a:fontRef idx="minor">
+              <a:schemeClr val="tx1"/>
+            </a:fontRef>
+          </p:style>
+        </p:cxnSp>
+        <p:cxnSp>
+          <p:nvCxnSpPr>
+            <p:cNvPr id="22" name="Lige forbindelse 21">
+              <a:extLst>
+                <a:ext uri="{FF2B5EF4-FFF2-40B4-BE49-F238E27FC236}">
+                  <a16:creationId xmlns:a16="http://schemas.microsoft.com/office/drawing/2014/main" id="{F7262922-A928-D260-98A0-235BD6BD605D}"/>
+                </a:ext>
+              </a:extLst>
+            </p:cNvPr>
+            <p:cNvCxnSpPr>
+              <a:cxnSpLocks/>
+            </p:cNvCxnSpPr>
+            <p:nvPr/>
+          </p:nvCxnSpPr>
+          <p:spPr>
+            <a:xfrm>
+              <a:off x="2909030" y="1692021"/>
+              <a:ext cx="0" cy="194617"/>
+            </a:xfrm>
+            <a:prstGeom prst="line">
+              <a:avLst/>
+            </a:prstGeom>
+            <a:ln w="12700">
+              <a:solidFill>
+                <a:schemeClr val="tx1"/>
+              </a:solidFill>
+            </a:ln>
+          </p:spPr>
+          <p:style>
+            <a:lnRef idx="2">
+              <a:schemeClr val="accent1"/>
+            </a:lnRef>
+            <a:fillRef idx="0">
+              <a:schemeClr val="accent1"/>
+            </a:fillRef>
+            <a:effectRef idx="1">
+              <a:schemeClr val="accent1"/>
+            </a:effectRef>
+            <a:fontRef idx="minor">
+              <a:schemeClr val="tx1"/>
+            </a:fontRef>
+          </p:style>
+        </p:cxnSp>
+      </p:grpSp>
+      <p:cxnSp>
+        <p:nvCxnSpPr>
+          <p:cNvPr id="28" name="Lige forbindelse 27">
+            <a:extLst>
+              <a:ext uri="{FF2B5EF4-FFF2-40B4-BE49-F238E27FC236}">
+                <a16:creationId xmlns:a16="http://schemas.microsoft.com/office/drawing/2014/main" id="{93C142BE-D635-1C63-88B2-D89995707754}"/>
+              </a:ext>
+            </a:extLst>
+          </p:cNvPr>
+          <p:cNvCxnSpPr>
+            <a:cxnSpLocks/>
+          </p:cNvCxnSpPr>
+          <p:nvPr/>
+        </p:nvCxnSpPr>
+        <p:spPr>
+          <a:xfrm>
+            <a:off x="2379215" y="1695635"/>
+            <a:ext cx="0" cy="326344"/>
+          </a:xfrm>
+          <a:prstGeom prst="line">
+            <a:avLst/>
+          </a:prstGeom>
+          <a:ln w="12700"/>
+        </p:spPr>
+        <p:style>
+          <a:lnRef idx="2">
+            <a:schemeClr val="dk1"/>
+          </a:lnRef>
+          <a:fillRef idx="0">
+            <a:schemeClr val="dk1"/>
+          </a:fillRef>
+          <a:effectRef idx="1">
+            <a:schemeClr val="dk1"/>
+          </a:effectRef>
+          <a:fontRef idx="minor">
+            <a:schemeClr val="tx1"/>
+          </a:fontRef>
+        </p:style>
+      </p:cxnSp>
+      <p:sp>
+        <p:nvSpPr>
+          <p:cNvPr id="31" name="Tekstfelt 30">
+            <a:extLst>
+              <a:ext uri="{FF2B5EF4-FFF2-40B4-BE49-F238E27FC236}">
+                <a16:creationId xmlns:a16="http://schemas.microsoft.com/office/drawing/2014/main" id="{3CB0BD9F-D42E-7162-2961-AA71ACF6B2F7}"/>
+              </a:ext>
+            </a:extLst>
+          </p:cNvPr>
+          <p:cNvSpPr txBox="1"/>
+          <p:nvPr/>
+        </p:nvSpPr>
+        <p:spPr>
+          <a:xfrm>
+            <a:off x="1660122" y="1858807"/>
+            <a:ext cx="567810" cy="1015663"/>
+          </a:xfrm>
+          <a:prstGeom prst="rect">
+            <a:avLst/>
+          </a:prstGeom>
+          <a:noFill/>
+        </p:spPr>
+        <p:txBody>
+          <a:bodyPr wrap="square" rtlCol="0">
+            <a:spAutoFit/>
+          </a:bodyPr>
+          <a:lstStyle/>
+          <a:p>
+            <a:pPr algn="r"/>
+            <a:r>
+              <a:rPr lang="da-DK" sz="1200" dirty="0"/>
+              <a:t>+</a:t>
+            </a:r>
+            <a:br>
+              <a:rPr lang="da-DK" sz="1200" dirty="0"/>
+            </a:br>
+            <a:br>
+              <a:rPr lang="da-DK" sz="1200" dirty="0"/>
+            </a:br>
+            <a:r>
+              <a:rPr lang="da-DK" sz="1200" dirty="0"/>
+              <a:t>V_BE</a:t>
+            </a:r>
+            <a:br>
+              <a:rPr lang="da-DK" sz="1200" dirty="0"/>
+            </a:br>
+            <a:br>
+              <a:rPr lang="da-DK" sz="1200" dirty="0"/>
+            </a:br>
+            <a:r>
+              <a:rPr lang="da-DK" sz="1200" dirty="0"/>
+              <a:t>-</a:t>
+            </a:r>
+          </a:p>
+        </p:txBody>
+      </p:sp>
+      <p:grpSp>
+        <p:nvGrpSpPr>
+          <p:cNvPr id="35" name="Gruppe 34">
+            <a:extLst>
+              <a:ext uri="{FF2B5EF4-FFF2-40B4-BE49-F238E27FC236}">
+                <a16:creationId xmlns:a16="http://schemas.microsoft.com/office/drawing/2014/main" id="{C93E5179-7106-D395-F960-455C3C2DBDEB}"/>
+              </a:ext>
+            </a:extLst>
+          </p:cNvPr>
+          <p:cNvGrpSpPr/>
+          <p:nvPr/>
+        </p:nvGrpSpPr>
+        <p:grpSpPr>
+          <a:xfrm rot="5400000">
+            <a:off x="4846876" y="2047630"/>
+            <a:ext cx="1057338" cy="1206183"/>
+            <a:chOff x="1321878" y="578229"/>
+            <a:chExt cx="1057338" cy="1206183"/>
+          </a:xfrm>
+        </p:grpSpPr>
+        <p:grpSp>
+          <p:nvGrpSpPr>
+            <p:cNvPr id="36" name="Gruppe 35">
+              <a:extLst>
+                <a:ext uri="{FF2B5EF4-FFF2-40B4-BE49-F238E27FC236}">
+                  <a16:creationId xmlns:a16="http://schemas.microsoft.com/office/drawing/2014/main" id="{13564E55-23E5-6E7B-0580-9CCBC6F317C0}"/>
+                </a:ext>
+              </a:extLst>
+            </p:cNvPr>
+            <p:cNvGrpSpPr/>
+            <p:nvPr/>
+          </p:nvGrpSpPr>
+          <p:grpSpPr>
+            <a:xfrm>
+              <a:off x="1321878" y="1606858"/>
+              <a:ext cx="1057338" cy="177554"/>
+              <a:chOff x="1321878" y="1606858"/>
+              <a:chExt cx="1057338" cy="177554"/>
+            </a:xfrm>
+          </p:grpSpPr>
+          <p:sp>
+            <p:nvSpPr>
+              <p:cNvPr id="38" name="Rektangel 37">
+                <a:extLst>
+                  <a:ext uri="{FF2B5EF4-FFF2-40B4-BE49-F238E27FC236}">
+                    <a16:creationId xmlns:a16="http://schemas.microsoft.com/office/drawing/2014/main" id="{0C6FEC14-6C6E-4FF6-D0AF-98AC58F9E9CF}"/>
+                  </a:ext>
+                </a:extLst>
+              </p:cNvPr>
+              <p:cNvSpPr/>
+              <p:nvPr/>
+            </p:nvSpPr>
+            <p:spPr>
+              <a:xfrm>
+                <a:off x="1518082" y="1606858"/>
+                <a:ext cx="665825" cy="177554"/>
+              </a:xfrm>
+              <a:prstGeom prst="rect">
+                <a:avLst/>
+              </a:prstGeom>
+              <a:noFill/>
+              <a:ln w="12700">
+                <a:solidFill>
+                  <a:schemeClr val="tx1"/>
+                </a:solidFill>
+              </a:ln>
+            </p:spPr>
+            <p:style>
+              <a:lnRef idx="2">
+                <a:schemeClr val="accent1">
+                  <a:shade val="15000"/>
+                </a:schemeClr>
+              </a:lnRef>
+              <a:fillRef idx="1">
+                <a:schemeClr val="accent1"/>
+              </a:fillRef>
+              <a:effectRef idx="0">
+                <a:schemeClr val="accent1"/>
+              </a:effectRef>
+              <a:fontRef idx="minor">
+                <a:schemeClr val="lt1"/>
+              </a:fontRef>
+            </p:style>
+            <p:txBody>
+              <a:bodyPr rtlCol="0" anchor="ctr"/>
+              <a:lstStyle/>
+              <a:p>
+                <a:pPr algn="ctr"/>
+                <a:endParaRPr lang="da-DK"/>
+              </a:p>
+            </p:txBody>
+          </p:sp>
+          <p:cxnSp>
+            <p:nvCxnSpPr>
+              <p:cNvPr id="39" name="Lige forbindelse 38">
+                <a:extLst>
+                  <a:ext uri="{FF2B5EF4-FFF2-40B4-BE49-F238E27FC236}">
+                    <a16:creationId xmlns:a16="http://schemas.microsoft.com/office/drawing/2014/main" id="{5E525BC0-B86B-2CC8-A2C4-A4A1D878D2CC}"/>
+                  </a:ext>
+                </a:extLst>
+              </p:cNvPr>
+              <p:cNvCxnSpPr>
+                <a:cxnSpLocks/>
+                <a:stCxn id="38" idx="3"/>
+              </p:cNvCxnSpPr>
+              <p:nvPr/>
+            </p:nvCxnSpPr>
+            <p:spPr>
+              <a:xfrm>
+                <a:off x="2183907" y="1695635"/>
+                <a:ext cx="195309" cy="0"/>
+              </a:xfrm>
+              <a:prstGeom prst="line">
+                <a:avLst/>
+              </a:prstGeom>
+              <a:ln w="12700">
+                <a:solidFill>
+                  <a:schemeClr val="tx1"/>
+                </a:solidFill>
+              </a:ln>
+            </p:spPr>
+            <p:style>
+              <a:lnRef idx="2">
+                <a:schemeClr val="accent1"/>
+              </a:lnRef>
+              <a:fillRef idx="0">
+                <a:schemeClr val="accent1"/>
+              </a:fillRef>
+              <a:effectRef idx="1">
+                <a:schemeClr val="accent1"/>
+              </a:effectRef>
+              <a:fontRef idx="minor">
+                <a:schemeClr val="tx1"/>
+              </a:fontRef>
+            </p:style>
+          </p:cxnSp>
+          <p:cxnSp>
+            <p:nvCxnSpPr>
+              <p:cNvPr id="40" name="Lige forbindelse 39">
+                <a:extLst>
+                  <a:ext uri="{FF2B5EF4-FFF2-40B4-BE49-F238E27FC236}">
+                    <a16:creationId xmlns:a16="http://schemas.microsoft.com/office/drawing/2014/main" id="{36780A55-E325-5E72-6D1E-AA4C11BB3D55}"/>
+                  </a:ext>
+                </a:extLst>
+              </p:cNvPr>
+              <p:cNvCxnSpPr>
+                <a:cxnSpLocks/>
+              </p:cNvCxnSpPr>
+              <p:nvPr/>
+            </p:nvCxnSpPr>
+            <p:spPr>
+              <a:xfrm>
+                <a:off x="1321878" y="1702728"/>
+                <a:ext cx="195309" cy="0"/>
+              </a:xfrm>
+              <a:prstGeom prst="line">
+                <a:avLst/>
+              </a:prstGeom>
+              <a:ln w="12700">
+                <a:solidFill>
+                  <a:schemeClr val="tx1"/>
+                </a:solidFill>
+              </a:ln>
+            </p:spPr>
+            <p:style>
+              <a:lnRef idx="2">
+                <a:schemeClr val="accent1"/>
+              </a:lnRef>
+              <a:fillRef idx="0">
+                <a:schemeClr val="accent1"/>
+              </a:fillRef>
+              <a:effectRef idx="1">
+                <a:schemeClr val="accent1"/>
+              </a:effectRef>
+              <a:fontRef idx="minor">
+                <a:schemeClr val="tx1"/>
+              </a:fontRef>
+            </p:style>
+          </p:cxnSp>
+        </p:grpSp>
+        <p:sp>
+          <p:nvSpPr>
+            <p:cNvPr id="37" name="Tekstfelt 36">
+              <a:extLst>
+                <a:ext uri="{FF2B5EF4-FFF2-40B4-BE49-F238E27FC236}">
+                  <a16:creationId xmlns:a16="http://schemas.microsoft.com/office/drawing/2014/main" id="{820334C2-C783-88EB-D280-11CC1B8B52B0}"/>
+                </a:ext>
+              </a:extLst>
+            </p:cNvPr>
+            <p:cNvSpPr txBox="1"/>
+            <p:nvPr/>
+          </p:nvSpPr>
+          <p:spPr>
+            <a:xfrm rot="16200000">
+              <a:off x="1395999" y="950356"/>
+              <a:ext cx="1021254" cy="276999"/>
+            </a:xfrm>
+            <a:prstGeom prst="rect">
+              <a:avLst/>
+            </a:prstGeom>
+            <a:noFill/>
+          </p:spPr>
+          <p:txBody>
+            <a:bodyPr wrap="square" rtlCol="0">
+              <a:spAutoFit/>
+            </a:bodyPr>
+            <a:lstStyle/>
+            <a:p>
+              <a:r>
+                <a:rPr lang="da-DK" sz="1200" dirty="0"/>
+                <a:t>R0 = 100</a:t>
+              </a:r>
+              <a:r>
+                <a:rPr lang="el-GR" sz="1200" dirty="0"/>
+                <a:t>Ω</a:t>
+              </a:r>
+              <a:endParaRPr lang="da-DK" sz="1200" dirty="0"/>
+            </a:p>
+          </p:txBody>
+        </p:sp>
+      </p:grpSp>
+      <p:grpSp>
+        <p:nvGrpSpPr>
+          <p:cNvPr id="47" name="Gruppe 46">
+            <a:extLst>
+              <a:ext uri="{FF2B5EF4-FFF2-40B4-BE49-F238E27FC236}">
+                <a16:creationId xmlns:a16="http://schemas.microsoft.com/office/drawing/2014/main" id="{042343B2-DF83-58C6-C170-D4CEE870099F}"/>
+              </a:ext>
+            </a:extLst>
+          </p:cNvPr>
+          <p:cNvGrpSpPr/>
+          <p:nvPr/>
+        </p:nvGrpSpPr>
+        <p:grpSpPr>
+          <a:xfrm>
+            <a:off x="3005652" y="1712177"/>
+            <a:ext cx="360000" cy="993573"/>
+            <a:chOff x="3996808" y="1407409"/>
+            <a:chExt cx="360000" cy="993573"/>
+          </a:xfrm>
+        </p:grpSpPr>
+        <p:sp>
+          <p:nvSpPr>
+            <p:cNvPr id="41" name="Rektangel 40">
+              <a:extLst>
+                <a:ext uri="{FF2B5EF4-FFF2-40B4-BE49-F238E27FC236}">
+                  <a16:creationId xmlns:a16="http://schemas.microsoft.com/office/drawing/2014/main" id="{1CC283E8-7A5B-931D-8B17-EACC2DF34EE9}"/>
+                </a:ext>
+              </a:extLst>
+            </p:cNvPr>
+            <p:cNvSpPr/>
+            <p:nvPr/>
+          </p:nvSpPr>
+          <p:spPr>
+            <a:xfrm rot="2700000">
+              <a:off x="3996808" y="1771114"/>
+              <a:ext cx="360000" cy="360000"/>
+            </a:xfrm>
+            <a:prstGeom prst="rect">
+              <a:avLst/>
+            </a:prstGeom>
+            <a:noFill/>
+            <a:ln w="12700">
+              <a:solidFill>
+                <a:schemeClr val="tx1"/>
+              </a:solidFill>
+            </a:ln>
+          </p:spPr>
+          <p:style>
+            <a:lnRef idx="2">
+              <a:schemeClr val="accent1">
+                <a:shade val="15000"/>
+              </a:schemeClr>
+            </a:lnRef>
+            <a:fillRef idx="1">
+              <a:schemeClr val="accent1"/>
+            </a:fillRef>
+            <a:effectRef idx="0">
+              <a:schemeClr val="accent1"/>
+            </a:effectRef>
+            <a:fontRef idx="minor">
+              <a:schemeClr val="lt1"/>
+            </a:fontRef>
+          </p:style>
+          <p:txBody>
+            <a:bodyPr rtlCol="0" anchor="ctr"/>
+            <a:lstStyle/>
+            <a:p>
+              <a:pPr algn="ctr"/>
+              <a:endParaRPr lang="da-DK"/>
+            </a:p>
+          </p:txBody>
+        </p:sp>
+        <p:cxnSp>
+          <p:nvCxnSpPr>
+            <p:cNvPr id="44" name="Lige pilforbindelse 43">
+              <a:extLst>
+                <a:ext uri="{FF2B5EF4-FFF2-40B4-BE49-F238E27FC236}">
+                  <a16:creationId xmlns:a16="http://schemas.microsoft.com/office/drawing/2014/main" id="{6DD71386-AABA-EC9B-029B-AB759E3CCE83}"/>
+                </a:ext>
+              </a:extLst>
+            </p:cNvPr>
+            <p:cNvCxnSpPr/>
+            <p:nvPr/>
+          </p:nvCxnSpPr>
+          <p:spPr>
+            <a:xfrm>
+              <a:off x="4176808" y="1784412"/>
+              <a:ext cx="0" cy="326344"/>
+            </a:xfrm>
+            <a:prstGeom prst="straightConnector1">
+              <a:avLst/>
+            </a:prstGeom>
+            <a:ln w="12700">
+              <a:solidFill>
+                <a:schemeClr val="tx1"/>
+              </a:solidFill>
+              <a:tailEnd type="triangle"/>
+            </a:ln>
+          </p:spPr>
+          <p:style>
+            <a:lnRef idx="2">
+              <a:schemeClr val="accent1"/>
+            </a:lnRef>
+            <a:fillRef idx="0">
+              <a:schemeClr val="accent1"/>
+            </a:fillRef>
+            <a:effectRef idx="1">
+              <a:schemeClr val="accent1"/>
+            </a:effectRef>
+            <a:fontRef idx="minor">
+              <a:schemeClr val="tx1"/>
+            </a:fontRef>
+          </p:style>
+        </p:cxnSp>
+        <p:cxnSp>
+          <p:nvCxnSpPr>
+            <p:cNvPr id="45" name="Lige forbindelse 44">
+              <a:extLst>
+                <a:ext uri="{FF2B5EF4-FFF2-40B4-BE49-F238E27FC236}">
+                  <a16:creationId xmlns:a16="http://schemas.microsoft.com/office/drawing/2014/main" id="{802773A7-42E9-62CD-39CF-C92D62E6C19C}"/>
+                </a:ext>
+              </a:extLst>
+            </p:cNvPr>
+            <p:cNvCxnSpPr>
+              <a:cxnSpLocks/>
+            </p:cNvCxnSpPr>
+            <p:nvPr/>
+          </p:nvCxnSpPr>
+          <p:spPr>
+            <a:xfrm>
+              <a:off x="4176808" y="1407409"/>
+              <a:ext cx="0" cy="291883"/>
+            </a:xfrm>
+            <a:prstGeom prst="line">
+              <a:avLst/>
+            </a:prstGeom>
+            <a:ln w="12700">
+              <a:solidFill>
+                <a:schemeClr val="tx1"/>
+              </a:solidFill>
+            </a:ln>
+          </p:spPr>
+          <p:style>
+            <a:lnRef idx="2">
+              <a:schemeClr val="accent1"/>
+            </a:lnRef>
+            <a:fillRef idx="0">
+              <a:schemeClr val="accent1"/>
+            </a:fillRef>
+            <a:effectRef idx="1">
+              <a:schemeClr val="accent1"/>
+            </a:effectRef>
+            <a:fontRef idx="minor">
+              <a:schemeClr val="tx1"/>
+            </a:fontRef>
+          </p:style>
+        </p:cxnSp>
+        <p:cxnSp>
+          <p:nvCxnSpPr>
+            <p:cNvPr id="46" name="Lige forbindelse 45">
+              <a:extLst>
+                <a:ext uri="{FF2B5EF4-FFF2-40B4-BE49-F238E27FC236}">
+                  <a16:creationId xmlns:a16="http://schemas.microsoft.com/office/drawing/2014/main" id="{FFCF697B-5D2B-9BA6-8DF5-E93C0FABFB3F}"/>
+                </a:ext>
+              </a:extLst>
+            </p:cNvPr>
+            <p:cNvCxnSpPr>
+              <a:cxnSpLocks/>
+            </p:cNvCxnSpPr>
+            <p:nvPr/>
+          </p:nvCxnSpPr>
+          <p:spPr>
+            <a:xfrm rot="5400000">
+              <a:off x="4079152" y="2303328"/>
+              <a:ext cx="195309" cy="0"/>
+            </a:xfrm>
+            <a:prstGeom prst="line">
+              <a:avLst/>
+            </a:prstGeom>
+            <a:ln w="12700">
+              <a:solidFill>
+                <a:schemeClr val="tx1"/>
+              </a:solidFill>
+            </a:ln>
+          </p:spPr>
+          <p:style>
+            <a:lnRef idx="2">
+              <a:schemeClr val="accent1"/>
+            </a:lnRef>
+            <a:fillRef idx="0">
+              <a:schemeClr val="accent1"/>
+            </a:fillRef>
+            <a:effectRef idx="1">
+              <a:schemeClr val="accent1"/>
+            </a:effectRef>
+            <a:fontRef idx="minor">
+              <a:schemeClr val="tx1"/>
+            </a:fontRef>
+          </p:style>
+        </p:cxnSp>
+      </p:grpSp>
+      <p:cxnSp>
+        <p:nvCxnSpPr>
+          <p:cNvPr id="72" name="Lige forbindelse 71">
+            <a:extLst>
+              <a:ext uri="{FF2B5EF4-FFF2-40B4-BE49-F238E27FC236}">
+                <a16:creationId xmlns:a16="http://schemas.microsoft.com/office/drawing/2014/main" id="{984AC616-36A5-6C77-70F6-8D5008E433B1}"/>
+              </a:ext>
+            </a:extLst>
+          </p:cNvPr>
+          <p:cNvCxnSpPr/>
+          <p:nvPr/>
+        </p:nvCxnSpPr>
+        <p:spPr>
+          <a:xfrm>
+            <a:off x="1321876" y="2684776"/>
+            <a:ext cx="0" cy="1076633"/>
+          </a:xfrm>
+          <a:prstGeom prst="line">
+            <a:avLst/>
+          </a:prstGeom>
+          <a:ln w="12700">
+            <a:solidFill>
+              <a:schemeClr val="tx1"/>
+            </a:solidFill>
+          </a:ln>
+        </p:spPr>
+        <p:style>
+          <a:lnRef idx="2">
+            <a:schemeClr val="accent1"/>
+          </a:lnRef>
+          <a:fillRef idx="0">
+            <a:schemeClr val="accent1"/>
+          </a:fillRef>
+          <a:effectRef idx="1">
+            <a:schemeClr val="accent1"/>
+          </a:effectRef>
+          <a:fontRef idx="minor">
+            <a:schemeClr val="tx1"/>
+          </a:fontRef>
+        </p:style>
+      </p:cxnSp>
+      <p:sp>
+        <p:nvSpPr>
+          <p:cNvPr id="78" name="Tekstfelt 77">
+            <a:extLst>
+              <a:ext uri="{FF2B5EF4-FFF2-40B4-BE49-F238E27FC236}">
+                <a16:creationId xmlns:a16="http://schemas.microsoft.com/office/drawing/2014/main" id="{1F5A0F14-B21D-9640-E65F-7C800ED1AAA9}"/>
+              </a:ext>
+            </a:extLst>
+          </p:cNvPr>
+          <p:cNvSpPr txBox="1"/>
+          <p:nvPr/>
+        </p:nvSpPr>
+        <p:spPr>
+          <a:xfrm>
+            <a:off x="1321876" y="671210"/>
+            <a:ext cx="3168411" cy="369332"/>
+          </a:xfrm>
+          <a:prstGeom prst="rect">
+            <a:avLst/>
+          </a:prstGeom>
+          <a:noFill/>
+        </p:spPr>
+        <p:txBody>
+          <a:bodyPr wrap="square" rtlCol="0">
+            <a:spAutoFit/>
+          </a:bodyPr>
+          <a:lstStyle/>
+          <a:p>
+            <a:r>
+              <a:rPr lang="da-DK" dirty="0"/>
+              <a:t>Blocks</a:t>
+            </a:r>
+          </a:p>
+        </p:txBody>
+      </p:sp>
+      <p:sp>
+        <p:nvSpPr>
+          <p:cNvPr id="2" name="Tekstfelt 1">
+            <a:extLst>
+              <a:ext uri="{FF2B5EF4-FFF2-40B4-BE49-F238E27FC236}">
+                <a16:creationId xmlns:a16="http://schemas.microsoft.com/office/drawing/2014/main" id="{4503062A-0E02-3114-355C-19CE65AADBDF}"/>
+              </a:ext>
+            </a:extLst>
+          </p:cNvPr>
+          <p:cNvSpPr txBox="1"/>
+          <p:nvPr/>
+        </p:nvSpPr>
+        <p:spPr>
+          <a:xfrm>
+            <a:off x="3398329" y="2106618"/>
+            <a:ext cx="802403" cy="276999"/>
+          </a:xfrm>
+          <a:prstGeom prst="rect">
+            <a:avLst/>
+          </a:prstGeom>
+          <a:noFill/>
+        </p:spPr>
+        <p:txBody>
+          <a:bodyPr wrap="square" rtlCol="0">
+            <a:spAutoFit/>
+          </a:bodyPr>
+          <a:lstStyle/>
+          <a:p>
+            <a:r>
+              <a:rPr lang="da-DK" sz="1200" dirty="0"/>
+              <a:t>gm*</a:t>
+            </a:r>
+            <a:r>
+              <a:rPr lang="da-DK" sz="1200" dirty="0" err="1"/>
+              <a:t>Vbe</a:t>
+            </a:r>
+            <a:endParaRPr lang="da-DK" sz="1200" dirty="0"/>
+          </a:p>
+        </p:txBody>
+      </p:sp>
+    </p:spTree>
+    <p:extLst>
+      <p:ext uri="{BB962C8B-B14F-4D97-AF65-F5344CB8AC3E}">
+        <p14:creationId xmlns:p14="http://schemas.microsoft.com/office/powerpoint/2010/main" val="4131852391"/>
+      </p:ext>
+    </p:extLst>
+  </p:cSld>
+  <p:clrMapOvr>
+    <a:masterClrMapping/>
+  </p:clrMapOvr>
+</p:sld>
+</file>
+
+<file path=ppt/slides/slide2.xml><?xml version="1.0" encoding="utf-8"?>
+<p:sld xmlns:a="http://schemas.openxmlformats.org/drawingml/2006/main" xmlns:r="http://schemas.openxmlformats.org/officeDocument/2006/relationships" xmlns:p="http://schemas.openxmlformats.org/presentationml/2006/main">
+  <p:cSld>
+    <p:spTree>
+      <p:nvGrpSpPr>
+        <p:cNvPr id="1" name=""/>
+        <p:cNvGrpSpPr/>
+        <p:nvPr/>
+      </p:nvGrpSpPr>
+      <p:grpSpPr>
+        <a:xfrm>
+          <a:off x="0" y="0"/>
+          <a:ext cx="0" cy="0"/>
+          <a:chOff x="0" y="0"/>
+          <a:chExt cx="0" cy="0"/>
+        </a:xfrm>
+      </p:grpSpPr>
+      <p:grpSp>
+        <p:nvGrpSpPr>
+          <p:cNvPr id="26" name="Gruppe 25">
+            <a:extLst>
+              <a:ext uri="{FF2B5EF4-FFF2-40B4-BE49-F238E27FC236}">
+                <a16:creationId xmlns:a16="http://schemas.microsoft.com/office/drawing/2014/main" id="{0E634C5D-0644-B862-E060-7D46390C254A}"/>
+              </a:ext>
+            </a:extLst>
+          </p:cNvPr>
+          <p:cNvGrpSpPr/>
+          <p:nvPr/>
+        </p:nvGrpSpPr>
+        <p:grpSpPr>
+          <a:xfrm>
             <a:off x="1321878" y="1305575"/>
             <a:ext cx="1118908" cy="478837"/>
             <a:chOff x="1321878" y="1305575"/>
@@ -5231,7 +6538,7 @@
 </p:sld>
 </file>
 
-<file path=ppt/slides/slide2.xml><?xml version="1.0" encoding="utf-8"?>
+<file path=ppt/slides/slide3.xml><?xml version="1.0" encoding="utf-8"?>
 <p:sld xmlns:a="http://schemas.openxmlformats.org/drawingml/2006/main" xmlns:r="http://schemas.openxmlformats.org/officeDocument/2006/relationships" xmlns:p="http://schemas.openxmlformats.org/presentationml/2006/main">
   <p:cSld>
     <p:spTree>
@@ -7601,7 +8908,7 @@
 </p:sld>
 </file>
 
-<file path=ppt/slides/slide3.xml><?xml version="1.0" encoding="utf-8"?>
+<file path=ppt/slides/slide4.xml><?xml version="1.0" encoding="utf-8"?>
 <p:sld xmlns:a="http://schemas.openxmlformats.org/drawingml/2006/main" xmlns:r="http://schemas.openxmlformats.org/officeDocument/2006/relationships" xmlns:p="http://schemas.openxmlformats.org/presentationml/2006/main">
   <p:cSld>
     <p:spTree>
@@ -10460,7 +11767,7 @@
 </p:sld>
 </file>
 
-<file path=ppt/slides/slide4.xml><?xml version="1.0" encoding="utf-8"?>
+<file path=ppt/slides/slide5.xml><?xml version="1.0" encoding="utf-8"?>
 <p:sld xmlns:a="http://schemas.openxmlformats.org/drawingml/2006/main" xmlns:r="http://schemas.openxmlformats.org/officeDocument/2006/relationships" xmlns:p="http://schemas.openxmlformats.org/presentationml/2006/main">
   <p:cSld>
     <p:spTree>
@@ -13141,7 +14448,7 @@
 </p:sld>
 </file>
 
-<file path=ppt/slides/slide5.xml><?xml version="1.0" encoding="utf-8"?>
+<file path=ppt/slides/slide6.xml><?xml version="1.0" encoding="utf-8"?>
 <p:sld xmlns:a="http://schemas.openxmlformats.org/drawingml/2006/main" xmlns:r="http://schemas.openxmlformats.org/officeDocument/2006/relationships" xmlns:p="http://schemas.openxmlformats.org/presentationml/2006/main">
   <p:cSld>
     <p:spTree>
@@ -15495,7 +16802,7 @@
 </p:sld>
 </file>
 
-<file path=ppt/slides/slide6.xml><?xml version="1.0" encoding="utf-8"?>
+<file path=ppt/slides/slide7.xml><?xml version="1.0" encoding="utf-8"?>
 <p:sld xmlns:a="http://schemas.openxmlformats.org/drawingml/2006/main" xmlns:r="http://schemas.openxmlformats.org/officeDocument/2006/relationships" xmlns:p="http://schemas.openxmlformats.org/presentationml/2006/main">
   <p:cSld>
     <p:spTree>
